--- a/hardware/doc/AdaptNet_v1_00_a.pptx
+++ b/hardware/doc/AdaptNet_v1_00_a.pptx
@@ -5,7 +5,7 @@
     <p:sldMasterId id="2147483696" r:id="rId1"/>
   </p:sldMasterIdLst>
   <p:notesMasterIdLst>
-    <p:notesMasterId r:id="rId46"/>
+    <p:notesMasterId r:id="rId48"/>
   </p:notesMasterIdLst>
   <p:sldIdLst>
     <p:sldId id="256" r:id="rId2"/>
@@ -46,12 +46,14 @@
     <p:sldId id="308" r:id="rId37"/>
     <p:sldId id="288" r:id="rId38"/>
     <p:sldId id="301" r:id="rId39"/>
-    <p:sldId id="307" r:id="rId40"/>
-    <p:sldId id="303" r:id="rId41"/>
-    <p:sldId id="304" r:id="rId42"/>
-    <p:sldId id="305" r:id="rId43"/>
-    <p:sldId id="306" r:id="rId44"/>
-    <p:sldId id="310" r:id="rId45"/>
+    <p:sldId id="311" r:id="rId40"/>
+    <p:sldId id="312" r:id="rId41"/>
+    <p:sldId id="307" r:id="rId42"/>
+    <p:sldId id="303" r:id="rId43"/>
+    <p:sldId id="304" r:id="rId44"/>
+    <p:sldId id="305" r:id="rId45"/>
+    <p:sldId id="306" r:id="rId46"/>
+    <p:sldId id="310" r:id="rId47"/>
   </p:sldIdLst>
   <p:sldSz cx="9144000" cy="5143500" type="screen16x9"/>
   <p:notesSz cx="6858000" cy="9144000"/>
@@ -240,7 +242,7 @@
           <a:p>
             <a:fld id="{C4B376D1-B2A4-4962-9EC9-A9C8ACD38F22}" type="datetimeFigureOut">
               <a:rPr lang="en-US" smtClean="0"/>
-              <a:t>11/7/2019</a:t>
+              <a:t>2/13/2020</a:t>
             </a:fld>
             <a:endParaRPr lang="en-US"/>
           </a:p>
@@ -1058,7 +1060,7 @@
           <a:p>
             <a:fld id="{8F06087A-BB81-43C1-AFE2-3763E6B27B9D}" type="datetimeFigureOut">
               <a:rPr lang="en-US" smtClean="0"/>
-              <a:t>11/7/2019</a:t>
+              <a:t>2/13/2020</a:t>
             </a:fld>
             <a:endParaRPr lang="en-US"/>
           </a:p>
@@ -1228,7 +1230,7 @@
           <a:p>
             <a:fld id="{8F06087A-BB81-43C1-AFE2-3763E6B27B9D}" type="datetimeFigureOut">
               <a:rPr lang="en-US" smtClean="0"/>
-              <a:t>11/7/2019</a:t>
+              <a:t>2/13/2020</a:t>
             </a:fld>
             <a:endParaRPr lang="en-US"/>
           </a:p>
@@ -1408,7 +1410,7 @@
           <a:p>
             <a:fld id="{8F06087A-BB81-43C1-AFE2-3763E6B27B9D}" type="datetimeFigureOut">
               <a:rPr lang="en-US" smtClean="0"/>
-              <a:t>11/7/2019</a:t>
+              <a:t>2/13/2020</a:t>
             </a:fld>
             <a:endParaRPr lang="en-US"/>
           </a:p>
@@ -1578,7 +1580,7 @@
           <a:p>
             <a:fld id="{8F06087A-BB81-43C1-AFE2-3763E6B27B9D}" type="datetimeFigureOut">
               <a:rPr lang="en-US" smtClean="0"/>
-              <a:t>11/7/2019</a:t>
+              <a:t>2/13/2020</a:t>
             </a:fld>
             <a:endParaRPr lang="en-US"/>
           </a:p>
@@ -1824,7 +1826,7 @@
           <a:p>
             <a:fld id="{8F06087A-BB81-43C1-AFE2-3763E6B27B9D}" type="datetimeFigureOut">
               <a:rPr lang="en-US" smtClean="0"/>
-              <a:t>11/7/2019</a:t>
+              <a:t>2/13/2020</a:t>
             </a:fld>
             <a:endParaRPr lang="en-US"/>
           </a:p>
@@ -2056,7 +2058,7 @@
           <a:p>
             <a:fld id="{8F06087A-BB81-43C1-AFE2-3763E6B27B9D}" type="datetimeFigureOut">
               <a:rPr lang="en-US" smtClean="0"/>
-              <a:t>11/7/2019</a:t>
+              <a:t>2/13/2020</a:t>
             </a:fld>
             <a:endParaRPr lang="en-US"/>
           </a:p>
@@ -2423,7 +2425,7 @@
           <a:p>
             <a:fld id="{8F06087A-BB81-43C1-AFE2-3763E6B27B9D}" type="datetimeFigureOut">
               <a:rPr lang="en-US" smtClean="0"/>
-              <a:t>11/7/2019</a:t>
+              <a:t>2/13/2020</a:t>
             </a:fld>
             <a:endParaRPr lang="en-US"/>
           </a:p>
@@ -2541,7 +2543,7 @@
           <a:p>
             <a:fld id="{8F06087A-BB81-43C1-AFE2-3763E6B27B9D}" type="datetimeFigureOut">
               <a:rPr lang="en-US" smtClean="0"/>
-              <a:t>11/7/2019</a:t>
+              <a:t>2/13/2020</a:t>
             </a:fld>
             <a:endParaRPr lang="en-US"/>
           </a:p>
@@ -2636,7 +2638,7 @@
           <a:p>
             <a:fld id="{8F06087A-BB81-43C1-AFE2-3763E6B27B9D}" type="datetimeFigureOut">
               <a:rPr lang="en-US" smtClean="0"/>
-              <a:t>11/7/2019</a:t>
+              <a:t>2/13/2020</a:t>
             </a:fld>
             <a:endParaRPr lang="en-US"/>
           </a:p>
@@ -2913,7 +2915,7 @@
           <a:p>
             <a:fld id="{8F06087A-BB81-43C1-AFE2-3763E6B27B9D}" type="datetimeFigureOut">
               <a:rPr lang="en-US" smtClean="0"/>
-              <a:t>11/7/2019</a:t>
+              <a:t>2/13/2020</a:t>
             </a:fld>
             <a:endParaRPr lang="en-US"/>
           </a:p>
@@ -3170,7 +3172,7 @@
           <a:p>
             <a:fld id="{8F06087A-BB81-43C1-AFE2-3763E6B27B9D}" type="datetimeFigureOut">
               <a:rPr lang="en-US" smtClean="0"/>
-              <a:t>11/7/2019</a:t>
+              <a:t>2/13/2020</a:t>
             </a:fld>
             <a:endParaRPr lang="en-US"/>
           </a:p>
@@ -3383,7 +3385,7 @@
           <a:p>
             <a:fld id="{8F06087A-BB81-43C1-AFE2-3763E6B27B9D}" type="datetimeFigureOut">
               <a:rPr lang="en-US" smtClean="0"/>
-              <a:t>11/7/2019</a:t>
+              <a:t>2/13/2020</a:t>
             </a:fld>
             <a:endParaRPr lang="en-US"/>
           </a:p>
@@ -34804,100 +34806,4656 @@
       </p:grpSpPr>
       <p:sp>
         <p:nvSpPr>
-          <p:cNvPr id="2" name="Title 1">
+          <p:cNvPr id="58" name="TextBox 57">
             <a:extLst>
               <a:ext uri="{FF2B5EF4-FFF2-40B4-BE49-F238E27FC236}">
-                <a16:creationId xmlns:a16="http://schemas.microsoft.com/office/drawing/2014/main" id="{4AD6DAAA-C150-4898-BC9C-E84C2A0D6B21}"/>
+                <a16:creationId xmlns:a16="http://schemas.microsoft.com/office/drawing/2014/main" id="{9C04DD12-4230-4BAA-85D0-E25ABE909542}"/>
               </a:ext>
             </a:extLst>
           </p:cNvPr>
-          <p:cNvSpPr>
-            <a:spLocks noGrp="1"/>
-          </p:cNvSpPr>
-          <p:nvPr>
-            <p:ph type="title"/>
-          </p:nvPr>
+          <p:cNvSpPr txBox="1"/>
+          <p:nvPr/>
         </p:nvSpPr>
-        <p:spPr/>
+        <p:spPr>
+          <a:xfrm>
+            <a:off x="4568247" y="5278716"/>
+            <a:ext cx="1187726" cy="415498"/>
+          </a:xfrm>
+          <a:prstGeom prst="rect">
+            <a:avLst/>
+          </a:prstGeom>
+          <a:noFill/>
+        </p:spPr>
         <p:txBody>
-          <a:bodyPr/>
+          <a:bodyPr wrap="square" rtlCol="0">
+            <a:spAutoFit/>
+          </a:bodyPr>
           <a:lstStyle/>
           <a:p>
-            <a:r>
-              <a:rPr lang="en-US" dirty="0"/>
-              <a:t>The order to config accel</a:t>
+            <a:pPr algn="ctr"/>
+            <a:r>
+              <a:rPr lang="en-US" sz="1050" dirty="0"/>
+              <a:t>Cycle N </a:t>
+            </a:r>
+          </a:p>
+          <a:p>
+            <a:pPr algn="ctr"/>
+            <a:r>
+              <a:rPr lang="en-US" sz="1050" dirty="0"/>
+              <a:t>(N</a:t>
+            </a:r>
+            <a:r>
+              <a:rPr lang="en-US" sz="1050" baseline="-25000" dirty="0"/>
+              <a:t>D</a:t>
+            </a:r>
+            <a:r>
+              <a:rPr lang="en-US" sz="1050" dirty="0"/>
+              <a:t>, N</a:t>
+            </a:r>
+            <a:r>
+              <a:rPr lang="en-US" sz="1050" baseline="-25000" dirty="0"/>
+              <a:t>P</a:t>
+            </a:r>
+            <a:r>
+              <a:rPr lang="en-US" sz="1050" dirty="0"/>
+              <a:t>, N</a:t>
+            </a:r>
+            <a:r>
+              <a:rPr lang="en-US" sz="1050" baseline="-25000" dirty="0"/>
+              <a:t>Y</a:t>
+            </a:r>
+            <a:r>
+              <a:rPr lang="en-US" sz="1050" dirty="0"/>
+              <a:t>, N</a:t>
+            </a:r>
+            <a:r>
+              <a:rPr lang="en-US" sz="1050" baseline="-25000" dirty="0"/>
+              <a:t>X</a:t>
+            </a:r>
+            <a:r>
+              <a:rPr lang="en-US" sz="1050" dirty="0"/>
+              <a:t>)</a:t>
             </a:r>
           </a:p>
         </p:txBody>
       </p:sp>
-      <p:sp>
-        <p:nvSpPr>
-          <p:cNvPr id="3" name="Content Placeholder 2">
+      <p:graphicFrame>
+        <p:nvGraphicFramePr>
+          <p:cNvPr id="86" name="Table 86">
             <a:extLst>
               <a:ext uri="{FF2B5EF4-FFF2-40B4-BE49-F238E27FC236}">
-                <a16:creationId xmlns:a16="http://schemas.microsoft.com/office/drawing/2014/main" id="{1968B61E-13EB-4186-B4CF-5307081474DD}"/>
+                <a16:creationId xmlns:a16="http://schemas.microsoft.com/office/drawing/2014/main" id="{3AFA5B31-AB66-4CB8-988B-51E36753630C}"/>
               </a:ext>
             </a:extLst>
           </p:cNvPr>
-          <p:cNvSpPr>
-            <a:spLocks noGrp="1"/>
-          </p:cNvSpPr>
-          <p:nvPr>
-            <p:ph idx="1"/>
-          </p:nvPr>
-        </p:nvSpPr>
-        <p:spPr/>
-        <p:txBody>
-          <a:bodyPr/>
-          <a:lstStyle/>
-          <a:p>
-            <a:r>
-              <a:rPr lang="en-US" dirty="0"/>
-              <a:t>1</a:t>
-            </a:r>
-            <a:r>
-              <a:rPr lang="en-US" baseline="30000" dirty="0"/>
-              <a:t>st</a:t>
-            </a:r>
-            <a:r>
-              <a:rPr lang="en-US" dirty="0"/>
-              <a:t> config regs</a:t>
-            </a:r>
-          </a:p>
-          <a:p>
-            <a:r>
-              <a:rPr lang="en-US" dirty="0"/>
-              <a:t>2</a:t>
-            </a:r>
-            <a:r>
-              <a:rPr lang="en-US" baseline="30000" dirty="0"/>
-              <a:t>nd</a:t>
-            </a:r>
-            <a:r>
-              <a:rPr lang="en-US" dirty="0"/>
-              <a:t> pixel sequence data</a:t>
-            </a:r>
-          </a:p>
-          <a:p>
-            <a:r>
-              <a:rPr lang="en-US" dirty="0"/>
-              <a:t>3</a:t>
-            </a:r>
-            <a:r>
-              <a:rPr lang="en-US" baseline="30000" dirty="0"/>
-              <a:t>rd</a:t>
-            </a:r>
-            <a:r>
-              <a:rPr lang="en-US" dirty="0"/>
-              <a:t> kernel data</a:t>
-            </a:r>
-          </a:p>
-        </p:txBody>
-      </p:sp>
+          <p:cNvGraphicFramePr>
+            <a:graphicFrameLocks noGrp="1"/>
+          </p:cNvGraphicFramePr>
+          <p:nvPr/>
+        </p:nvGraphicFramePr>
+        <p:xfrm>
+          <a:off x="686362" y="651196"/>
+          <a:ext cx="7217230" cy="4107934"/>
+        </p:xfrm>
+        <a:graphic>
+          <a:graphicData uri="http://schemas.openxmlformats.org/drawingml/2006/table">
+            <a:tbl>
+              <a:tblPr firstRow="1" bandRow="1">
+                <a:tableStyleId>{5C22544A-7EE6-4342-B048-85BDC9FD1C3A}</a:tableStyleId>
+              </a:tblPr>
+              <a:tblGrid>
+                <a:gridCol w="980885">
+                  <a:extLst>
+                    <a:ext uri="{9D8B030D-6E8A-4147-A177-3AD203B41FA5}">
+                      <a16:colId xmlns:a16="http://schemas.microsoft.com/office/drawing/2014/main" val="3540499775"/>
+                    </a:ext>
+                  </a:extLst>
+                </a:gridCol>
+                <a:gridCol w="980885">
+                  <a:extLst>
+                    <a:ext uri="{9D8B030D-6E8A-4147-A177-3AD203B41FA5}">
+                      <a16:colId xmlns:a16="http://schemas.microsoft.com/office/drawing/2014/main" val="1780140727"/>
+                    </a:ext>
+                  </a:extLst>
+                </a:gridCol>
+                <a:gridCol w="980885">
+                  <a:extLst>
+                    <a:ext uri="{9D8B030D-6E8A-4147-A177-3AD203B41FA5}">
+                      <a16:colId xmlns:a16="http://schemas.microsoft.com/office/drawing/2014/main" val="3351418628"/>
+                    </a:ext>
+                  </a:extLst>
+                </a:gridCol>
+                <a:gridCol w="1347482">
+                  <a:extLst>
+                    <a:ext uri="{9D8B030D-6E8A-4147-A177-3AD203B41FA5}">
+                      <a16:colId xmlns:a16="http://schemas.microsoft.com/office/drawing/2014/main" val="949002861"/>
+                    </a:ext>
+                  </a:extLst>
+                </a:gridCol>
+                <a:gridCol w="1045178">
+                  <a:extLst>
+                    <a:ext uri="{9D8B030D-6E8A-4147-A177-3AD203B41FA5}">
+                      <a16:colId xmlns:a16="http://schemas.microsoft.com/office/drawing/2014/main" val="1618486886"/>
+                    </a:ext>
+                  </a:extLst>
+                </a:gridCol>
+                <a:gridCol w="1881915">
+                  <a:extLst>
+                    <a:ext uri="{9D8B030D-6E8A-4147-A177-3AD203B41FA5}">
+                      <a16:colId xmlns:a16="http://schemas.microsoft.com/office/drawing/2014/main" val="1398925572"/>
+                    </a:ext>
+                  </a:extLst>
+                </a:gridCol>
+              </a:tblGrid>
+              <a:tr h="257501">
+                <a:tc>
+                  <a:txBody>
+                    <a:bodyPr/>
+                    <a:lstStyle/>
+                    <a:p>
+                      <a:pPr algn="ctr"/>
+                      <a:r>
+                        <a:rPr lang="en-US" sz="1200" dirty="0"/>
+                        <a:t>Cycle 0</a:t>
+                      </a:r>
+                    </a:p>
+                  </a:txBody>
+                  <a:tcPr marL="68580" marR="68580" marT="34290" marB="34290"/>
+                </a:tc>
+                <a:tc>
+                  <a:txBody>
+                    <a:bodyPr/>
+                    <a:lstStyle/>
+                    <a:p>
+                      <a:pPr algn="ctr"/>
+                      <a:r>
+                        <a:rPr lang="en-US" sz="1200" dirty="0"/>
+                        <a:t>Cycle 1</a:t>
+                      </a:r>
+                    </a:p>
+                  </a:txBody>
+                  <a:tcPr marL="68580" marR="68580" marT="34290" marB="34290"/>
+                </a:tc>
+                <a:tc>
+                  <a:txBody>
+                    <a:bodyPr/>
+                    <a:lstStyle/>
+                    <a:p>
+                      <a:pPr algn="ctr"/>
+                      <a:r>
+                        <a:rPr lang="en-US" sz="1200" dirty="0"/>
+                        <a:t>Cycle 2</a:t>
+                      </a:r>
+                    </a:p>
+                  </a:txBody>
+                  <a:tcPr marL="68580" marR="68580" marT="34290" marB="34290"/>
+                </a:tc>
+                <a:tc>
+                  <a:txBody>
+                    <a:bodyPr/>
+                    <a:lstStyle/>
+                    <a:p>
+                      <a:pPr algn="ctr"/>
+                      <a:endParaRPr lang="en-US" sz="1200" dirty="0"/>
+                    </a:p>
+                  </a:txBody>
+                  <a:tcPr marL="68580" marR="68580" marT="34290" marB="34290"/>
+                </a:tc>
+                <a:tc>
+                  <a:txBody>
+                    <a:bodyPr/>
+                    <a:lstStyle/>
+                    <a:p>
+                      <a:pPr algn="ctr"/>
+                      <a:r>
+                        <a:rPr lang="en-US" sz="1200" dirty="0"/>
+                        <a:t>Cycle N</a:t>
+                      </a:r>
+                    </a:p>
+                  </a:txBody>
+                  <a:tcPr marL="68580" marR="68580" marT="34290" marB="34290"/>
+                </a:tc>
+                <a:tc>
+                  <a:txBody>
+                    <a:bodyPr/>
+                    <a:lstStyle/>
+                    <a:p>
+                      <a:pPr algn="ctr"/>
+                      <a:r>
+                        <a:rPr lang="en-US" sz="1200" dirty="0"/>
+                        <a:t>Action</a:t>
+                      </a:r>
+                    </a:p>
+                  </a:txBody>
+                  <a:tcPr marL="68580" marR="68580" marT="34290" marB="34290"/>
+                </a:tc>
+                <a:extLst>
+                  <a:ext uri="{0D108BD9-81ED-4DB2-BD59-A6C34878D82A}">
+                    <a16:rowId xmlns:a16="http://schemas.microsoft.com/office/drawing/2014/main" val="811883644"/>
+                  </a:ext>
+                </a:extLst>
+              </a:tr>
+              <a:tr h="251460">
+                <a:tc>
+                  <a:txBody>
+                    <a:bodyPr/>
+                    <a:lstStyle/>
+                    <a:p>
+                      <a:pPr marL="0" marR="0" lvl="0" indent="0" algn="l" defTabSz="914400" rtl="0" eaLnBrk="1" fontAlgn="auto" latinLnBrk="0" hangingPunct="1">
+                        <a:lnSpc>
+                          <a:spcPct val="100000"/>
+                        </a:lnSpc>
+                        <a:spcBef>
+                          <a:spcPts val="0"/>
+                        </a:spcBef>
+                        <a:spcAft>
+                          <a:spcPts val="0"/>
+                        </a:spcAft>
+                        <a:buClrTx/>
+                        <a:buSzTx/>
+                        <a:buFontTx/>
+                        <a:buNone/>
+                        <a:tabLst/>
+                        <a:defRPr/>
+                      </a:pPr>
+                      <a:r>
+                        <a:rPr lang="en-US" sz="1200" dirty="0"/>
+                        <a:t>(0</a:t>
+                      </a:r>
+                      <a:r>
+                        <a:rPr lang="en-US" sz="1200" baseline="-25000" dirty="0"/>
+                        <a:t>D</a:t>
+                      </a:r>
+                      <a:r>
+                        <a:rPr lang="en-US" sz="1200" dirty="0"/>
+                        <a:t>, 0</a:t>
+                      </a:r>
+                      <a:r>
+                        <a:rPr lang="en-US" sz="1200" baseline="-25000" dirty="0"/>
+                        <a:t>P</a:t>
+                      </a:r>
+                      <a:r>
+                        <a:rPr lang="en-US" sz="1200" dirty="0"/>
+                        <a:t>, 0</a:t>
+                      </a:r>
+                      <a:r>
+                        <a:rPr lang="en-US" sz="1200" baseline="-25000" dirty="0"/>
+                        <a:t>Y</a:t>
+                      </a:r>
+                      <a:r>
+                        <a:rPr lang="en-US" sz="1200" dirty="0"/>
+                        <a:t>, </a:t>
+                      </a:r>
+                      <a:r>
+                        <a:rPr lang="en-US" sz="1200" dirty="0">
+                          <a:solidFill>
+                            <a:schemeClr val="tx1"/>
+                          </a:solidFill>
+                        </a:rPr>
+                        <a:t>0</a:t>
+                      </a:r>
+                      <a:r>
+                        <a:rPr lang="en-US" sz="1200" baseline="-25000" dirty="0">
+                          <a:solidFill>
+                            <a:schemeClr val="tx1"/>
+                          </a:solidFill>
+                        </a:rPr>
+                        <a:t>X</a:t>
+                      </a:r>
+                      <a:r>
+                        <a:rPr lang="en-US" sz="1200" dirty="0"/>
+                        <a:t>)</a:t>
+                      </a:r>
+                    </a:p>
+                  </a:txBody>
+                  <a:tcPr marL="68580" marR="68580" marT="34290" marB="34290"/>
+                </a:tc>
+                <a:tc>
+                  <a:txBody>
+                    <a:bodyPr/>
+                    <a:lstStyle/>
+                    <a:p>
+                      <a:pPr marL="0" marR="0" lvl="0" indent="0" algn="l" defTabSz="914400" rtl="0" eaLnBrk="1" fontAlgn="auto" latinLnBrk="0" hangingPunct="1">
+                        <a:lnSpc>
+                          <a:spcPct val="100000"/>
+                        </a:lnSpc>
+                        <a:spcBef>
+                          <a:spcPts val="0"/>
+                        </a:spcBef>
+                        <a:spcAft>
+                          <a:spcPts val="0"/>
+                        </a:spcAft>
+                        <a:buClrTx/>
+                        <a:buSzTx/>
+                        <a:buFontTx/>
+                        <a:buNone/>
+                        <a:tabLst/>
+                        <a:defRPr/>
+                      </a:pPr>
+                      <a:r>
+                        <a:rPr lang="en-US" sz="1200" dirty="0"/>
+                        <a:t>(0</a:t>
+                      </a:r>
+                      <a:r>
+                        <a:rPr lang="en-US" sz="1200" baseline="-25000" dirty="0"/>
+                        <a:t>D</a:t>
+                      </a:r>
+                      <a:r>
+                        <a:rPr lang="en-US" sz="1200" dirty="0"/>
+                        <a:t>, 0</a:t>
+                      </a:r>
+                      <a:r>
+                        <a:rPr lang="en-US" sz="1200" baseline="-25000" dirty="0"/>
+                        <a:t>P</a:t>
+                      </a:r>
+                      <a:r>
+                        <a:rPr lang="en-US" sz="1200" dirty="0"/>
+                        <a:t>, 0</a:t>
+                      </a:r>
+                      <a:r>
+                        <a:rPr lang="en-US" sz="1200" baseline="-25000" dirty="0"/>
+                        <a:t>Y</a:t>
+                      </a:r>
+                      <a:r>
+                        <a:rPr lang="en-US" sz="1200" dirty="0"/>
+                        <a:t>, </a:t>
+                      </a:r>
+                      <a:r>
+                        <a:rPr lang="en-US" sz="1200" dirty="0">
+                          <a:solidFill>
+                            <a:srgbClr val="FF0000"/>
+                          </a:solidFill>
+                        </a:rPr>
+                        <a:t>1</a:t>
+                      </a:r>
+                      <a:r>
+                        <a:rPr lang="en-US" sz="1200" baseline="-25000" dirty="0">
+                          <a:solidFill>
+                            <a:srgbClr val="FF0000"/>
+                          </a:solidFill>
+                        </a:rPr>
+                        <a:t>X</a:t>
+                      </a:r>
+                      <a:r>
+                        <a:rPr lang="en-US" sz="1200" dirty="0"/>
+                        <a:t>)</a:t>
+                      </a:r>
+                    </a:p>
+                  </a:txBody>
+                  <a:tcPr marL="68580" marR="68580" marT="34290" marB="34290"/>
+                </a:tc>
+                <a:tc>
+                  <a:txBody>
+                    <a:bodyPr/>
+                    <a:lstStyle/>
+                    <a:p>
+                      <a:pPr marL="0" marR="0" lvl="0" indent="0" algn="l" defTabSz="914400" rtl="0" eaLnBrk="1" fontAlgn="auto" latinLnBrk="0" hangingPunct="1">
+                        <a:lnSpc>
+                          <a:spcPct val="100000"/>
+                        </a:lnSpc>
+                        <a:spcBef>
+                          <a:spcPts val="0"/>
+                        </a:spcBef>
+                        <a:spcAft>
+                          <a:spcPts val="0"/>
+                        </a:spcAft>
+                        <a:buClrTx/>
+                        <a:buSzTx/>
+                        <a:buFontTx/>
+                        <a:buNone/>
+                        <a:tabLst/>
+                        <a:defRPr/>
+                      </a:pPr>
+                      <a:r>
+                        <a:rPr lang="en-US" sz="1200" dirty="0"/>
+                        <a:t>(0</a:t>
+                      </a:r>
+                      <a:r>
+                        <a:rPr lang="en-US" sz="1200" baseline="-25000" dirty="0"/>
+                        <a:t>D</a:t>
+                      </a:r>
+                      <a:r>
+                        <a:rPr lang="en-US" sz="1200" dirty="0"/>
+                        <a:t>, 0</a:t>
+                      </a:r>
+                      <a:r>
+                        <a:rPr lang="en-US" sz="1200" baseline="-25000" dirty="0"/>
+                        <a:t>P</a:t>
+                      </a:r>
+                      <a:r>
+                        <a:rPr lang="en-US" sz="1200" dirty="0"/>
+                        <a:t>, 0</a:t>
+                      </a:r>
+                      <a:r>
+                        <a:rPr lang="en-US" sz="1200" baseline="-25000" dirty="0"/>
+                        <a:t>Y</a:t>
+                      </a:r>
+                      <a:r>
+                        <a:rPr lang="en-US" sz="1200" dirty="0"/>
+                        <a:t>, </a:t>
+                      </a:r>
+                      <a:r>
+                        <a:rPr lang="en-US" sz="1200" dirty="0">
+                          <a:solidFill>
+                            <a:srgbClr val="FF0000"/>
+                          </a:solidFill>
+                        </a:rPr>
+                        <a:t>2</a:t>
+                      </a:r>
+                      <a:r>
+                        <a:rPr lang="en-US" sz="1200" baseline="-25000" dirty="0">
+                          <a:solidFill>
+                            <a:srgbClr val="FF0000"/>
+                          </a:solidFill>
+                        </a:rPr>
+                        <a:t>X</a:t>
+                      </a:r>
+                      <a:r>
+                        <a:rPr lang="en-US" sz="1200" dirty="0"/>
+                        <a:t>)</a:t>
+                      </a:r>
+                    </a:p>
+                  </a:txBody>
+                  <a:tcPr marL="68580" marR="68580" marT="34290" marB="34290"/>
+                </a:tc>
+                <a:tc>
+                  <a:txBody>
+                    <a:bodyPr/>
+                    <a:lstStyle/>
+                    <a:p>
+                      <a:endParaRPr lang="en-US" sz="1200"/>
+                    </a:p>
+                  </a:txBody>
+                  <a:tcPr marL="68580" marR="68580" marT="34290" marB="34290"/>
+                </a:tc>
+                <a:tc>
+                  <a:txBody>
+                    <a:bodyPr/>
+                    <a:lstStyle/>
+                    <a:p>
+                      <a:pPr marL="0" marR="0" lvl="0" indent="0" algn="l" defTabSz="914400" rtl="0" eaLnBrk="1" fontAlgn="auto" latinLnBrk="0" hangingPunct="1">
+                        <a:lnSpc>
+                          <a:spcPct val="100000"/>
+                        </a:lnSpc>
+                        <a:spcBef>
+                          <a:spcPts val="0"/>
+                        </a:spcBef>
+                        <a:spcAft>
+                          <a:spcPts val="0"/>
+                        </a:spcAft>
+                        <a:buClrTx/>
+                        <a:buSzTx/>
+                        <a:buFontTx/>
+                        <a:buNone/>
+                        <a:tabLst/>
+                        <a:defRPr/>
+                      </a:pPr>
+                      <a:r>
+                        <a:rPr lang="en-US" sz="1200" dirty="0"/>
+                        <a:t>(0</a:t>
+                      </a:r>
+                      <a:r>
+                        <a:rPr lang="en-US" sz="1200" baseline="-25000" dirty="0"/>
+                        <a:t>D</a:t>
+                      </a:r>
+                      <a:r>
+                        <a:rPr lang="en-US" sz="1200" dirty="0"/>
+                        <a:t>, 0</a:t>
+                      </a:r>
+                      <a:r>
+                        <a:rPr lang="en-US" sz="1200" baseline="-25000" dirty="0"/>
+                        <a:t>P</a:t>
+                      </a:r>
+                      <a:r>
+                        <a:rPr lang="en-US" sz="1200" dirty="0"/>
+                        <a:t>, 0</a:t>
+                      </a:r>
+                      <a:r>
+                        <a:rPr lang="en-US" sz="1200" baseline="-25000" dirty="0"/>
+                        <a:t>Y</a:t>
+                      </a:r>
+                      <a:r>
+                        <a:rPr lang="en-US" sz="1200" dirty="0"/>
+                        <a:t>, N</a:t>
+                      </a:r>
+                      <a:r>
+                        <a:rPr lang="en-US" sz="1200" baseline="-25000" dirty="0"/>
+                        <a:t>X</a:t>
+                      </a:r>
+                      <a:r>
+                        <a:rPr lang="en-US" sz="1200" dirty="0"/>
+                        <a:t>)</a:t>
+                      </a:r>
+                    </a:p>
+                  </a:txBody>
+                  <a:tcPr marL="68580" marR="68580" marT="34290" marB="34290"/>
+                </a:tc>
+                <a:tc>
+                  <a:txBody>
+                    <a:bodyPr/>
+                    <a:lstStyle/>
+                    <a:p>
+                      <a:pPr marL="0" marR="0" lvl="0" indent="0" algn="l" defTabSz="914400" rtl="0" eaLnBrk="1" fontAlgn="auto" latinLnBrk="0" hangingPunct="1">
+                        <a:lnSpc>
+                          <a:spcPct val="100000"/>
+                        </a:lnSpc>
+                        <a:spcBef>
+                          <a:spcPts val="0"/>
+                        </a:spcBef>
+                        <a:spcAft>
+                          <a:spcPts val="0"/>
+                        </a:spcAft>
+                        <a:buClrTx/>
+                        <a:buSzTx/>
+                        <a:buFontTx/>
+                        <a:buNone/>
+                        <a:tabLst/>
+                        <a:defRPr/>
+                      </a:pPr>
+                      <a:r>
+                        <a:rPr lang="en-US" sz="1200" dirty="0"/>
+                        <a:t>Next Kernel / Output Depth</a:t>
+                      </a:r>
+                    </a:p>
+                  </a:txBody>
+                  <a:tcPr marL="68580" marR="68580" marT="34290" marB="34290"/>
+                </a:tc>
+                <a:extLst>
+                  <a:ext uri="{0D108BD9-81ED-4DB2-BD59-A6C34878D82A}">
+                    <a16:rowId xmlns:a16="http://schemas.microsoft.com/office/drawing/2014/main" val="3877703440"/>
+                  </a:ext>
+                </a:extLst>
+              </a:tr>
+              <a:tr h="251460">
+                <a:tc>
+                  <a:txBody>
+                    <a:bodyPr/>
+                    <a:lstStyle/>
+                    <a:p>
+                      <a:pPr marL="0" marR="0" lvl="0" indent="0" algn="l" defTabSz="914400" rtl="0" eaLnBrk="1" fontAlgn="auto" latinLnBrk="0" hangingPunct="1">
+                        <a:lnSpc>
+                          <a:spcPct val="100000"/>
+                        </a:lnSpc>
+                        <a:spcBef>
+                          <a:spcPts val="0"/>
+                        </a:spcBef>
+                        <a:spcAft>
+                          <a:spcPts val="0"/>
+                        </a:spcAft>
+                        <a:buClrTx/>
+                        <a:buSzTx/>
+                        <a:buFontTx/>
+                        <a:buNone/>
+                        <a:tabLst/>
+                        <a:defRPr/>
+                      </a:pPr>
+                      <a:r>
+                        <a:rPr lang="en-US" sz="1200" dirty="0"/>
+                        <a:t>(</a:t>
+                      </a:r>
+                      <a:r>
+                        <a:rPr lang="en-US" sz="1200" dirty="0">
+                          <a:solidFill>
+                            <a:srgbClr val="FF0000"/>
+                          </a:solidFill>
+                        </a:rPr>
+                        <a:t>1</a:t>
+                      </a:r>
+                      <a:r>
+                        <a:rPr lang="en-US" sz="1200" baseline="-25000" dirty="0">
+                          <a:solidFill>
+                            <a:srgbClr val="FF0000"/>
+                          </a:solidFill>
+                        </a:rPr>
+                        <a:t>D</a:t>
+                      </a:r>
+                      <a:r>
+                        <a:rPr lang="en-US" sz="1200" dirty="0"/>
+                        <a:t>, 0</a:t>
+                      </a:r>
+                      <a:r>
+                        <a:rPr lang="en-US" sz="1200" baseline="-25000" dirty="0"/>
+                        <a:t>P</a:t>
+                      </a:r>
+                      <a:r>
+                        <a:rPr lang="en-US" sz="1200" dirty="0"/>
+                        <a:t>, 0</a:t>
+                      </a:r>
+                      <a:r>
+                        <a:rPr lang="en-US" sz="1200" baseline="-25000" dirty="0"/>
+                        <a:t>Y</a:t>
+                      </a:r>
+                      <a:r>
+                        <a:rPr lang="en-US" sz="1200" dirty="0"/>
+                        <a:t>, </a:t>
+                      </a:r>
+                      <a:r>
+                        <a:rPr lang="en-US" sz="1200" dirty="0">
+                          <a:solidFill>
+                            <a:schemeClr val="tx1"/>
+                          </a:solidFill>
+                        </a:rPr>
+                        <a:t>0</a:t>
+                      </a:r>
+                      <a:r>
+                        <a:rPr lang="en-US" sz="1200" baseline="-25000" dirty="0">
+                          <a:solidFill>
+                            <a:schemeClr val="tx1"/>
+                          </a:solidFill>
+                        </a:rPr>
+                        <a:t>X</a:t>
+                      </a:r>
+                      <a:r>
+                        <a:rPr lang="en-US" sz="1200" dirty="0"/>
+                        <a:t>)</a:t>
+                      </a:r>
+                    </a:p>
+                  </a:txBody>
+                  <a:tcPr marL="68580" marR="68580" marT="34290" marB="34290"/>
+                </a:tc>
+                <a:tc>
+                  <a:txBody>
+                    <a:bodyPr/>
+                    <a:lstStyle/>
+                    <a:p>
+                      <a:pPr marL="0" marR="0" lvl="0" indent="0" algn="l" defTabSz="914400" rtl="0" eaLnBrk="1" fontAlgn="auto" latinLnBrk="0" hangingPunct="1">
+                        <a:lnSpc>
+                          <a:spcPct val="100000"/>
+                        </a:lnSpc>
+                        <a:spcBef>
+                          <a:spcPts val="0"/>
+                        </a:spcBef>
+                        <a:spcAft>
+                          <a:spcPts val="0"/>
+                        </a:spcAft>
+                        <a:buClrTx/>
+                        <a:buSzTx/>
+                        <a:buFontTx/>
+                        <a:buNone/>
+                        <a:tabLst/>
+                        <a:defRPr/>
+                      </a:pPr>
+                      <a:r>
+                        <a:rPr lang="en-US" sz="1200" dirty="0"/>
+                        <a:t>(1</a:t>
+                      </a:r>
+                      <a:r>
+                        <a:rPr lang="en-US" sz="1200" baseline="-25000" dirty="0"/>
+                        <a:t>D</a:t>
+                      </a:r>
+                      <a:r>
+                        <a:rPr lang="en-US" sz="1200" dirty="0"/>
+                        <a:t>, 0</a:t>
+                      </a:r>
+                      <a:r>
+                        <a:rPr lang="en-US" sz="1200" baseline="-25000" dirty="0"/>
+                        <a:t>P</a:t>
+                      </a:r>
+                      <a:r>
+                        <a:rPr lang="en-US" sz="1200" dirty="0"/>
+                        <a:t>, 0</a:t>
+                      </a:r>
+                      <a:r>
+                        <a:rPr lang="en-US" sz="1200" baseline="-25000" dirty="0"/>
+                        <a:t>Y</a:t>
+                      </a:r>
+                      <a:r>
+                        <a:rPr lang="en-US" sz="1200" dirty="0"/>
+                        <a:t>, </a:t>
+                      </a:r>
+                      <a:r>
+                        <a:rPr lang="en-US" sz="1200" dirty="0">
+                          <a:solidFill>
+                            <a:srgbClr val="FF0000"/>
+                          </a:solidFill>
+                        </a:rPr>
+                        <a:t>1</a:t>
+                      </a:r>
+                      <a:r>
+                        <a:rPr lang="en-US" sz="1200" baseline="-25000" dirty="0">
+                          <a:solidFill>
+                            <a:srgbClr val="FF0000"/>
+                          </a:solidFill>
+                        </a:rPr>
+                        <a:t>X</a:t>
+                      </a:r>
+                      <a:r>
+                        <a:rPr lang="en-US" sz="1200" dirty="0"/>
+                        <a:t>)</a:t>
+                      </a:r>
+                    </a:p>
+                  </a:txBody>
+                  <a:tcPr marL="68580" marR="68580" marT="34290" marB="34290"/>
+                </a:tc>
+                <a:tc>
+                  <a:txBody>
+                    <a:bodyPr/>
+                    <a:lstStyle/>
+                    <a:p>
+                      <a:pPr marL="0" marR="0" lvl="0" indent="0" algn="l" defTabSz="914400" rtl="0" eaLnBrk="1" fontAlgn="auto" latinLnBrk="0" hangingPunct="1">
+                        <a:lnSpc>
+                          <a:spcPct val="100000"/>
+                        </a:lnSpc>
+                        <a:spcBef>
+                          <a:spcPts val="0"/>
+                        </a:spcBef>
+                        <a:spcAft>
+                          <a:spcPts val="0"/>
+                        </a:spcAft>
+                        <a:buClrTx/>
+                        <a:buSzTx/>
+                        <a:buFontTx/>
+                        <a:buNone/>
+                        <a:tabLst/>
+                        <a:defRPr/>
+                      </a:pPr>
+                      <a:r>
+                        <a:rPr lang="en-US" sz="1200" dirty="0"/>
+                        <a:t>(1</a:t>
+                      </a:r>
+                      <a:r>
+                        <a:rPr lang="en-US" sz="1200" baseline="-25000" dirty="0"/>
+                        <a:t>D</a:t>
+                      </a:r>
+                      <a:r>
+                        <a:rPr lang="en-US" sz="1200" dirty="0"/>
+                        <a:t>, 0</a:t>
+                      </a:r>
+                      <a:r>
+                        <a:rPr lang="en-US" sz="1200" baseline="-25000" dirty="0"/>
+                        <a:t>P</a:t>
+                      </a:r>
+                      <a:r>
+                        <a:rPr lang="en-US" sz="1200" dirty="0"/>
+                        <a:t>, 0</a:t>
+                      </a:r>
+                      <a:r>
+                        <a:rPr lang="en-US" sz="1200" baseline="-25000" dirty="0"/>
+                        <a:t>Y</a:t>
+                      </a:r>
+                      <a:r>
+                        <a:rPr lang="en-US" sz="1200" dirty="0"/>
+                        <a:t>, </a:t>
+                      </a:r>
+                      <a:r>
+                        <a:rPr lang="en-US" sz="1200" dirty="0">
+                          <a:solidFill>
+                            <a:srgbClr val="FF0000"/>
+                          </a:solidFill>
+                        </a:rPr>
+                        <a:t>2</a:t>
+                      </a:r>
+                      <a:r>
+                        <a:rPr lang="en-US" sz="1200" baseline="-25000" dirty="0">
+                          <a:solidFill>
+                            <a:srgbClr val="FF0000"/>
+                          </a:solidFill>
+                        </a:rPr>
+                        <a:t>X</a:t>
+                      </a:r>
+                      <a:r>
+                        <a:rPr lang="en-US" sz="1200" dirty="0"/>
+                        <a:t>)</a:t>
+                      </a:r>
+                    </a:p>
+                  </a:txBody>
+                  <a:tcPr marL="68580" marR="68580" marT="34290" marB="34290"/>
+                </a:tc>
+                <a:tc>
+                  <a:txBody>
+                    <a:bodyPr/>
+                    <a:lstStyle/>
+                    <a:p>
+                      <a:endParaRPr lang="en-US" sz="1200" dirty="0"/>
+                    </a:p>
+                  </a:txBody>
+                  <a:tcPr marL="68580" marR="68580" marT="34290" marB="34290"/>
+                </a:tc>
+                <a:tc>
+                  <a:txBody>
+                    <a:bodyPr/>
+                    <a:lstStyle/>
+                    <a:p>
+                      <a:pPr marL="0" marR="0" lvl="0" indent="0" algn="l" defTabSz="914400" rtl="0" eaLnBrk="1" fontAlgn="auto" latinLnBrk="0" hangingPunct="1">
+                        <a:lnSpc>
+                          <a:spcPct val="100000"/>
+                        </a:lnSpc>
+                        <a:spcBef>
+                          <a:spcPts val="0"/>
+                        </a:spcBef>
+                        <a:spcAft>
+                          <a:spcPts val="0"/>
+                        </a:spcAft>
+                        <a:buClrTx/>
+                        <a:buSzTx/>
+                        <a:buFontTx/>
+                        <a:buNone/>
+                        <a:tabLst/>
+                        <a:defRPr/>
+                      </a:pPr>
+                      <a:r>
+                        <a:rPr lang="en-US" sz="1200" dirty="0"/>
+                        <a:t>(1</a:t>
+                      </a:r>
+                      <a:r>
+                        <a:rPr lang="en-US" sz="1200" baseline="-25000" dirty="0"/>
+                        <a:t>D</a:t>
+                      </a:r>
+                      <a:r>
+                        <a:rPr lang="en-US" sz="1200" dirty="0"/>
+                        <a:t>, 0</a:t>
+                      </a:r>
+                      <a:r>
+                        <a:rPr lang="en-US" sz="1200" baseline="-25000" dirty="0"/>
+                        <a:t>P</a:t>
+                      </a:r>
+                      <a:r>
+                        <a:rPr lang="en-US" sz="1200" dirty="0"/>
+                        <a:t>, 0</a:t>
+                      </a:r>
+                      <a:r>
+                        <a:rPr lang="en-US" sz="1200" baseline="-25000" dirty="0"/>
+                        <a:t>Y</a:t>
+                      </a:r>
+                      <a:r>
+                        <a:rPr lang="en-US" sz="1200" dirty="0"/>
+                        <a:t>, N</a:t>
+                      </a:r>
+                      <a:r>
+                        <a:rPr lang="en-US" sz="1200" baseline="-25000" dirty="0"/>
+                        <a:t>X</a:t>
+                      </a:r>
+                      <a:r>
+                        <a:rPr lang="en-US" sz="1200" dirty="0"/>
+                        <a:t>)</a:t>
+                      </a:r>
+                    </a:p>
+                  </a:txBody>
+                  <a:tcPr marL="68580" marR="68580" marT="34290" marB="34290"/>
+                </a:tc>
+                <a:tc>
+                  <a:txBody>
+                    <a:bodyPr/>
+                    <a:lstStyle/>
+                    <a:p>
+                      <a:pPr marL="0" marR="0" lvl="0" indent="0" algn="l" defTabSz="914400" rtl="0" eaLnBrk="1" fontAlgn="auto" latinLnBrk="0" hangingPunct="1">
+                        <a:lnSpc>
+                          <a:spcPct val="100000"/>
+                        </a:lnSpc>
+                        <a:spcBef>
+                          <a:spcPts val="0"/>
+                        </a:spcBef>
+                        <a:spcAft>
+                          <a:spcPts val="0"/>
+                        </a:spcAft>
+                        <a:buClrTx/>
+                        <a:buSzTx/>
+                        <a:buFontTx/>
+                        <a:buNone/>
+                        <a:tabLst/>
+                        <a:defRPr/>
+                      </a:pPr>
+                      <a:r>
+                        <a:rPr lang="en-US" sz="1200" dirty="0"/>
+                        <a:t>Next Kernel / Output Depth</a:t>
+                      </a:r>
+                    </a:p>
+                  </a:txBody>
+                  <a:tcPr marL="68580" marR="68580" marT="34290" marB="34290"/>
+                </a:tc>
+                <a:extLst>
+                  <a:ext uri="{0D108BD9-81ED-4DB2-BD59-A6C34878D82A}">
+                    <a16:rowId xmlns:a16="http://schemas.microsoft.com/office/drawing/2014/main" val="4279363826"/>
+                  </a:ext>
+                </a:extLst>
+              </a:tr>
+              <a:tr h="257501">
+                <a:tc>
+                  <a:txBody>
+                    <a:bodyPr/>
+                    <a:lstStyle/>
+                    <a:p>
+                      <a:pPr marL="0" marR="0" lvl="0" indent="0" algn="l" defTabSz="914400" rtl="0" eaLnBrk="1" fontAlgn="auto" latinLnBrk="0" hangingPunct="1">
+                        <a:lnSpc>
+                          <a:spcPct val="100000"/>
+                        </a:lnSpc>
+                        <a:spcBef>
+                          <a:spcPts val="0"/>
+                        </a:spcBef>
+                        <a:spcAft>
+                          <a:spcPts val="0"/>
+                        </a:spcAft>
+                        <a:buClrTx/>
+                        <a:buSzTx/>
+                        <a:buFontTx/>
+                        <a:buNone/>
+                        <a:tabLst/>
+                        <a:defRPr/>
+                      </a:pPr>
+                      <a:r>
+                        <a:rPr lang="en-US" sz="1200" dirty="0"/>
+                        <a:t>(</a:t>
+                      </a:r>
+                      <a:r>
+                        <a:rPr lang="en-US" sz="1200" dirty="0">
+                          <a:solidFill>
+                            <a:srgbClr val="FF0000"/>
+                          </a:solidFill>
+                        </a:rPr>
+                        <a:t>2</a:t>
+                      </a:r>
+                      <a:r>
+                        <a:rPr lang="en-US" sz="1200" baseline="-25000" dirty="0">
+                          <a:solidFill>
+                            <a:srgbClr val="FF0000"/>
+                          </a:solidFill>
+                        </a:rPr>
+                        <a:t>D</a:t>
+                      </a:r>
+                      <a:r>
+                        <a:rPr lang="en-US" sz="1200" dirty="0"/>
+                        <a:t>, 0</a:t>
+                      </a:r>
+                      <a:r>
+                        <a:rPr lang="en-US" sz="1200" baseline="-25000" dirty="0"/>
+                        <a:t>P</a:t>
+                      </a:r>
+                      <a:r>
+                        <a:rPr lang="en-US" sz="1200" dirty="0"/>
+                        <a:t>, 0</a:t>
+                      </a:r>
+                      <a:r>
+                        <a:rPr lang="en-US" sz="1200" baseline="-25000" dirty="0"/>
+                        <a:t>Y</a:t>
+                      </a:r>
+                      <a:r>
+                        <a:rPr lang="en-US" sz="1200" dirty="0"/>
+                        <a:t>, </a:t>
+                      </a:r>
+                      <a:r>
+                        <a:rPr lang="en-US" sz="1200" dirty="0">
+                          <a:solidFill>
+                            <a:schemeClr val="tx1"/>
+                          </a:solidFill>
+                        </a:rPr>
+                        <a:t>0</a:t>
+                      </a:r>
+                      <a:r>
+                        <a:rPr lang="en-US" sz="1200" baseline="-25000" dirty="0">
+                          <a:solidFill>
+                            <a:schemeClr val="tx1"/>
+                          </a:solidFill>
+                        </a:rPr>
+                        <a:t>X</a:t>
+                      </a:r>
+                      <a:r>
+                        <a:rPr lang="en-US" sz="1200" dirty="0"/>
+                        <a:t>)</a:t>
+                      </a:r>
+                    </a:p>
+                  </a:txBody>
+                  <a:tcPr marL="68580" marR="68580" marT="34290" marB="34290"/>
+                </a:tc>
+                <a:tc>
+                  <a:txBody>
+                    <a:bodyPr/>
+                    <a:lstStyle/>
+                    <a:p>
+                      <a:pPr marL="0" marR="0" lvl="0" indent="0" algn="l" defTabSz="914400" rtl="0" eaLnBrk="1" fontAlgn="auto" latinLnBrk="0" hangingPunct="1">
+                        <a:lnSpc>
+                          <a:spcPct val="100000"/>
+                        </a:lnSpc>
+                        <a:spcBef>
+                          <a:spcPts val="0"/>
+                        </a:spcBef>
+                        <a:spcAft>
+                          <a:spcPts val="0"/>
+                        </a:spcAft>
+                        <a:buClrTx/>
+                        <a:buSzTx/>
+                        <a:buFontTx/>
+                        <a:buNone/>
+                        <a:tabLst/>
+                        <a:defRPr/>
+                      </a:pPr>
+                      <a:r>
+                        <a:rPr lang="en-US" sz="1200" dirty="0"/>
+                        <a:t>(2</a:t>
+                      </a:r>
+                      <a:r>
+                        <a:rPr lang="en-US" sz="1200" baseline="-25000" dirty="0"/>
+                        <a:t>D</a:t>
+                      </a:r>
+                      <a:r>
+                        <a:rPr lang="en-US" sz="1200" dirty="0"/>
+                        <a:t>, 0</a:t>
+                      </a:r>
+                      <a:r>
+                        <a:rPr lang="en-US" sz="1200" baseline="-25000" dirty="0"/>
+                        <a:t>P</a:t>
+                      </a:r>
+                      <a:r>
+                        <a:rPr lang="en-US" sz="1200" dirty="0"/>
+                        <a:t>, 0</a:t>
+                      </a:r>
+                      <a:r>
+                        <a:rPr lang="en-US" sz="1200" baseline="-25000" dirty="0"/>
+                        <a:t>Y</a:t>
+                      </a:r>
+                      <a:r>
+                        <a:rPr lang="en-US" sz="1200" dirty="0"/>
+                        <a:t>, </a:t>
+                      </a:r>
+                      <a:r>
+                        <a:rPr lang="en-US" sz="1200" dirty="0">
+                          <a:solidFill>
+                            <a:srgbClr val="FF0000"/>
+                          </a:solidFill>
+                        </a:rPr>
+                        <a:t>1</a:t>
+                      </a:r>
+                      <a:r>
+                        <a:rPr lang="en-US" sz="1200" baseline="-25000" dirty="0">
+                          <a:solidFill>
+                            <a:srgbClr val="FF0000"/>
+                          </a:solidFill>
+                        </a:rPr>
+                        <a:t>X</a:t>
+                      </a:r>
+                      <a:r>
+                        <a:rPr lang="en-US" sz="1200" dirty="0"/>
+                        <a:t>)</a:t>
+                      </a:r>
+                    </a:p>
+                  </a:txBody>
+                  <a:tcPr marL="68580" marR="68580" marT="34290" marB="34290"/>
+                </a:tc>
+                <a:tc>
+                  <a:txBody>
+                    <a:bodyPr/>
+                    <a:lstStyle/>
+                    <a:p>
+                      <a:pPr marL="0" marR="0" lvl="0" indent="0" algn="l" defTabSz="914400" rtl="0" eaLnBrk="1" fontAlgn="auto" latinLnBrk="0" hangingPunct="1">
+                        <a:lnSpc>
+                          <a:spcPct val="100000"/>
+                        </a:lnSpc>
+                        <a:spcBef>
+                          <a:spcPts val="0"/>
+                        </a:spcBef>
+                        <a:spcAft>
+                          <a:spcPts val="0"/>
+                        </a:spcAft>
+                        <a:buClrTx/>
+                        <a:buSzTx/>
+                        <a:buFontTx/>
+                        <a:buNone/>
+                        <a:tabLst/>
+                        <a:defRPr/>
+                      </a:pPr>
+                      <a:r>
+                        <a:rPr lang="en-US" sz="1200" dirty="0"/>
+                        <a:t>(2</a:t>
+                      </a:r>
+                      <a:r>
+                        <a:rPr lang="en-US" sz="1200" baseline="-25000" dirty="0"/>
+                        <a:t>D</a:t>
+                      </a:r>
+                      <a:r>
+                        <a:rPr lang="en-US" sz="1200" dirty="0"/>
+                        <a:t>, 0</a:t>
+                      </a:r>
+                      <a:r>
+                        <a:rPr lang="en-US" sz="1200" baseline="-25000" dirty="0"/>
+                        <a:t>P</a:t>
+                      </a:r>
+                      <a:r>
+                        <a:rPr lang="en-US" sz="1200" dirty="0"/>
+                        <a:t>, 0</a:t>
+                      </a:r>
+                      <a:r>
+                        <a:rPr lang="en-US" sz="1200" baseline="-25000" dirty="0"/>
+                        <a:t>Y</a:t>
+                      </a:r>
+                      <a:r>
+                        <a:rPr lang="en-US" sz="1200" dirty="0"/>
+                        <a:t>, </a:t>
+                      </a:r>
+                      <a:r>
+                        <a:rPr lang="en-US" sz="1200" dirty="0">
+                          <a:solidFill>
+                            <a:srgbClr val="FF0000"/>
+                          </a:solidFill>
+                        </a:rPr>
+                        <a:t>2</a:t>
+                      </a:r>
+                      <a:r>
+                        <a:rPr lang="en-US" sz="1200" baseline="-25000" dirty="0">
+                          <a:solidFill>
+                            <a:srgbClr val="FF0000"/>
+                          </a:solidFill>
+                        </a:rPr>
+                        <a:t>X</a:t>
+                      </a:r>
+                      <a:r>
+                        <a:rPr lang="en-US" sz="1200" dirty="0"/>
+                        <a:t>)</a:t>
+                      </a:r>
+                    </a:p>
+                  </a:txBody>
+                  <a:tcPr marL="68580" marR="68580" marT="34290" marB="34290"/>
+                </a:tc>
+                <a:tc>
+                  <a:txBody>
+                    <a:bodyPr/>
+                    <a:lstStyle/>
+                    <a:p>
+                      <a:endParaRPr lang="en-US" sz="1200" dirty="0"/>
+                    </a:p>
+                  </a:txBody>
+                  <a:tcPr marL="68580" marR="68580" marT="34290" marB="34290"/>
+                </a:tc>
+                <a:tc>
+                  <a:txBody>
+                    <a:bodyPr/>
+                    <a:lstStyle/>
+                    <a:p>
+                      <a:pPr marL="0" marR="0" lvl="0" indent="0" algn="l" defTabSz="914400" rtl="0" eaLnBrk="1" fontAlgn="auto" latinLnBrk="0" hangingPunct="1">
+                        <a:lnSpc>
+                          <a:spcPct val="100000"/>
+                        </a:lnSpc>
+                        <a:spcBef>
+                          <a:spcPts val="0"/>
+                        </a:spcBef>
+                        <a:spcAft>
+                          <a:spcPts val="0"/>
+                        </a:spcAft>
+                        <a:buClrTx/>
+                        <a:buSzTx/>
+                        <a:buFontTx/>
+                        <a:buNone/>
+                        <a:tabLst/>
+                        <a:defRPr/>
+                      </a:pPr>
+                      <a:r>
+                        <a:rPr lang="en-US" sz="1200" dirty="0"/>
+                        <a:t>(2</a:t>
+                      </a:r>
+                      <a:r>
+                        <a:rPr lang="en-US" sz="1200" baseline="-25000" dirty="0"/>
+                        <a:t>D</a:t>
+                      </a:r>
+                      <a:r>
+                        <a:rPr lang="en-US" sz="1200" dirty="0"/>
+                        <a:t>, 0</a:t>
+                      </a:r>
+                      <a:r>
+                        <a:rPr lang="en-US" sz="1200" baseline="-25000" dirty="0"/>
+                        <a:t>P</a:t>
+                      </a:r>
+                      <a:r>
+                        <a:rPr lang="en-US" sz="1200" dirty="0"/>
+                        <a:t>, 0</a:t>
+                      </a:r>
+                      <a:r>
+                        <a:rPr lang="en-US" sz="1200" baseline="-25000" dirty="0"/>
+                        <a:t>Y</a:t>
+                      </a:r>
+                      <a:r>
+                        <a:rPr lang="en-US" sz="1200" dirty="0"/>
+                        <a:t>, N</a:t>
+                      </a:r>
+                      <a:r>
+                        <a:rPr lang="en-US" sz="1200" baseline="-25000" dirty="0"/>
+                        <a:t>X</a:t>
+                      </a:r>
+                      <a:r>
+                        <a:rPr lang="en-US" sz="1200" dirty="0"/>
+                        <a:t>)</a:t>
+                      </a:r>
+                    </a:p>
+                  </a:txBody>
+                  <a:tcPr marL="68580" marR="68580" marT="34290" marB="34290"/>
+                </a:tc>
+                <a:tc>
+                  <a:txBody>
+                    <a:bodyPr/>
+                    <a:lstStyle/>
+                    <a:p>
+                      <a:pPr marL="0" marR="0" lvl="0" indent="0" algn="l" defTabSz="914400" rtl="0" eaLnBrk="1" fontAlgn="auto" latinLnBrk="0" hangingPunct="1">
+                        <a:lnSpc>
+                          <a:spcPct val="100000"/>
+                        </a:lnSpc>
+                        <a:spcBef>
+                          <a:spcPts val="0"/>
+                        </a:spcBef>
+                        <a:spcAft>
+                          <a:spcPts val="0"/>
+                        </a:spcAft>
+                        <a:buClrTx/>
+                        <a:buSzTx/>
+                        <a:buFontTx/>
+                        <a:buNone/>
+                        <a:tabLst/>
+                        <a:defRPr/>
+                      </a:pPr>
+                      <a:r>
+                        <a:rPr lang="en-US" sz="1200" dirty="0"/>
+                        <a:t>Next Kernel / Output Depth</a:t>
+                      </a:r>
+                    </a:p>
+                  </a:txBody>
+                  <a:tcPr marL="68580" marR="68580" marT="34290" marB="34290"/>
+                </a:tc>
+                <a:extLst>
+                  <a:ext uri="{0D108BD9-81ED-4DB2-BD59-A6C34878D82A}">
+                    <a16:rowId xmlns:a16="http://schemas.microsoft.com/office/drawing/2014/main" val="139541502"/>
+                  </a:ext>
+                </a:extLst>
+              </a:tr>
+              <a:tr h="257501">
+                <a:tc>
+                  <a:txBody>
+                    <a:bodyPr/>
+                    <a:lstStyle/>
+                    <a:p>
+                      <a:endParaRPr lang="en-US" sz="1200" dirty="0"/>
+                    </a:p>
+                  </a:txBody>
+                  <a:tcPr marL="68580" marR="68580" marT="34290" marB="34290"/>
+                </a:tc>
+                <a:tc>
+                  <a:txBody>
+                    <a:bodyPr/>
+                    <a:lstStyle/>
+                    <a:p>
+                      <a:endParaRPr lang="en-US" sz="1200"/>
+                    </a:p>
+                  </a:txBody>
+                  <a:tcPr marL="68580" marR="68580" marT="34290" marB="34290"/>
+                </a:tc>
+                <a:tc>
+                  <a:txBody>
+                    <a:bodyPr/>
+                    <a:lstStyle/>
+                    <a:p>
+                      <a:endParaRPr lang="en-US" sz="1200"/>
+                    </a:p>
+                  </a:txBody>
+                  <a:tcPr marL="68580" marR="68580" marT="34290" marB="34290"/>
+                </a:tc>
+                <a:tc>
+                  <a:txBody>
+                    <a:bodyPr/>
+                    <a:lstStyle/>
+                    <a:p>
+                      <a:endParaRPr lang="en-US" sz="1200"/>
+                    </a:p>
+                  </a:txBody>
+                  <a:tcPr marL="68580" marR="68580" marT="34290" marB="34290"/>
+                </a:tc>
+                <a:tc>
+                  <a:txBody>
+                    <a:bodyPr/>
+                    <a:lstStyle/>
+                    <a:p>
+                      <a:pPr marL="0" marR="0" lvl="0" indent="0" algn="l" defTabSz="914400" rtl="0" eaLnBrk="1" fontAlgn="auto" latinLnBrk="0" hangingPunct="1">
+                        <a:lnSpc>
+                          <a:spcPct val="100000"/>
+                        </a:lnSpc>
+                        <a:spcBef>
+                          <a:spcPts val="0"/>
+                        </a:spcBef>
+                        <a:spcAft>
+                          <a:spcPts val="0"/>
+                        </a:spcAft>
+                        <a:buClrTx/>
+                        <a:buSzTx/>
+                        <a:buFontTx/>
+                        <a:buNone/>
+                        <a:tabLst/>
+                        <a:defRPr/>
+                      </a:pPr>
+                      <a:r>
+                        <a:rPr lang="en-US" sz="1200" dirty="0"/>
+                        <a:t>(N</a:t>
+                      </a:r>
+                      <a:r>
+                        <a:rPr lang="en-US" sz="1200" baseline="-25000" dirty="0"/>
+                        <a:t>D</a:t>
+                      </a:r>
+                      <a:r>
+                        <a:rPr lang="en-US" sz="1200" dirty="0"/>
+                        <a:t>, 0</a:t>
+                      </a:r>
+                      <a:r>
+                        <a:rPr lang="en-US" sz="1200" baseline="-25000" dirty="0"/>
+                        <a:t>P</a:t>
+                      </a:r>
+                      <a:r>
+                        <a:rPr lang="en-US" sz="1200" dirty="0"/>
+                        <a:t>, 0</a:t>
+                      </a:r>
+                      <a:r>
+                        <a:rPr lang="en-US" sz="1200" baseline="-25000" dirty="0"/>
+                        <a:t>Y</a:t>
+                      </a:r>
+                      <a:r>
+                        <a:rPr lang="en-US" sz="1200" dirty="0"/>
+                        <a:t>, N</a:t>
+                      </a:r>
+                      <a:r>
+                        <a:rPr lang="en-US" sz="1200" baseline="-25000" dirty="0"/>
+                        <a:t>X</a:t>
+                      </a:r>
+                      <a:r>
+                        <a:rPr lang="en-US" sz="1200" dirty="0"/>
+                        <a:t>)</a:t>
+                      </a:r>
+                    </a:p>
+                  </a:txBody>
+                  <a:tcPr marL="68580" marR="68580" marT="34290" marB="34290"/>
+                </a:tc>
+                <a:tc>
+                  <a:txBody>
+                    <a:bodyPr/>
+                    <a:lstStyle/>
+                    <a:p>
+                      <a:pPr marL="0" marR="0" lvl="0" indent="0" algn="l" defTabSz="914400" rtl="0" eaLnBrk="1" fontAlgn="auto" latinLnBrk="0" hangingPunct="1">
+                        <a:lnSpc>
+                          <a:spcPct val="100000"/>
+                        </a:lnSpc>
+                        <a:spcBef>
+                          <a:spcPts val="0"/>
+                        </a:spcBef>
+                        <a:spcAft>
+                          <a:spcPts val="0"/>
+                        </a:spcAft>
+                        <a:buClrTx/>
+                        <a:buSzTx/>
+                        <a:buFontTx/>
+                        <a:buNone/>
+                        <a:tabLst/>
+                        <a:defRPr/>
+                      </a:pPr>
+                      <a:r>
+                        <a:rPr lang="en-US" sz="1200" dirty="0"/>
+                        <a:t>Next Row</a:t>
+                      </a:r>
+                    </a:p>
+                  </a:txBody>
+                  <a:tcPr marL="68580" marR="68580" marT="34290" marB="34290"/>
+                </a:tc>
+                <a:extLst>
+                  <a:ext uri="{0D108BD9-81ED-4DB2-BD59-A6C34878D82A}">
+                    <a16:rowId xmlns:a16="http://schemas.microsoft.com/office/drawing/2014/main" val="2332588753"/>
+                  </a:ext>
+                </a:extLst>
+              </a:tr>
+              <a:tr h="257501">
+                <a:tc>
+                  <a:txBody>
+                    <a:bodyPr/>
+                    <a:lstStyle/>
+                    <a:p>
+                      <a:pPr marL="0" marR="0" lvl="0" indent="0" algn="l" defTabSz="914400" rtl="0" eaLnBrk="1" fontAlgn="auto" latinLnBrk="0" hangingPunct="1">
+                        <a:lnSpc>
+                          <a:spcPct val="100000"/>
+                        </a:lnSpc>
+                        <a:spcBef>
+                          <a:spcPts val="0"/>
+                        </a:spcBef>
+                        <a:spcAft>
+                          <a:spcPts val="0"/>
+                        </a:spcAft>
+                        <a:buClrTx/>
+                        <a:buSzTx/>
+                        <a:buFontTx/>
+                        <a:buNone/>
+                        <a:tabLst/>
+                        <a:defRPr/>
+                      </a:pPr>
+                      <a:r>
+                        <a:rPr lang="en-US" sz="1200" dirty="0"/>
+                        <a:t>(</a:t>
+                      </a:r>
+                      <a:r>
+                        <a:rPr lang="en-US" sz="1200" dirty="0">
+                          <a:solidFill>
+                            <a:schemeClr val="tx1"/>
+                          </a:solidFill>
+                        </a:rPr>
+                        <a:t>0</a:t>
+                      </a:r>
+                      <a:r>
+                        <a:rPr lang="en-US" sz="1200" baseline="-25000" dirty="0">
+                          <a:solidFill>
+                            <a:schemeClr val="tx1"/>
+                          </a:solidFill>
+                        </a:rPr>
+                        <a:t>D</a:t>
+                      </a:r>
+                      <a:r>
+                        <a:rPr lang="en-US" sz="1200" dirty="0"/>
+                        <a:t>, 0</a:t>
+                      </a:r>
+                      <a:r>
+                        <a:rPr lang="en-US" sz="1200" baseline="-25000" dirty="0"/>
+                        <a:t>P</a:t>
+                      </a:r>
+                      <a:r>
+                        <a:rPr lang="en-US" sz="1200" dirty="0"/>
+                        <a:t>, </a:t>
+                      </a:r>
+                      <a:r>
+                        <a:rPr lang="en-US" sz="1200" dirty="0">
+                          <a:solidFill>
+                            <a:srgbClr val="FF0000"/>
+                          </a:solidFill>
+                        </a:rPr>
+                        <a:t>1</a:t>
+                      </a:r>
+                      <a:r>
+                        <a:rPr lang="en-US" sz="1200" baseline="-25000" dirty="0">
+                          <a:solidFill>
+                            <a:srgbClr val="FF0000"/>
+                          </a:solidFill>
+                        </a:rPr>
+                        <a:t>Y</a:t>
+                      </a:r>
+                      <a:r>
+                        <a:rPr lang="en-US" sz="1200" dirty="0"/>
+                        <a:t>, </a:t>
+                      </a:r>
+                      <a:r>
+                        <a:rPr lang="en-US" sz="1200" dirty="0">
+                          <a:solidFill>
+                            <a:schemeClr val="tx1"/>
+                          </a:solidFill>
+                        </a:rPr>
+                        <a:t>0</a:t>
+                      </a:r>
+                      <a:r>
+                        <a:rPr lang="en-US" sz="1200" baseline="-25000" dirty="0">
+                          <a:solidFill>
+                            <a:schemeClr val="tx1"/>
+                          </a:solidFill>
+                        </a:rPr>
+                        <a:t>X</a:t>
+                      </a:r>
+                      <a:r>
+                        <a:rPr lang="en-US" sz="1200" dirty="0"/>
+                        <a:t>)</a:t>
+                      </a:r>
+                    </a:p>
+                  </a:txBody>
+                  <a:tcPr marL="68580" marR="68580" marT="34290" marB="34290"/>
+                </a:tc>
+                <a:tc>
+                  <a:txBody>
+                    <a:bodyPr/>
+                    <a:lstStyle/>
+                    <a:p>
+                      <a:pPr marL="0" marR="0" lvl="0" indent="0" algn="l" defTabSz="914400" rtl="0" eaLnBrk="1" fontAlgn="auto" latinLnBrk="0" hangingPunct="1">
+                        <a:lnSpc>
+                          <a:spcPct val="100000"/>
+                        </a:lnSpc>
+                        <a:spcBef>
+                          <a:spcPts val="0"/>
+                        </a:spcBef>
+                        <a:spcAft>
+                          <a:spcPts val="0"/>
+                        </a:spcAft>
+                        <a:buClrTx/>
+                        <a:buSzTx/>
+                        <a:buFontTx/>
+                        <a:buNone/>
+                        <a:tabLst/>
+                        <a:defRPr/>
+                      </a:pPr>
+                      <a:r>
+                        <a:rPr lang="en-US" sz="1200" dirty="0"/>
+                        <a:t>(</a:t>
+                      </a:r>
+                      <a:r>
+                        <a:rPr lang="en-US" sz="1200" dirty="0">
+                          <a:solidFill>
+                            <a:schemeClr val="tx1"/>
+                          </a:solidFill>
+                        </a:rPr>
+                        <a:t>0</a:t>
+                      </a:r>
+                      <a:r>
+                        <a:rPr lang="en-US" sz="1200" baseline="-25000" dirty="0">
+                          <a:solidFill>
+                            <a:schemeClr val="tx1"/>
+                          </a:solidFill>
+                        </a:rPr>
+                        <a:t>D</a:t>
+                      </a:r>
+                      <a:r>
+                        <a:rPr lang="en-US" sz="1200" dirty="0"/>
+                        <a:t>, 0</a:t>
+                      </a:r>
+                      <a:r>
+                        <a:rPr lang="en-US" sz="1200" baseline="-25000" dirty="0"/>
+                        <a:t>P</a:t>
+                      </a:r>
+                      <a:r>
+                        <a:rPr lang="en-US" sz="1200" dirty="0"/>
+                        <a:t>, </a:t>
+                      </a:r>
+                      <a:r>
+                        <a:rPr lang="en-US" sz="1200" dirty="0">
+                          <a:solidFill>
+                            <a:schemeClr val="tx1"/>
+                          </a:solidFill>
+                        </a:rPr>
+                        <a:t>1</a:t>
+                      </a:r>
+                      <a:r>
+                        <a:rPr lang="en-US" sz="1200" baseline="-25000" dirty="0">
+                          <a:solidFill>
+                            <a:schemeClr val="tx1"/>
+                          </a:solidFill>
+                        </a:rPr>
+                        <a:t>Y</a:t>
+                      </a:r>
+                      <a:r>
+                        <a:rPr lang="en-US" sz="1200" dirty="0"/>
+                        <a:t>, </a:t>
+                      </a:r>
+                      <a:r>
+                        <a:rPr lang="en-US" sz="1200" dirty="0">
+                          <a:solidFill>
+                            <a:srgbClr val="FF0000"/>
+                          </a:solidFill>
+                        </a:rPr>
+                        <a:t>1</a:t>
+                      </a:r>
+                      <a:r>
+                        <a:rPr lang="en-US" sz="1200" baseline="-25000" dirty="0">
+                          <a:solidFill>
+                            <a:srgbClr val="FF0000"/>
+                          </a:solidFill>
+                        </a:rPr>
+                        <a:t>X</a:t>
+                      </a:r>
+                      <a:r>
+                        <a:rPr lang="en-US" sz="1200" dirty="0"/>
+                        <a:t>)</a:t>
+                      </a:r>
+                    </a:p>
+                  </a:txBody>
+                  <a:tcPr marL="68580" marR="68580" marT="34290" marB="34290"/>
+                </a:tc>
+                <a:tc>
+                  <a:txBody>
+                    <a:bodyPr/>
+                    <a:lstStyle/>
+                    <a:p>
+                      <a:pPr marL="0" marR="0" lvl="0" indent="0" algn="l" defTabSz="914400" rtl="0" eaLnBrk="1" fontAlgn="auto" latinLnBrk="0" hangingPunct="1">
+                        <a:lnSpc>
+                          <a:spcPct val="100000"/>
+                        </a:lnSpc>
+                        <a:spcBef>
+                          <a:spcPts val="0"/>
+                        </a:spcBef>
+                        <a:spcAft>
+                          <a:spcPts val="0"/>
+                        </a:spcAft>
+                        <a:buClrTx/>
+                        <a:buSzTx/>
+                        <a:buFontTx/>
+                        <a:buNone/>
+                        <a:tabLst/>
+                        <a:defRPr/>
+                      </a:pPr>
+                      <a:r>
+                        <a:rPr lang="en-US" sz="1200" dirty="0"/>
+                        <a:t>(</a:t>
+                      </a:r>
+                      <a:r>
+                        <a:rPr lang="en-US" sz="1200" dirty="0">
+                          <a:solidFill>
+                            <a:schemeClr val="tx1"/>
+                          </a:solidFill>
+                        </a:rPr>
+                        <a:t>0</a:t>
+                      </a:r>
+                      <a:r>
+                        <a:rPr lang="en-US" sz="1200" baseline="-25000" dirty="0">
+                          <a:solidFill>
+                            <a:schemeClr val="tx1"/>
+                          </a:solidFill>
+                        </a:rPr>
+                        <a:t>D</a:t>
+                      </a:r>
+                      <a:r>
+                        <a:rPr lang="en-US" sz="1200" dirty="0"/>
+                        <a:t>, 0</a:t>
+                      </a:r>
+                      <a:r>
+                        <a:rPr lang="en-US" sz="1200" baseline="-25000" dirty="0"/>
+                        <a:t>P</a:t>
+                      </a:r>
+                      <a:r>
+                        <a:rPr lang="en-US" sz="1200" dirty="0"/>
+                        <a:t>, 1</a:t>
+                      </a:r>
+                      <a:r>
+                        <a:rPr lang="en-US" sz="1200" baseline="-25000" dirty="0"/>
+                        <a:t>Y</a:t>
+                      </a:r>
+                      <a:r>
+                        <a:rPr lang="en-US" sz="1200" dirty="0"/>
+                        <a:t>, </a:t>
+                      </a:r>
+                      <a:r>
+                        <a:rPr lang="en-US" sz="1200" dirty="0">
+                          <a:solidFill>
+                            <a:srgbClr val="FF0000"/>
+                          </a:solidFill>
+                        </a:rPr>
+                        <a:t>2</a:t>
+                      </a:r>
+                      <a:r>
+                        <a:rPr lang="en-US" sz="1200" baseline="-25000" dirty="0">
+                          <a:solidFill>
+                            <a:srgbClr val="FF0000"/>
+                          </a:solidFill>
+                        </a:rPr>
+                        <a:t>X</a:t>
+                      </a:r>
+                      <a:r>
+                        <a:rPr lang="en-US" sz="1200" dirty="0"/>
+                        <a:t>)</a:t>
+                      </a:r>
+                    </a:p>
+                  </a:txBody>
+                  <a:tcPr marL="68580" marR="68580" marT="34290" marB="34290"/>
+                </a:tc>
+                <a:tc>
+                  <a:txBody>
+                    <a:bodyPr/>
+                    <a:lstStyle/>
+                    <a:p>
+                      <a:endParaRPr lang="en-US" sz="1200"/>
+                    </a:p>
+                  </a:txBody>
+                  <a:tcPr marL="68580" marR="68580" marT="34290" marB="34290"/>
+                </a:tc>
+                <a:tc>
+                  <a:txBody>
+                    <a:bodyPr/>
+                    <a:lstStyle/>
+                    <a:p>
+                      <a:pPr marL="0" marR="0" lvl="0" indent="0" algn="l" defTabSz="914400" rtl="0" eaLnBrk="1" fontAlgn="auto" latinLnBrk="0" hangingPunct="1">
+                        <a:lnSpc>
+                          <a:spcPct val="100000"/>
+                        </a:lnSpc>
+                        <a:spcBef>
+                          <a:spcPts val="0"/>
+                        </a:spcBef>
+                        <a:spcAft>
+                          <a:spcPts val="0"/>
+                        </a:spcAft>
+                        <a:buClrTx/>
+                        <a:buSzTx/>
+                        <a:buFontTx/>
+                        <a:buNone/>
+                        <a:tabLst/>
+                        <a:defRPr/>
+                      </a:pPr>
+                      <a:r>
+                        <a:rPr lang="en-US" sz="1200" dirty="0">
+                          <a:solidFill>
+                            <a:schemeClr val="tx1"/>
+                          </a:solidFill>
+                        </a:rPr>
+                        <a:t>(0</a:t>
+                      </a:r>
+                      <a:r>
+                        <a:rPr lang="en-US" sz="1200" baseline="-25000" dirty="0">
+                          <a:solidFill>
+                            <a:schemeClr val="tx1"/>
+                          </a:solidFill>
+                        </a:rPr>
+                        <a:t>D</a:t>
+                      </a:r>
+                      <a:r>
+                        <a:rPr lang="en-US" sz="1200" dirty="0">
+                          <a:solidFill>
+                            <a:schemeClr val="tx1"/>
+                          </a:solidFill>
+                        </a:rPr>
+                        <a:t>, 0</a:t>
+                      </a:r>
+                      <a:r>
+                        <a:rPr lang="en-US" sz="1200" baseline="-25000" dirty="0">
+                          <a:solidFill>
+                            <a:schemeClr val="tx1"/>
+                          </a:solidFill>
+                        </a:rPr>
+                        <a:t>P</a:t>
+                      </a:r>
+                      <a:r>
+                        <a:rPr lang="en-US" sz="1200" dirty="0">
+                          <a:solidFill>
+                            <a:schemeClr val="tx1"/>
+                          </a:solidFill>
+                        </a:rPr>
+                        <a:t>, 1</a:t>
+                      </a:r>
+                      <a:r>
+                        <a:rPr lang="en-US" sz="1200" baseline="-25000" dirty="0">
+                          <a:solidFill>
+                            <a:schemeClr val="tx1"/>
+                          </a:solidFill>
+                        </a:rPr>
+                        <a:t>Y</a:t>
+                      </a:r>
+                      <a:r>
+                        <a:rPr lang="en-US" sz="1200" dirty="0">
+                          <a:solidFill>
+                            <a:schemeClr val="tx1"/>
+                          </a:solidFill>
+                        </a:rPr>
+                        <a:t>, N</a:t>
+                      </a:r>
+                      <a:r>
+                        <a:rPr lang="en-US" sz="1200" baseline="-25000" dirty="0">
+                          <a:solidFill>
+                            <a:schemeClr val="tx1"/>
+                          </a:solidFill>
+                        </a:rPr>
+                        <a:t>X</a:t>
+                      </a:r>
+                      <a:r>
+                        <a:rPr lang="en-US" sz="1200" dirty="0">
+                          <a:solidFill>
+                            <a:schemeClr val="tx1"/>
+                          </a:solidFill>
+                        </a:rPr>
+                        <a:t>)</a:t>
+                      </a:r>
+                    </a:p>
+                  </a:txBody>
+                  <a:tcPr marL="68580" marR="68580" marT="34290" marB="34290"/>
+                </a:tc>
+                <a:tc>
+                  <a:txBody>
+                    <a:bodyPr/>
+                    <a:lstStyle/>
+                    <a:p>
+                      <a:pPr marL="0" marR="0" lvl="0" indent="0" algn="l" defTabSz="914400" rtl="0" eaLnBrk="1" fontAlgn="auto" latinLnBrk="0" hangingPunct="1">
+                        <a:lnSpc>
+                          <a:spcPct val="100000"/>
+                        </a:lnSpc>
+                        <a:spcBef>
+                          <a:spcPts val="0"/>
+                        </a:spcBef>
+                        <a:spcAft>
+                          <a:spcPts val="0"/>
+                        </a:spcAft>
+                        <a:buClrTx/>
+                        <a:buSzTx/>
+                        <a:buFontTx/>
+                        <a:buNone/>
+                        <a:tabLst/>
+                        <a:defRPr/>
+                      </a:pPr>
+                      <a:r>
+                        <a:rPr lang="en-US" sz="1200" dirty="0"/>
+                        <a:t>Next Kernel / Output Depth</a:t>
+                      </a:r>
+                    </a:p>
+                  </a:txBody>
+                  <a:tcPr marL="68580" marR="68580" marT="34290" marB="34290"/>
+                </a:tc>
+                <a:extLst>
+                  <a:ext uri="{0D108BD9-81ED-4DB2-BD59-A6C34878D82A}">
+                    <a16:rowId xmlns:a16="http://schemas.microsoft.com/office/drawing/2014/main" val="1136520611"/>
+                  </a:ext>
+                </a:extLst>
+              </a:tr>
+              <a:tr h="257501">
+                <a:tc>
+                  <a:txBody>
+                    <a:bodyPr/>
+                    <a:lstStyle/>
+                    <a:p>
+                      <a:pPr marL="0" marR="0" lvl="0" indent="0" algn="l" defTabSz="914400" rtl="0" eaLnBrk="1" fontAlgn="auto" latinLnBrk="0" hangingPunct="1">
+                        <a:lnSpc>
+                          <a:spcPct val="100000"/>
+                        </a:lnSpc>
+                        <a:spcBef>
+                          <a:spcPts val="0"/>
+                        </a:spcBef>
+                        <a:spcAft>
+                          <a:spcPts val="0"/>
+                        </a:spcAft>
+                        <a:buClrTx/>
+                        <a:buSzTx/>
+                        <a:buFontTx/>
+                        <a:buNone/>
+                        <a:tabLst/>
+                        <a:defRPr/>
+                      </a:pPr>
+                      <a:r>
+                        <a:rPr lang="en-US" sz="1200" dirty="0"/>
+                        <a:t>(</a:t>
+                      </a:r>
+                      <a:r>
+                        <a:rPr lang="en-US" sz="1200" dirty="0">
+                          <a:solidFill>
+                            <a:srgbClr val="FF0000"/>
+                          </a:solidFill>
+                        </a:rPr>
+                        <a:t>1</a:t>
+                      </a:r>
+                      <a:r>
+                        <a:rPr lang="en-US" sz="1200" baseline="-25000" dirty="0">
+                          <a:solidFill>
+                            <a:srgbClr val="FF0000"/>
+                          </a:solidFill>
+                        </a:rPr>
+                        <a:t>D</a:t>
+                      </a:r>
+                      <a:r>
+                        <a:rPr lang="en-US" sz="1200" dirty="0"/>
+                        <a:t>, 0</a:t>
+                      </a:r>
+                      <a:r>
+                        <a:rPr lang="en-US" sz="1200" baseline="-25000" dirty="0"/>
+                        <a:t>P</a:t>
+                      </a:r>
+                      <a:r>
+                        <a:rPr lang="en-US" sz="1200" dirty="0"/>
+                        <a:t>, </a:t>
+                      </a:r>
+                      <a:r>
+                        <a:rPr lang="en-US" sz="1200" dirty="0">
+                          <a:solidFill>
+                            <a:schemeClr val="tx1"/>
+                          </a:solidFill>
+                        </a:rPr>
+                        <a:t>1</a:t>
+                      </a:r>
+                      <a:r>
+                        <a:rPr lang="en-US" sz="1200" baseline="-25000" dirty="0">
+                          <a:solidFill>
+                            <a:schemeClr val="tx1"/>
+                          </a:solidFill>
+                        </a:rPr>
+                        <a:t>Y</a:t>
+                      </a:r>
+                      <a:r>
+                        <a:rPr lang="en-US" sz="1200" dirty="0"/>
+                        <a:t>, </a:t>
+                      </a:r>
+                      <a:r>
+                        <a:rPr lang="en-US" sz="1200" dirty="0">
+                          <a:solidFill>
+                            <a:schemeClr val="tx1"/>
+                          </a:solidFill>
+                        </a:rPr>
+                        <a:t>0</a:t>
+                      </a:r>
+                      <a:r>
+                        <a:rPr lang="en-US" sz="1200" baseline="-25000" dirty="0">
+                          <a:solidFill>
+                            <a:schemeClr val="tx1"/>
+                          </a:solidFill>
+                        </a:rPr>
+                        <a:t>X</a:t>
+                      </a:r>
+                      <a:r>
+                        <a:rPr lang="en-US" sz="1200" dirty="0"/>
+                        <a:t>)</a:t>
+                      </a:r>
+                    </a:p>
+                  </a:txBody>
+                  <a:tcPr marL="68580" marR="68580" marT="34290" marB="34290"/>
+                </a:tc>
+                <a:tc>
+                  <a:txBody>
+                    <a:bodyPr/>
+                    <a:lstStyle/>
+                    <a:p>
+                      <a:pPr marL="0" marR="0" lvl="0" indent="0" algn="l" defTabSz="914400" rtl="0" eaLnBrk="1" fontAlgn="auto" latinLnBrk="0" hangingPunct="1">
+                        <a:lnSpc>
+                          <a:spcPct val="100000"/>
+                        </a:lnSpc>
+                        <a:spcBef>
+                          <a:spcPts val="0"/>
+                        </a:spcBef>
+                        <a:spcAft>
+                          <a:spcPts val="0"/>
+                        </a:spcAft>
+                        <a:buClrTx/>
+                        <a:buSzTx/>
+                        <a:buFontTx/>
+                        <a:buNone/>
+                        <a:tabLst/>
+                        <a:defRPr/>
+                      </a:pPr>
+                      <a:r>
+                        <a:rPr lang="en-US" sz="1200" dirty="0"/>
+                        <a:t>(</a:t>
+                      </a:r>
+                      <a:r>
+                        <a:rPr lang="en-US" sz="1200" dirty="0">
+                          <a:solidFill>
+                            <a:schemeClr val="tx1"/>
+                          </a:solidFill>
+                        </a:rPr>
+                        <a:t>1</a:t>
+                      </a:r>
+                      <a:r>
+                        <a:rPr lang="en-US" sz="1200" baseline="-25000" dirty="0">
+                          <a:solidFill>
+                            <a:schemeClr val="tx1"/>
+                          </a:solidFill>
+                        </a:rPr>
+                        <a:t>D</a:t>
+                      </a:r>
+                      <a:r>
+                        <a:rPr lang="en-US" sz="1200" dirty="0"/>
+                        <a:t>, 0</a:t>
+                      </a:r>
+                      <a:r>
+                        <a:rPr lang="en-US" sz="1200" baseline="-25000" dirty="0"/>
+                        <a:t>P</a:t>
+                      </a:r>
+                      <a:r>
+                        <a:rPr lang="en-US" sz="1200" dirty="0"/>
+                        <a:t>, </a:t>
+                      </a:r>
+                      <a:r>
+                        <a:rPr lang="en-US" sz="1200" dirty="0">
+                          <a:solidFill>
+                            <a:schemeClr val="tx1"/>
+                          </a:solidFill>
+                        </a:rPr>
+                        <a:t>1</a:t>
+                      </a:r>
+                      <a:r>
+                        <a:rPr lang="en-US" sz="1200" baseline="-25000" dirty="0">
+                          <a:solidFill>
+                            <a:schemeClr val="tx1"/>
+                          </a:solidFill>
+                        </a:rPr>
+                        <a:t>Y</a:t>
+                      </a:r>
+                      <a:r>
+                        <a:rPr lang="en-US" sz="1200" dirty="0"/>
+                        <a:t>, </a:t>
+                      </a:r>
+                      <a:r>
+                        <a:rPr lang="en-US" sz="1200" dirty="0">
+                          <a:solidFill>
+                            <a:srgbClr val="FF0000"/>
+                          </a:solidFill>
+                        </a:rPr>
+                        <a:t>1</a:t>
+                      </a:r>
+                      <a:r>
+                        <a:rPr lang="en-US" sz="1200" baseline="-25000" dirty="0">
+                          <a:solidFill>
+                            <a:srgbClr val="FF0000"/>
+                          </a:solidFill>
+                        </a:rPr>
+                        <a:t>X</a:t>
+                      </a:r>
+                      <a:r>
+                        <a:rPr lang="en-US" sz="1200" dirty="0"/>
+                        <a:t>)</a:t>
+                      </a:r>
+                    </a:p>
+                  </a:txBody>
+                  <a:tcPr marL="68580" marR="68580" marT="34290" marB="34290"/>
+                </a:tc>
+                <a:tc>
+                  <a:txBody>
+                    <a:bodyPr/>
+                    <a:lstStyle/>
+                    <a:p>
+                      <a:pPr marL="0" marR="0" lvl="0" indent="0" algn="l" defTabSz="914400" rtl="0" eaLnBrk="1" fontAlgn="auto" latinLnBrk="0" hangingPunct="1">
+                        <a:lnSpc>
+                          <a:spcPct val="100000"/>
+                        </a:lnSpc>
+                        <a:spcBef>
+                          <a:spcPts val="0"/>
+                        </a:spcBef>
+                        <a:spcAft>
+                          <a:spcPts val="0"/>
+                        </a:spcAft>
+                        <a:buClrTx/>
+                        <a:buSzTx/>
+                        <a:buFontTx/>
+                        <a:buNone/>
+                        <a:tabLst/>
+                        <a:defRPr/>
+                      </a:pPr>
+                      <a:r>
+                        <a:rPr lang="en-US" sz="1200" dirty="0"/>
+                        <a:t>(</a:t>
+                      </a:r>
+                      <a:r>
+                        <a:rPr lang="en-US" sz="1200" dirty="0">
+                          <a:solidFill>
+                            <a:schemeClr val="tx1"/>
+                          </a:solidFill>
+                        </a:rPr>
+                        <a:t>1</a:t>
+                      </a:r>
+                      <a:r>
+                        <a:rPr lang="en-US" sz="1200" baseline="-25000" dirty="0">
+                          <a:solidFill>
+                            <a:schemeClr val="tx1"/>
+                          </a:solidFill>
+                        </a:rPr>
+                        <a:t>D</a:t>
+                      </a:r>
+                      <a:r>
+                        <a:rPr lang="en-US" sz="1200" dirty="0"/>
+                        <a:t>, 0</a:t>
+                      </a:r>
+                      <a:r>
+                        <a:rPr lang="en-US" sz="1200" baseline="-25000" dirty="0"/>
+                        <a:t>P</a:t>
+                      </a:r>
+                      <a:r>
+                        <a:rPr lang="en-US" sz="1200" dirty="0"/>
+                        <a:t>, 1</a:t>
+                      </a:r>
+                      <a:r>
+                        <a:rPr lang="en-US" sz="1200" baseline="-25000" dirty="0"/>
+                        <a:t>Y</a:t>
+                      </a:r>
+                      <a:r>
+                        <a:rPr lang="en-US" sz="1200" dirty="0"/>
+                        <a:t>, </a:t>
+                      </a:r>
+                      <a:r>
+                        <a:rPr lang="en-US" sz="1200" dirty="0">
+                          <a:solidFill>
+                            <a:srgbClr val="FF0000"/>
+                          </a:solidFill>
+                        </a:rPr>
+                        <a:t>2</a:t>
+                      </a:r>
+                      <a:r>
+                        <a:rPr lang="en-US" sz="1200" baseline="-25000" dirty="0">
+                          <a:solidFill>
+                            <a:srgbClr val="FF0000"/>
+                          </a:solidFill>
+                        </a:rPr>
+                        <a:t>X</a:t>
+                      </a:r>
+                      <a:r>
+                        <a:rPr lang="en-US" sz="1200" dirty="0"/>
+                        <a:t>)</a:t>
+                      </a:r>
+                    </a:p>
+                  </a:txBody>
+                  <a:tcPr marL="68580" marR="68580" marT="34290" marB="34290"/>
+                </a:tc>
+                <a:tc>
+                  <a:txBody>
+                    <a:bodyPr/>
+                    <a:lstStyle/>
+                    <a:p>
+                      <a:endParaRPr lang="en-US" sz="1200"/>
+                    </a:p>
+                  </a:txBody>
+                  <a:tcPr marL="68580" marR="68580" marT="34290" marB="34290"/>
+                </a:tc>
+                <a:tc>
+                  <a:txBody>
+                    <a:bodyPr/>
+                    <a:lstStyle/>
+                    <a:p>
+                      <a:pPr marL="0" marR="0" lvl="0" indent="0" algn="l" defTabSz="914400" rtl="0" eaLnBrk="1" fontAlgn="auto" latinLnBrk="0" hangingPunct="1">
+                        <a:lnSpc>
+                          <a:spcPct val="100000"/>
+                        </a:lnSpc>
+                        <a:spcBef>
+                          <a:spcPts val="0"/>
+                        </a:spcBef>
+                        <a:spcAft>
+                          <a:spcPts val="0"/>
+                        </a:spcAft>
+                        <a:buClrTx/>
+                        <a:buSzTx/>
+                        <a:buFontTx/>
+                        <a:buNone/>
+                        <a:tabLst/>
+                        <a:defRPr/>
+                      </a:pPr>
+                      <a:r>
+                        <a:rPr lang="en-US" sz="1200" dirty="0">
+                          <a:solidFill>
+                            <a:schemeClr val="tx1"/>
+                          </a:solidFill>
+                        </a:rPr>
+                        <a:t>(1</a:t>
+                      </a:r>
+                      <a:r>
+                        <a:rPr lang="en-US" sz="1200" baseline="-25000" dirty="0">
+                          <a:solidFill>
+                            <a:schemeClr val="tx1"/>
+                          </a:solidFill>
+                        </a:rPr>
+                        <a:t>D</a:t>
+                      </a:r>
+                      <a:r>
+                        <a:rPr lang="en-US" sz="1200" dirty="0">
+                          <a:solidFill>
+                            <a:schemeClr val="tx1"/>
+                          </a:solidFill>
+                        </a:rPr>
+                        <a:t>, 0</a:t>
+                      </a:r>
+                      <a:r>
+                        <a:rPr lang="en-US" sz="1200" baseline="-25000" dirty="0">
+                          <a:solidFill>
+                            <a:schemeClr val="tx1"/>
+                          </a:solidFill>
+                        </a:rPr>
+                        <a:t>P</a:t>
+                      </a:r>
+                      <a:r>
+                        <a:rPr lang="en-US" sz="1200" dirty="0">
+                          <a:solidFill>
+                            <a:schemeClr val="tx1"/>
+                          </a:solidFill>
+                        </a:rPr>
+                        <a:t>, 1</a:t>
+                      </a:r>
+                      <a:r>
+                        <a:rPr lang="en-US" sz="1200" baseline="-25000" dirty="0">
+                          <a:solidFill>
+                            <a:schemeClr val="tx1"/>
+                          </a:solidFill>
+                        </a:rPr>
+                        <a:t>Y</a:t>
+                      </a:r>
+                      <a:r>
+                        <a:rPr lang="en-US" sz="1200" dirty="0">
+                          <a:solidFill>
+                            <a:schemeClr val="tx1"/>
+                          </a:solidFill>
+                        </a:rPr>
+                        <a:t>, N</a:t>
+                      </a:r>
+                      <a:r>
+                        <a:rPr lang="en-US" sz="1200" baseline="-25000" dirty="0">
+                          <a:solidFill>
+                            <a:schemeClr val="tx1"/>
+                          </a:solidFill>
+                        </a:rPr>
+                        <a:t>X</a:t>
+                      </a:r>
+                      <a:r>
+                        <a:rPr lang="en-US" sz="1200" dirty="0">
+                          <a:solidFill>
+                            <a:schemeClr val="tx1"/>
+                          </a:solidFill>
+                        </a:rPr>
+                        <a:t>)</a:t>
+                      </a:r>
+                    </a:p>
+                  </a:txBody>
+                  <a:tcPr marL="68580" marR="68580" marT="34290" marB="34290"/>
+                </a:tc>
+                <a:tc>
+                  <a:txBody>
+                    <a:bodyPr/>
+                    <a:lstStyle/>
+                    <a:p>
+                      <a:pPr marL="0" marR="0" lvl="0" indent="0" algn="l" defTabSz="914400" rtl="0" eaLnBrk="1" fontAlgn="auto" latinLnBrk="0" hangingPunct="1">
+                        <a:lnSpc>
+                          <a:spcPct val="100000"/>
+                        </a:lnSpc>
+                        <a:spcBef>
+                          <a:spcPts val="0"/>
+                        </a:spcBef>
+                        <a:spcAft>
+                          <a:spcPts val="0"/>
+                        </a:spcAft>
+                        <a:buClrTx/>
+                        <a:buSzTx/>
+                        <a:buFontTx/>
+                        <a:buNone/>
+                        <a:tabLst/>
+                        <a:defRPr/>
+                      </a:pPr>
+                      <a:r>
+                        <a:rPr lang="en-US" sz="1200" dirty="0"/>
+                        <a:t>Next Kernel / Output Depth</a:t>
+                      </a:r>
+                    </a:p>
+                  </a:txBody>
+                  <a:tcPr marL="68580" marR="68580" marT="34290" marB="34290"/>
+                </a:tc>
+                <a:extLst>
+                  <a:ext uri="{0D108BD9-81ED-4DB2-BD59-A6C34878D82A}">
+                    <a16:rowId xmlns:a16="http://schemas.microsoft.com/office/drawing/2014/main" val="2708726310"/>
+                  </a:ext>
+                </a:extLst>
+              </a:tr>
+              <a:tr h="257501">
+                <a:tc>
+                  <a:txBody>
+                    <a:bodyPr/>
+                    <a:lstStyle/>
+                    <a:p>
+                      <a:pPr marL="0" marR="0" lvl="0" indent="0" algn="l" defTabSz="914400" rtl="0" eaLnBrk="1" fontAlgn="auto" latinLnBrk="0" hangingPunct="1">
+                        <a:lnSpc>
+                          <a:spcPct val="100000"/>
+                        </a:lnSpc>
+                        <a:spcBef>
+                          <a:spcPts val="0"/>
+                        </a:spcBef>
+                        <a:spcAft>
+                          <a:spcPts val="0"/>
+                        </a:spcAft>
+                        <a:buClrTx/>
+                        <a:buSzTx/>
+                        <a:buFontTx/>
+                        <a:buNone/>
+                        <a:tabLst/>
+                        <a:defRPr/>
+                      </a:pPr>
+                      <a:r>
+                        <a:rPr lang="en-US" sz="1200" dirty="0"/>
+                        <a:t>(</a:t>
+                      </a:r>
+                      <a:r>
+                        <a:rPr lang="en-US" sz="1200" dirty="0">
+                          <a:solidFill>
+                            <a:srgbClr val="FF0000"/>
+                          </a:solidFill>
+                        </a:rPr>
+                        <a:t>2</a:t>
+                      </a:r>
+                      <a:r>
+                        <a:rPr lang="en-US" sz="1200" baseline="-25000" dirty="0">
+                          <a:solidFill>
+                            <a:srgbClr val="FF0000"/>
+                          </a:solidFill>
+                        </a:rPr>
+                        <a:t>D</a:t>
+                      </a:r>
+                      <a:r>
+                        <a:rPr lang="en-US" sz="1200" dirty="0"/>
+                        <a:t>, 0</a:t>
+                      </a:r>
+                      <a:r>
+                        <a:rPr lang="en-US" sz="1200" baseline="-25000" dirty="0"/>
+                        <a:t>P</a:t>
+                      </a:r>
+                      <a:r>
+                        <a:rPr lang="en-US" sz="1200" dirty="0"/>
+                        <a:t>, </a:t>
+                      </a:r>
+                      <a:r>
+                        <a:rPr lang="en-US" sz="1200" dirty="0">
+                          <a:solidFill>
+                            <a:schemeClr val="tx1"/>
+                          </a:solidFill>
+                        </a:rPr>
+                        <a:t>1</a:t>
+                      </a:r>
+                      <a:r>
+                        <a:rPr lang="en-US" sz="1200" baseline="-25000" dirty="0">
+                          <a:solidFill>
+                            <a:schemeClr val="tx1"/>
+                          </a:solidFill>
+                        </a:rPr>
+                        <a:t>Y</a:t>
+                      </a:r>
+                      <a:r>
+                        <a:rPr lang="en-US" sz="1200" dirty="0"/>
+                        <a:t>, </a:t>
+                      </a:r>
+                      <a:r>
+                        <a:rPr lang="en-US" sz="1200" dirty="0">
+                          <a:solidFill>
+                            <a:schemeClr val="tx1"/>
+                          </a:solidFill>
+                        </a:rPr>
+                        <a:t>0</a:t>
+                      </a:r>
+                      <a:r>
+                        <a:rPr lang="en-US" sz="1200" baseline="-25000" dirty="0">
+                          <a:solidFill>
+                            <a:schemeClr val="tx1"/>
+                          </a:solidFill>
+                        </a:rPr>
+                        <a:t>X</a:t>
+                      </a:r>
+                      <a:r>
+                        <a:rPr lang="en-US" sz="1200" dirty="0"/>
+                        <a:t>)</a:t>
+                      </a:r>
+                    </a:p>
+                  </a:txBody>
+                  <a:tcPr marL="68580" marR="68580" marT="34290" marB="34290"/>
+                </a:tc>
+                <a:tc>
+                  <a:txBody>
+                    <a:bodyPr/>
+                    <a:lstStyle/>
+                    <a:p>
+                      <a:pPr marL="0" marR="0" lvl="0" indent="0" algn="l" defTabSz="914400" rtl="0" eaLnBrk="1" fontAlgn="auto" latinLnBrk="0" hangingPunct="1">
+                        <a:lnSpc>
+                          <a:spcPct val="100000"/>
+                        </a:lnSpc>
+                        <a:spcBef>
+                          <a:spcPts val="0"/>
+                        </a:spcBef>
+                        <a:spcAft>
+                          <a:spcPts val="0"/>
+                        </a:spcAft>
+                        <a:buClrTx/>
+                        <a:buSzTx/>
+                        <a:buFontTx/>
+                        <a:buNone/>
+                        <a:tabLst/>
+                        <a:defRPr/>
+                      </a:pPr>
+                      <a:r>
+                        <a:rPr lang="en-US" sz="1200" dirty="0"/>
+                        <a:t>(</a:t>
+                      </a:r>
+                      <a:r>
+                        <a:rPr lang="en-US" sz="1200" dirty="0">
+                          <a:solidFill>
+                            <a:schemeClr val="tx1"/>
+                          </a:solidFill>
+                        </a:rPr>
+                        <a:t>2</a:t>
+                      </a:r>
+                      <a:r>
+                        <a:rPr lang="en-US" sz="1200" baseline="-25000" dirty="0">
+                          <a:solidFill>
+                            <a:schemeClr val="tx1"/>
+                          </a:solidFill>
+                        </a:rPr>
+                        <a:t>D</a:t>
+                      </a:r>
+                      <a:r>
+                        <a:rPr lang="en-US" sz="1200" dirty="0"/>
+                        <a:t>, 0</a:t>
+                      </a:r>
+                      <a:r>
+                        <a:rPr lang="en-US" sz="1200" baseline="-25000" dirty="0"/>
+                        <a:t>P</a:t>
+                      </a:r>
+                      <a:r>
+                        <a:rPr lang="en-US" sz="1200" dirty="0"/>
+                        <a:t>, </a:t>
+                      </a:r>
+                      <a:r>
+                        <a:rPr lang="en-US" sz="1200" dirty="0">
+                          <a:solidFill>
+                            <a:schemeClr val="tx1"/>
+                          </a:solidFill>
+                        </a:rPr>
+                        <a:t>1</a:t>
+                      </a:r>
+                      <a:r>
+                        <a:rPr lang="en-US" sz="1200" baseline="-25000" dirty="0">
+                          <a:solidFill>
+                            <a:schemeClr val="tx1"/>
+                          </a:solidFill>
+                        </a:rPr>
+                        <a:t>Y</a:t>
+                      </a:r>
+                      <a:r>
+                        <a:rPr lang="en-US" sz="1200" dirty="0"/>
+                        <a:t>, </a:t>
+                      </a:r>
+                      <a:r>
+                        <a:rPr lang="en-US" sz="1200" dirty="0">
+                          <a:solidFill>
+                            <a:srgbClr val="FF0000"/>
+                          </a:solidFill>
+                        </a:rPr>
+                        <a:t>1</a:t>
+                      </a:r>
+                      <a:r>
+                        <a:rPr lang="en-US" sz="1200" baseline="-25000" dirty="0">
+                          <a:solidFill>
+                            <a:srgbClr val="FF0000"/>
+                          </a:solidFill>
+                        </a:rPr>
+                        <a:t>X</a:t>
+                      </a:r>
+                      <a:r>
+                        <a:rPr lang="en-US" sz="1200" dirty="0"/>
+                        <a:t>)</a:t>
+                      </a:r>
+                    </a:p>
+                  </a:txBody>
+                  <a:tcPr marL="68580" marR="68580" marT="34290" marB="34290"/>
+                </a:tc>
+                <a:tc>
+                  <a:txBody>
+                    <a:bodyPr/>
+                    <a:lstStyle/>
+                    <a:p>
+                      <a:pPr marL="0" marR="0" lvl="0" indent="0" algn="l" defTabSz="914400" rtl="0" eaLnBrk="1" fontAlgn="auto" latinLnBrk="0" hangingPunct="1">
+                        <a:lnSpc>
+                          <a:spcPct val="100000"/>
+                        </a:lnSpc>
+                        <a:spcBef>
+                          <a:spcPts val="0"/>
+                        </a:spcBef>
+                        <a:spcAft>
+                          <a:spcPts val="0"/>
+                        </a:spcAft>
+                        <a:buClrTx/>
+                        <a:buSzTx/>
+                        <a:buFontTx/>
+                        <a:buNone/>
+                        <a:tabLst/>
+                        <a:defRPr/>
+                      </a:pPr>
+                      <a:r>
+                        <a:rPr lang="en-US" sz="1200" dirty="0"/>
+                        <a:t>(</a:t>
+                      </a:r>
+                      <a:r>
+                        <a:rPr lang="en-US" sz="1200" dirty="0">
+                          <a:solidFill>
+                            <a:schemeClr val="tx1"/>
+                          </a:solidFill>
+                        </a:rPr>
+                        <a:t>2</a:t>
+                      </a:r>
+                      <a:r>
+                        <a:rPr lang="en-US" sz="1200" baseline="-25000" dirty="0">
+                          <a:solidFill>
+                            <a:schemeClr val="tx1"/>
+                          </a:solidFill>
+                        </a:rPr>
+                        <a:t>D</a:t>
+                      </a:r>
+                      <a:r>
+                        <a:rPr lang="en-US" sz="1200" dirty="0"/>
+                        <a:t>, 0</a:t>
+                      </a:r>
+                      <a:r>
+                        <a:rPr lang="en-US" sz="1200" baseline="-25000" dirty="0"/>
+                        <a:t>P</a:t>
+                      </a:r>
+                      <a:r>
+                        <a:rPr lang="en-US" sz="1200" dirty="0"/>
+                        <a:t>, 1</a:t>
+                      </a:r>
+                      <a:r>
+                        <a:rPr lang="en-US" sz="1200" baseline="-25000" dirty="0"/>
+                        <a:t>Y</a:t>
+                      </a:r>
+                      <a:r>
+                        <a:rPr lang="en-US" sz="1200" dirty="0"/>
+                        <a:t>, </a:t>
+                      </a:r>
+                      <a:r>
+                        <a:rPr lang="en-US" sz="1200" dirty="0">
+                          <a:solidFill>
+                            <a:srgbClr val="FF0000"/>
+                          </a:solidFill>
+                        </a:rPr>
+                        <a:t>2</a:t>
+                      </a:r>
+                      <a:r>
+                        <a:rPr lang="en-US" sz="1200" baseline="-25000" dirty="0">
+                          <a:solidFill>
+                            <a:srgbClr val="FF0000"/>
+                          </a:solidFill>
+                        </a:rPr>
+                        <a:t>X</a:t>
+                      </a:r>
+                      <a:r>
+                        <a:rPr lang="en-US" sz="1200" dirty="0"/>
+                        <a:t>)</a:t>
+                      </a:r>
+                    </a:p>
+                  </a:txBody>
+                  <a:tcPr marL="68580" marR="68580" marT="34290" marB="34290"/>
+                </a:tc>
+                <a:tc>
+                  <a:txBody>
+                    <a:bodyPr/>
+                    <a:lstStyle/>
+                    <a:p>
+                      <a:endParaRPr lang="en-US" sz="1200"/>
+                    </a:p>
+                  </a:txBody>
+                  <a:tcPr marL="68580" marR="68580" marT="34290" marB="34290"/>
+                </a:tc>
+                <a:tc>
+                  <a:txBody>
+                    <a:bodyPr/>
+                    <a:lstStyle/>
+                    <a:p>
+                      <a:pPr marL="0" marR="0" lvl="0" indent="0" algn="l" defTabSz="914400" rtl="0" eaLnBrk="1" fontAlgn="auto" latinLnBrk="0" hangingPunct="1">
+                        <a:lnSpc>
+                          <a:spcPct val="100000"/>
+                        </a:lnSpc>
+                        <a:spcBef>
+                          <a:spcPts val="0"/>
+                        </a:spcBef>
+                        <a:spcAft>
+                          <a:spcPts val="0"/>
+                        </a:spcAft>
+                        <a:buClrTx/>
+                        <a:buSzTx/>
+                        <a:buFontTx/>
+                        <a:buNone/>
+                        <a:tabLst/>
+                        <a:defRPr/>
+                      </a:pPr>
+                      <a:r>
+                        <a:rPr lang="en-US" sz="1200" dirty="0">
+                          <a:solidFill>
+                            <a:schemeClr val="tx1"/>
+                          </a:solidFill>
+                        </a:rPr>
+                        <a:t>(2</a:t>
+                      </a:r>
+                      <a:r>
+                        <a:rPr lang="en-US" sz="1200" baseline="-25000" dirty="0">
+                          <a:solidFill>
+                            <a:schemeClr val="tx1"/>
+                          </a:solidFill>
+                        </a:rPr>
+                        <a:t>D</a:t>
+                      </a:r>
+                      <a:r>
+                        <a:rPr lang="en-US" sz="1200" dirty="0">
+                          <a:solidFill>
+                            <a:schemeClr val="tx1"/>
+                          </a:solidFill>
+                        </a:rPr>
+                        <a:t>, 0</a:t>
+                      </a:r>
+                      <a:r>
+                        <a:rPr lang="en-US" sz="1200" baseline="-25000" dirty="0">
+                          <a:solidFill>
+                            <a:schemeClr val="tx1"/>
+                          </a:solidFill>
+                        </a:rPr>
+                        <a:t>P</a:t>
+                      </a:r>
+                      <a:r>
+                        <a:rPr lang="en-US" sz="1200" dirty="0">
+                          <a:solidFill>
+                            <a:schemeClr val="tx1"/>
+                          </a:solidFill>
+                        </a:rPr>
+                        <a:t>, 1</a:t>
+                      </a:r>
+                      <a:r>
+                        <a:rPr lang="en-US" sz="1200" baseline="-25000" dirty="0">
+                          <a:solidFill>
+                            <a:schemeClr val="tx1"/>
+                          </a:solidFill>
+                        </a:rPr>
+                        <a:t>Y</a:t>
+                      </a:r>
+                      <a:r>
+                        <a:rPr lang="en-US" sz="1200" dirty="0">
+                          <a:solidFill>
+                            <a:schemeClr val="tx1"/>
+                          </a:solidFill>
+                        </a:rPr>
+                        <a:t>, N</a:t>
+                      </a:r>
+                      <a:r>
+                        <a:rPr lang="en-US" sz="1200" baseline="-25000" dirty="0">
+                          <a:solidFill>
+                            <a:schemeClr val="tx1"/>
+                          </a:solidFill>
+                        </a:rPr>
+                        <a:t>X</a:t>
+                      </a:r>
+                      <a:r>
+                        <a:rPr lang="en-US" sz="1200" dirty="0">
+                          <a:solidFill>
+                            <a:schemeClr val="tx1"/>
+                          </a:solidFill>
+                        </a:rPr>
+                        <a:t>)</a:t>
+                      </a:r>
+                    </a:p>
+                  </a:txBody>
+                  <a:tcPr marL="68580" marR="68580" marT="34290" marB="34290"/>
+                </a:tc>
+                <a:tc>
+                  <a:txBody>
+                    <a:bodyPr/>
+                    <a:lstStyle/>
+                    <a:p>
+                      <a:pPr marL="0" marR="0" lvl="0" indent="0" algn="l" defTabSz="914400" rtl="0" eaLnBrk="1" fontAlgn="auto" latinLnBrk="0" hangingPunct="1">
+                        <a:lnSpc>
+                          <a:spcPct val="100000"/>
+                        </a:lnSpc>
+                        <a:spcBef>
+                          <a:spcPts val="0"/>
+                        </a:spcBef>
+                        <a:spcAft>
+                          <a:spcPts val="0"/>
+                        </a:spcAft>
+                        <a:buClrTx/>
+                        <a:buSzTx/>
+                        <a:buFontTx/>
+                        <a:buNone/>
+                        <a:tabLst/>
+                        <a:defRPr/>
+                      </a:pPr>
+                      <a:r>
+                        <a:rPr lang="en-US" sz="1200" dirty="0"/>
+                        <a:t>Next Kernel / Output Depth</a:t>
+                      </a:r>
+                    </a:p>
+                  </a:txBody>
+                  <a:tcPr marL="68580" marR="68580" marT="34290" marB="34290"/>
+                </a:tc>
+                <a:extLst>
+                  <a:ext uri="{0D108BD9-81ED-4DB2-BD59-A6C34878D82A}">
+                    <a16:rowId xmlns:a16="http://schemas.microsoft.com/office/drawing/2014/main" val="2939555051"/>
+                  </a:ext>
+                </a:extLst>
+              </a:tr>
+              <a:tr h="257501">
+                <a:tc>
+                  <a:txBody>
+                    <a:bodyPr/>
+                    <a:lstStyle/>
+                    <a:p>
+                      <a:pPr marL="0" marR="0" lvl="0" indent="0" algn="l" defTabSz="914400" rtl="0" eaLnBrk="1" fontAlgn="auto" latinLnBrk="0" hangingPunct="1">
+                        <a:lnSpc>
+                          <a:spcPct val="100000"/>
+                        </a:lnSpc>
+                        <a:spcBef>
+                          <a:spcPts val="0"/>
+                        </a:spcBef>
+                        <a:spcAft>
+                          <a:spcPts val="0"/>
+                        </a:spcAft>
+                        <a:buClrTx/>
+                        <a:buSzTx/>
+                        <a:buFontTx/>
+                        <a:buNone/>
+                        <a:tabLst/>
+                        <a:defRPr/>
+                      </a:pPr>
+                      <a:endParaRPr lang="en-US" sz="1200" dirty="0"/>
+                    </a:p>
+                  </a:txBody>
+                  <a:tcPr marL="68580" marR="68580" marT="34290" marB="34290"/>
+                </a:tc>
+                <a:tc>
+                  <a:txBody>
+                    <a:bodyPr/>
+                    <a:lstStyle/>
+                    <a:p>
+                      <a:pPr marL="0" marR="0" lvl="0" indent="0" algn="l" defTabSz="914400" rtl="0" eaLnBrk="1" fontAlgn="auto" latinLnBrk="0" hangingPunct="1">
+                        <a:lnSpc>
+                          <a:spcPct val="100000"/>
+                        </a:lnSpc>
+                        <a:spcBef>
+                          <a:spcPts val="0"/>
+                        </a:spcBef>
+                        <a:spcAft>
+                          <a:spcPts val="0"/>
+                        </a:spcAft>
+                        <a:buClrTx/>
+                        <a:buSzTx/>
+                        <a:buFontTx/>
+                        <a:buNone/>
+                        <a:tabLst/>
+                        <a:defRPr/>
+                      </a:pPr>
+                      <a:endParaRPr lang="en-US" sz="1200" dirty="0"/>
+                    </a:p>
+                  </a:txBody>
+                  <a:tcPr marL="68580" marR="68580" marT="34290" marB="34290"/>
+                </a:tc>
+                <a:tc>
+                  <a:txBody>
+                    <a:bodyPr/>
+                    <a:lstStyle/>
+                    <a:p>
+                      <a:pPr marL="0" marR="0" lvl="0" indent="0" algn="l" defTabSz="914400" rtl="0" eaLnBrk="1" fontAlgn="auto" latinLnBrk="0" hangingPunct="1">
+                        <a:lnSpc>
+                          <a:spcPct val="100000"/>
+                        </a:lnSpc>
+                        <a:spcBef>
+                          <a:spcPts val="0"/>
+                        </a:spcBef>
+                        <a:spcAft>
+                          <a:spcPts val="0"/>
+                        </a:spcAft>
+                        <a:buClrTx/>
+                        <a:buSzTx/>
+                        <a:buFontTx/>
+                        <a:buNone/>
+                        <a:tabLst/>
+                        <a:defRPr/>
+                      </a:pPr>
+                      <a:endParaRPr lang="en-US" sz="1200" dirty="0"/>
+                    </a:p>
+                  </a:txBody>
+                  <a:tcPr marL="68580" marR="68580" marT="34290" marB="34290"/>
+                </a:tc>
+                <a:tc>
+                  <a:txBody>
+                    <a:bodyPr/>
+                    <a:lstStyle/>
+                    <a:p>
+                      <a:endParaRPr lang="en-US" sz="1200"/>
+                    </a:p>
+                  </a:txBody>
+                  <a:tcPr marL="68580" marR="68580" marT="34290" marB="34290"/>
+                </a:tc>
+                <a:tc>
+                  <a:txBody>
+                    <a:bodyPr/>
+                    <a:lstStyle/>
+                    <a:p>
+                      <a:pPr marL="0" marR="0" lvl="0" indent="0" algn="l" defTabSz="914400" rtl="0" eaLnBrk="1" fontAlgn="auto" latinLnBrk="0" hangingPunct="1">
+                        <a:lnSpc>
+                          <a:spcPct val="100000"/>
+                        </a:lnSpc>
+                        <a:spcBef>
+                          <a:spcPts val="0"/>
+                        </a:spcBef>
+                        <a:spcAft>
+                          <a:spcPts val="0"/>
+                        </a:spcAft>
+                        <a:buClrTx/>
+                        <a:buSzTx/>
+                        <a:buFontTx/>
+                        <a:buNone/>
+                        <a:tabLst/>
+                        <a:defRPr/>
+                      </a:pPr>
+                      <a:r>
+                        <a:rPr lang="en-US" sz="1200" dirty="0"/>
+                        <a:t>(N</a:t>
+                      </a:r>
+                      <a:r>
+                        <a:rPr lang="en-US" sz="1200" baseline="-25000" dirty="0"/>
+                        <a:t>D</a:t>
+                      </a:r>
+                      <a:r>
+                        <a:rPr lang="en-US" sz="1200" dirty="0"/>
+                        <a:t>, 0</a:t>
+                      </a:r>
+                      <a:r>
+                        <a:rPr lang="en-US" sz="1200" baseline="-25000" dirty="0"/>
+                        <a:t>P</a:t>
+                      </a:r>
+                      <a:r>
+                        <a:rPr lang="en-US" sz="1200" dirty="0"/>
+                        <a:t>, 1</a:t>
+                      </a:r>
+                      <a:r>
+                        <a:rPr lang="en-US" sz="1200" baseline="-25000" dirty="0"/>
+                        <a:t>Y</a:t>
+                      </a:r>
+                      <a:r>
+                        <a:rPr lang="en-US" sz="1200" dirty="0"/>
+                        <a:t>,N</a:t>
+                      </a:r>
+                      <a:r>
+                        <a:rPr lang="en-US" sz="1200" baseline="-25000" dirty="0"/>
+                        <a:t>X</a:t>
+                      </a:r>
+                      <a:r>
+                        <a:rPr lang="en-US" sz="1200" dirty="0"/>
+                        <a:t>)</a:t>
+                      </a:r>
+                    </a:p>
+                  </a:txBody>
+                  <a:tcPr marL="68580" marR="68580" marT="34290" marB="34290"/>
+                </a:tc>
+                <a:tc>
+                  <a:txBody>
+                    <a:bodyPr/>
+                    <a:lstStyle/>
+                    <a:p>
+                      <a:pPr marL="0" marR="0" lvl="0" indent="0" algn="l" defTabSz="914400" rtl="0" eaLnBrk="1" fontAlgn="auto" latinLnBrk="0" hangingPunct="1">
+                        <a:lnSpc>
+                          <a:spcPct val="100000"/>
+                        </a:lnSpc>
+                        <a:spcBef>
+                          <a:spcPts val="0"/>
+                        </a:spcBef>
+                        <a:spcAft>
+                          <a:spcPts val="0"/>
+                        </a:spcAft>
+                        <a:buClrTx/>
+                        <a:buSzTx/>
+                        <a:buFontTx/>
+                        <a:buNone/>
+                        <a:tabLst/>
+                        <a:defRPr/>
+                      </a:pPr>
+                      <a:r>
+                        <a:rPr lang="en-US" sz="1200" dirty="0"/>
+                        <a:t>Next Row</a:t>
+                      </a:r>
+                    </a:p>
+                  </a:txBody>
+                  <a:tcPr marL="68580" marR="68580" marT="34290" marB="34290"/>
+                </a:tc>
+                <a:extLst>
+                  <a:ext uri="{0D108BD9-81ED-4DB2-BD59-A6C34878D82A}">
+                    <a16:rowId xmlns:a16="http://schemas.microsoft.com/office/drawing/2014/main" val="2374298396"/>
+                  </a:ext>
+                </a:extLst>
+              </a:tr>
+              <a:tr h="257501">
+                <a:tc>
+                  <a:txBody>
+                    <a:bodyPr/>
+                    <a:lstStyle/>
+                    <a:p>
+                      <a:pPr marL="0" marR="0" lvl="0" indent="0" algn="l" defTabSz="914400" rtl="0" eaLnBrk="1" fontAlgn="auto" latinLnBrk="0" hangingPunct="1">
+                        <a:lnSpc>
+                          <a:spcPct val="100000"/>
+                        </a:lnSpc>
+                        <a:spcBef>
+                          <a:spcPts val="0"/>
+                        </a:spcBef>
+                        <a:spcAft>
+                          <a:spcPts val="0"/>
+                        </a:spcAft>
+                        <a:buClrTx/>
+                        <a:buSzTx/>
+                        <a:buFontTx/>
+                        <a:buNone/>
+                        <a:tabLst/>
+                        <a:defRPr/>
+                      </a:pPr>
+                      <a:endParaRPr lang="en-US" sz="1200" dirty="0"/>
+                    </a:p>
+                  </a:txBody>
+                  <a:tcPr marL="68580" marR="68580" marT="34290" marB="34290"/>
+                </a:tc>
+                <a:tc>
+                  <a:txBody>
+                    <a:bodyPr/>
+                    <a:lstStyle/>
+                    <a:p>
+                      <a:pPr marL="0" marR="0" lvl="0" indent="0" algn="l" defTabSz="914400" rtl="0" eaLnBrk="1" fontAlgn="auto" latinLnBrk="0" hangingPunct="1">
+                        <a:lnSpc>
+                          <a:spcPct val="100000"/>
+                        </a:lnSpc>
+                        <a:spcBef>
+                          <a:spcPts val="0"/>
+                        </a:spcBef>
+                        <a:spcAft>
+                          <a:spcPts val="0"/>
+                        </a:spcAft>
+                        <a:buClrTx/>
+                        <a:buSzTx/>
+                        <a:buFontTx/>
+                        <a:buNone/>
+                        <a:tabLst/>
+                        <a:defRPr/>
+                      </a:pPr>
+                      <a:endParaRPr lang="en-US" sz="1200" dirty="0"/>
+                    </a:p>
+                  </a:txBody>
+                  <a:tcPr marL="68580" marR="68580" marT="34290" marB="34290"/>
+                </a:tc>
+                <a:tc>
+                  <a:txBody>
+                    <a:bodyPr/>
+                    <a:lstStyle/>
+                    <a:p>
+                      <a:pPr marL="0" marR="0" lvl="0" indent="0" algn="l" defTabSz="914400" rtl="0" eaLnBrk="1" fontAlgn="auto" latinLnBrk="0" hangingPunct="1">
+                        <a:lnSpc>
+                          <a:spcPct val="100000"/>
+                        </a:lnSpc>
+                        <a:spcBef>
+                          <a:spcPts val="0"/>
+                        </a:spcBef>
+                        <a:spcAft>
+                          <a:spcPts val="0"/>
+                        </a:spcAft>
+                        <a:buClrTx/>
+                        <a:buSzTx/>
+                        <a:buFontTx/>
+                        <a:buNone/>
+                        <a:tabLst/>
+                        <a:defRPr/>
+                      </a:pPr>
+                      <a:endParaRPr lang="en-US" sz="1200" dirty="0"/>
+                    </a:p>
+                  </a:txBody>
+                  <a:tcPr marL="68580" marR="68580" marT="34290" marB="34290"/>
+                </a:tc>
+                <a:tc>
+                  <a:txBody>
+                    <a:bodyPr/>
+                    <a:lstStyle/>
+                    <a:p>
+                      <a:endParaRPr lang="en-US" sz="1200"/>
+                    </a:p>
+                  </a:txBody>
+                  <a:tcPr marL="68580" marR="68580" marT="34290" marB="34290"/>
+                </a:tc>
+                <a:tc>
+                  <a:txBody>
+                    <a:bodyPr/>
+                    <a:lstStyle/>
+                    <a:p>
+                      <a:pPr marL="0" marR="0" lvl="0" indent="0" algn="l" defTabSz="914400" rtl="0" eaLnBrk="1" fontAlgn="auto" latinLnBrk="0" hangingPunct="1">
+                        <a:lnSpc>
+                          <a:spcPct val="100000"/>
+                        </a:lnSpc>
+                        <a:spcBef>
+                          <a:spcPts val="0"/>
+                        </a:spcBef>
+                        <a:spcAft>
+                          <a:spcPts val="0"/>
+                        </a:spcAft>
+                        <a:buClrTx/>
+                        <a:buSzTx/>
+                        <a:buFontTx/>
+                        <a:buNone/>
+                        <a:tabLst/>
+                        <a:defRPr/>
+                      </a:pPr>
+                      <a:r>
+                        <a:rPr lang="en-US" sz="1200" dirty="0"/>
+                        <a:t>(N</a:t>
+                      </a:r>
+                      <a:r>
+                        <a:rPr lang="en-US" sz="1200" baseline="-25000" dirty="0"/>
+                        <a:t>D</a:t>
+                      </a:r>
+                      <a:r>
+                        <a:rPr lang="en-US" sz="1200" dirty="0"/>
+                        <a:t>, 0</a:t>
+                      </a:r>
+                      <a:r>
+                        <a:rPr lang="en-US" sz="1200" baseline="-25000" dirty="0"/>
+                        <a:t>P</a:t>
+                      </a:r>
+                      <a:r>
+                        <a:rPr lang="en-US" sz="1200" dirty="0"/>
+                        <a:t>, N</a:t>
+                      </a:r>
+                      <a:r>
+                        <a:rPr lang="en-US" sz="1200" baseline="-25000" dirty="0"/>
+                        <a:t>Y</a:t>
+                      </a:r>
+                      <a:r>
+                        <a:rPr lang="en-US" sz="1200" dirty="0"/>
+                        <a:t>,N</a:t>
+                      </a:r>
+                      <a:r>
+                        <a:rPr lang="en-US" sz="1200" baseline="-25000" dirty="0"/>
+                        <a:t>X</a:t>
+                      </a:r>
+                      <a:r>
+                        <a:rPr lang="en-US" sz="1200" dirty="0"/>
+                        <a:t>)</a:t>
+                      </a:r>
+                    </a:p>
+                  </a:txBody>
+                  <a:tcPr marL="68580" marR="68580" marT="34290" marB="34290"/>
+                </a:tc>
+                <a:tc>
+                  <a:txBody>
+                    <a:bodyPr/>
+                    <a:lstStyle/>
+                    <a:p>
+                      <a:pPr marL="0" marR="0" lvl="0" indent="0" algn="l" defTabSz="914400" rtl="0" eaLnBrk="1" fontAlgn="auto" latinLnBrk="0" hangingPunct="1">
+                        <a:lnSpc>
+                          <a:spcPct val="100000"/>
+                        </a:lnSpc>
+                        <a:spcBef>
+                          <a:spcPts val="0"/>
+                        </a:spcBef>
+                        <a:spcAft>
+                          <a:spcPts val="0"/>
+                        </a:spcAft>
+                        <a:buClrTx/>
+                        <a:buSzTx/>
+                        <a:buFontTx/>
+                        <a:buNone/>
+                        <a:tabLst/>
+                        <a:defRPr/>
+                      </a:pPr>
+                      <a:r>
+                        <a:rPr lang="en-US" sz="1200" dirty="0"/>
+                        <a:t>Next Partial Map</a:t>
+                      </a:r>
+                    </a:p>
+                  </a:txBody>
+                  <a:tcPr marL="68580" marR="68580" marT="34290" marB="34290"/>
+                </a:tc>
+                <a:extLst>
+                  <a:ext uri="{0D108BD9-81ED-4DB2-BD59-A6C34878D82A}">
+                    <a16:rowId xmlns:a16="http://schemas.microsoft.com/office/drawing/2014/main" val="2052834062"/>
+                  </a:ext>
+                </a:extLst>
+              </a:tr>
+              <a:tr h="257501">
+                <a:tc>
+                  <a:txBody>
+                    <a:bodyPr/>
+                    <a:lstStyle/>
+                    <a:p>
+                      <a:pPr marL="0" marR="0" lvl="0" indent="0" algn="l" defTabSz="914400" rtl="0" eaLnBrk="1" fontAlgn="auto" latinLnBrk="0" hangingPunct="1">
+                        <a:lnSpc>
+                          <a:spcPct val="100000"/>
+                        </a:lnSpc>
+                        <a:spcBef>
+                          <a:spcPts val="0"/>
+                        </a:spcBef>
+                        <a:spcAft>
+                          <a:spcPts val="0"/>
+                        </a:spcAft>
+                        <a:buClrTx/>
+                        <a:buSzTx/>
+                        <a:buFontTx/>
+                        <a:buNone/>
+                        <a:tabLst/>
+                        <a:defRPr/>
+                      </a:pPr>
+                      <a:r>
+                        <a:rPr lang="en-US" sz="1200" dirty="0"/>
+                        <a:t>(0</a:t>
+                      </a:r>
+                      <a:r>
+                        <a:rPr lang="en-US" sz="1200" baseline="-25000" dirty="0"/>
+                        <a:t>D</a:t>
+                      </a:r>
+                      <a:r>
+                        <a:rPr lang="en-US" sz="1200" dirty="0"/>
+                        <a:t>, </a:t>
+                      </a:r>
+                      <a:r>
+                        <a:rPr lang="en-US" sz="1200" dirty="0">
+                          <a:solidFill>
+                            <a:srgbClr val="FF0000"/>
+                          </a:solidFill>
+                        </a:rPr>
+                        <a:t>1</a:t>
+                      </a:r>
+                      <a:r>
+                        <a:rPr lang="en-US" sz="1200" baseline="-25000" dirty="0">
+                          <a:solidFill>
+                            <a:srgbClr val="FF0000"/>
+                          </a:solidFill>
+                        </a:rPr>
+                        <a:t>P</a:t>
+                      </a:r>
+                      <a:r>
+                        <a:rPr lang="en-US" sz="1200" dirty="0"/>
+                        <a:t>, 0</a:t>
+                      </a:r>
+                      <a:r>
+                        <a:rPr lang="en-US" sz="1200" baseline="-25000" dirty="0"/>
+                        <a:t>Y</a:t>
+                      </a:r>
+                      <a:r>
+                        <a:rPr lang="en-US" sz="1200" dirty="0"/>
+                        <a:t>, </a:t>
+                      </a:r>
+                      <a:r>
+                        <a:rPr lang="en-US" sz="1200" dirty="0">
+                          <a:solidFill>
+                            <a:schemeClr val="tx1"/>
+                          </a:solidFill>
+                        </a:rPr>
+                        <a:t>0</a:t>
+                      </a:r>
+                      <a:r>
+                        <a:rPr lang="en-US" sz="1200" baseline="-25000" dirty="0">
+                          <a:solidFill>
+                            <a:schemeClr val="tx1"/>
+                          </a:solidFill>
+                        </a:rPr>
+                        <a:t>X</a:t>
+                      </a:r>
+                      <a:r>
+                        <a:rPr lang="en-US" sz="1200" dirty="0"/>
+                        <a:t>)</a:t>
+                      </a:r>
+                    </a:p>
+                  </a:txBody>
+                  <a:tcPr marL="68580" marR="68580" marT="34290" marB="34290"/>
+                </a:tc>
+                <a:tc>
+                  <a:txBody>
+                    <a:bodyPr/>
+                    <a:lstStyle/>
+                    <a:p>
+                      <a:pPr marL="0" marR="0" lvl="0" indent="0" algn="l" defTabSz="914400" rtl="0" eaLnBrk="1" fontAlgn="auto" latinLnBrk="0" hangingPunct="1">
+                        <a:lnSpc>
+                          <a:spcPct val="100000"/>
+                        </a:lnSpc>
+                        <a:spcBef>
+                          <a:spcPts val="0"/>
+                        </a:spcBef>
+                        <a:spcAft>
+                          <a:spcPts val="0"/>
+                        </a:spcAft>
+                        <a:buClrTx/>
+                        <a:buSzTx/>
+                        <a:buFontTx/>
+                        <a:buNone/>
+                        <a:tabLst/>
+                        <a:defRPr/>
+                      </a:pPr>
+                      <a:r>
+                        <a:rPr lang="en-US" sz="1200" dirty="0"/>
+                        <a:t>(0</a:t>
+                      </a:r>
+                      <a:r>
+                        <a:rPr lang="en-US" sz="1200" baseline="-25000" dirty="0"/>
+                        <a:t>D</a:t>
+                      </a:r>
+                      <a:r>
+                        <a:rPr lang="en-US" sz="1200" dirty="0"/>
+                        <a:t>, 1</a:t>
+                      </a:r>
+                      <a:r>
+                        <a:rPr lang="en-US" sz="1200" baseline="-25000" dirty="0"/>
+                        <a:t>P</a:t>
+                      </a:r>
+                      <a:r>
+                        <a:rPr lang="en-US" sz="1200" dirty="0"/>
+                        <a:t>, 0</a:t>
+                      </a:r>
+                      <a:r>
+                        <a:rPr lang="en-US" sz="1200" baseline="-25000" dirty="0"/>
+                        <a:t>Y</a:t>
+                      </a:r>
+                      <a:r>
+                        <a:rPr lang="en-US" sz="1200" dirty="0"/>
+                        <a:t>, </a:t>
+                      </a:r>
+                      <a:r>
+                        <a:rPr lang="en-US" sz="1200" dirty="0">
+                          <a:solidFill>
+                            <a:srgbClr val="FF0000"/>
+                          </a:solidFill>
+                        </a:rPr>
+                        <a:t>1</a:t>
+                      </a:r>
+                      <a:r>
+                        <a:rPr lang="en-US" sz="1200" baseline="-25000" dirty="0">
+                          <a:solidFill>
+                            <a:srgbClr val="FF0000"/>
+                          </a:solidFill>
+                        </a:rPr>
+                        <a:t>X</a:t>
+                      </a:r>
+                      <a:r>
+                        <a:rPr lang="en-US" sz="1200" dirty="0"/>
+                        <a:t>)</a:t>
+                      </a:r>
+                    </a:p>
+                  </a:txBody>
+                  <a:tcPr marL="68580" marR="68580" marT="34290" marB="34290"/>
+                </a:tc>
+                <a:tc>
+                  <a:txBody>
+                    <a:bodyPr/>
+                    <a:lstStyle/>
+                    <a:p>
+                      <a:pPr marL="0" marR="0" lvl="0" indent="0" algn="l" defTabSz="914400" rtl="0" eaLnBrk="1" fontAlgn="auto" latinLnBrk="0" hangingPunct="1">
+                        <a:lnSpc>
+                          <a:spcPct val="100000"/>
+                        </a:lnSpc>
+                        <a:spcBef>
+                          <a:spcPts val="0"/>
+                        </a:spcBef>
+                        <a:spcAft>
+                          <a:spcPts val="0"/>
+                        </a:spcAft>
+                        <a:buClrTx/>
+                        <a:buSzTx/>
+                        <a:buFontTx/>
+                        <a:buNone/>
+                        <a:tabLst/>
+                        <a:defRPr/>
+                      </a:pPr>
+                      <a:r>
+                        <a:rPr lang="en-US" sz="1200" dirty="0"/>
+                        <a:t>(0</a:t>
+                      </a:r>
+                      <a:r>
+                        <a:rPr lang="en-US" sz="1200" baseline="-25000" dirty="0"/>
+                        <a:t>D</a:t>
+                      </a:r>
+                      <a:r>
+                        <a:rPr lang="en-US" sz="1200" dirty="0"/>
+                        <a:t>, 1</a:t>
+                      </a:r>
+                      <a:r>
+                        <a:rPr lang="en-US" sz="1200" baseline="-25000" dirty="0"/>
+                        <a:t>P</a:t>
+                      </a:r>
+                      <a:r>
+                        <a:rPr lang="en-US" sz="1200" dirty="0"/>
+                        <a:t>, 0</a:t>
+                      </a:r>
+                      <a:r>
+                        <a:rPr lang="en-US" sz="1200" baseline="-25000" dirty="0"/>
+                        <a:t>Y</a:t>
+                      </a:r>
+                      <a:r>
+                        <a:rPr lang="en-US" sz="1200" dirty="0"/>
+                        <a:t>, </a:t>
+                      </a:r>
+                      <a:r>
+                        <a:rPr lang="en-US" sz="1200" dirty="0">
+                          <a:solidFill>
+                            <a:srgbClr val="FF0000"/>
+                          </a:solidFill>
+                        </a:rPr>
+                        <a:t>2</a:t>
+                      </a:r>
+                      <a:r>
+                        <a:rPr lang="en-US" sz="1200" baseline="-25000" dirty="0">
+                          <a:solidFill>
+                            <a:srgbClr val="FF0000"/>
+                          </a:solidFill>
+                        </a:rPr>
+                        <a:t>X</a:t>
+                      </a:r>
+                      <a:r>
+                        <a:rPr lang="en-US" sz="1200" dirty="0"/>
+                        <a:t>)</a:t>
+                      </a:r>
+                    </a:p>
+                  </a:txBody>
+                  <a:tcPr marL="68580" marR="68580" marT="34290" marB="34290"/>
+                </a:tc>
+                <a:tc>
+                  <a:txBody>
+                    <a:bodyPr/>
+                    <a:lstStyle/>
+                    <a:p>
+                      <a:endParaRPr lang="en-US" sz="1200"/>
+                    </a:p>
+                  </a:txBody>
+                  <a:tcPr marL="68580" marR="68580" marT="34290" marB="34290"/>
+                </a:tc>
+                <a:tc>
+                  <a:txBody>
+                    <a:bodyPr/>
+                    <a:lstStyle/>
+                    <a:p>
+                      <a:pPr marL="0" marR="0" lvl="0" indent="0" algn="l" defTabSz="914400" rtl="0" eaLnBrk="1" fontAlgn="auto" latinLnBrk="0" hangingPunct="1">
+                        <a:lnSpc>
+                          <a:spcPct val="100000"/>
+                        </a:lnSpc>
+                        <a:spcBef>
+                          <a:spcPts val="0"/>
+                        </a:spcBef>
+                        <a:spcAft>
+                          <a:spcPts val="0"/>
+                        </a:spcAft>
+                        <a:buClrTx/>
+                        <a:buSzTx/>
+                        <a:buFontTx/>
+                        <a:buNone/>
+                        <a:tabLst/>
+                        <a:defRPr/>
+                      </a:pPr>
+                      <a:r>
+                        <a:rPr lang="en-US" sz="1200" dirty="0"/>
+                        <a:t>(0</a:t>
+                      </a:r>
+                      <a:r>
+                        <a:rPr lang="en-US" sz="1200" baseline="-25000" dirty="0"/>
+                        <a:t>D</a:t>
+                      </a:r>
+                      <a:r>
+                        <a:rPr lang="en-US" sz="1200" dirty="0"/>
+                        <a:t>, 1</a:t>
+                      </a:r>
+                      <a:r>
+                        <a:rPr lang="en-US" sz="1200" baseline="-25000" dirty="0"/>
+                        <a:t>P</a:t>
+                      </a:r>
+                      <a:r>
+                        <a:rPr lang="en-US" sz="1200" dirty="0"/>
+                        <a:t>, 0</a:t>
+                      </a:r>
+                      <a:r>
+                        <a:rPr lang="en-US" sz="1200" baseline="-25000" dirty="0"/>
+                        <a:t>Y</a:t>
+                      </a:r>
+                      <a:r>
+                        <a:rPr lang="en-US" sz="1200" dirty="0"/>
+                        <a:t>, N</a:t>
+                      </a:r>
+                      <a:r>
+                        <a:rPr lang="en-US" sz="1200" baseline="-25000" dirty="0"/>
+                        <a:t>X</a:t>
+                      </a:r>
+                      <a:r>
+                        <a:rPr lang="en-US" sz="1200" dirty="0"/>
+                        <a:t>)</a:t>
+                      </a:r>
+                    </a:p>
+                  </a:txBody>
+                  <a:tcPr marL="68580" marR="68580" marT="34290" marB="34290"/>
+                </a:tc>
+                <a:tc>
+                  <a:txBody>
+                    <a:bodyPr/>
+                    <a:lstStyle/>
+                    <a:p>
+                      <a:pPr marL="0" marR="0" lvl="0" indent="0" algn="l" defTabSz="914400" rtl="0" eaLnBrk="1" fontAlgn="auto" latinLnBrk="0" hangingPunct="1">
+                        <a:lnSpc>
+                          <a:spcPct val="100000"/>
+                        </a:lnSpc>
+                        <a:spcBef>
+                          <a:spcPts val="0"/>
+                        </a:spcBef>
+                        <a:spcAft>
+                          <a:spcPts val="0"/>
+                        </a:spcAft>
+                        <a:buClrTx/>
+                        <a:buSzTx/>
+                        <a:buFontTx/>
+                        <a:buNone/>
+                        <a:tabLst/>
+                        <a:defRPr/>
+                      </a:pPr>
+                      <a:r>
+                        <a:rPr lang="en-US" sz="1200" dirty="0"/>
+                        <a:t>Next Kernel / Output Depth</a:t>
+                      </a:r>
+                    </a:p>
+                  </a:txBody>
+                  <a:tcPr marL="68580" marR="68580" marT="34290" marB="34290"/>
+                </a:tc>
+                <a:extLst>
+                  <a:ext uri="{0D108BD9-81ED-4DB2-BD59-A6C34878D82A}">
+                    <a16:rowId xmlns:a16="http://schemas.microsoft.com/office/drawing/2014/main" val="1456056645"/>
+                  </a:ext>
+                </a:extLst>
+              </a:tr>
+              <a:tr h="257501">
+                <a:tc>
+                  <a:txBody>
+                    <a:bodyPr/>
+                    <a:lstStyle/>
+                    <a:p>
+                      <a:pPr marL="0" marR="0" lvl="0" indent="0" algn="l" defTabSz="914400" rtl="0" eaLnBrk="1" fontAlgn="auto" latinLnBrk="0" hangingPunct="1">
+                        <a:lnSpc>
+                          <a:spcPct val="100000"/>
+                        </a:lnSpc>
+                        <a:spcBef>
+                          <a:spcPts val="0"/>
+                        </a:spcBef>
+                        <a:spcAft>
+                          <a:spcPts val="0"/>
+                        </a:spcAft>
+                        <a:buClrTx/>
+                        <a:buSzTx/>
+                        <a:buFontTx/>
+                        <a:buNone/>
+                        <a:tabLst/>
+                        <a:defRPr/>
+                      </a:pPr>
+                      <a:r>
+                        <a:rPr lang="en-US" sz="1200" dirty="0"/>
+                        <a:t>(</a:t>
+                      </a:r>
+                      <a:r>
+                        <a:rPr lang="en-US" sz="1200" dirty="0">
+                          <a:solidFill>
+                            <a:srgbClr val="FF0000"/>
+                          </a:solidFill>
+                        </a:rPr>
+                        <a:t>1</a:t>
+                      </a:r>
+                      <a:r>
+                        <a:rPr lang="en-US" sz="1200" baseline="-25000" dirty="0">
+                          <a:solidFill>
+                            <a:srgbClr val="FF0000"/>
+                          </a:solidFill>
+                        </a:rPr>
+                        <a:t>D</a:t>
+                      </a:r>
+                      <a:r>
+                        <a:rPr lang="en-US" sz="1200" dirty="0"/>
+                        <a:t>, 1</a:t>
+                      </a:r>
+                      <a:r>
+                        <a:rPr lang="en-US" sz="1200" baseline="-25000" dirty="0"/>
+                        <a:t>P</a:t>
+                      </a:r>
+                      <a:r>
+                        <a:rPr lang="en-US" sz="1200" dirty="0"/>
+                        <a:t>, 0</a:t>
+                      </a:r>
+                      <a:r>
+                        <a:rPr lang="en-US" sz="1200" baseline="-25000" dirty="0"/>
+                        <a:t>Y</a:t>
+                      </a:r>
+                      <a:r>
+                        <a:rPr lang="en-US" sz="1200" dirty="0"/>
+                        <a:t>, </a:t>
+                      </a:r>
+                      <a:r>
+                        <a:rPr lang="en-US" sz="1200" dirty="0">
+                          <a:solidFill>
+                            <a:schemeClr val="tx1"/>
+                          </a:solidFill>
+                        </a:rPr>
+                        <a:t>0</a:t>
+                      </a:r>
+                      <a:r>
+                        <a:rPr lang="en-US" sz="1200" baseline="-25000" dirty="0">
+                          <a:solidFill>
+                            <a:schemeClr val="tx1"/>
+                          </a:solidFill>
+                        </a:rPr>
+                        <a:t>X</a:t>
+                      </a:r>
+                      <a:r>
+                        <a:rPr lang="en-US" sz="1200" dirty="0"/>
+                        <a:t>)</a:t>
+                      </a:r>
+                    </a:p>
+                  </a:txBody>
+                  <a:tcPr marL="68580" marR="68580" marT="34290" marB="34290"/>
+                </a:tc>
+                <a:tc>
+                  <a:txBody>
+                    <a:bodyPr/>
+                    <a:lstStyle/>
+                    <a:p>
+                      <a:pPr marL="0" marR="0" lvl="0" indent="0" algn="l" defTabSz="914400" rtl="0" eaLnBrk="1" fontAlgn="auto" latinLnBrk="0" hangingPunct="1">
+                        <a:lnSpc>
+                          <a:spcPct val="100000"/>
+                        </a:lnSpc>
+                        <a:spcBef>
+                          <a:spcPts val="0"/>
+                        </a:spcBef>
+                        <a:spcAft>
+                          <a:spcPts val="0"/>
+                        </a:spcAft>
+                        <a:buClrTx/>
+                        <a:buSzTx/>
+                        <a:buFontTx/>
+                        <a:buNone/>
+                        <a:tabLst/>
+                        <a:defRPr/>
+                      </a:pPr>
+                      <a:r>
+                        <a:rPr lang="en-US" sz="1200" dirty="0"/>
+                        <a:t>(1</a:t>
+                      </a:r>
+                      <a:r>
+                        <a:rPr lang="en-US" sz="1200" baseline="-25000" dirty="0"/>
+                        <a:t>D</a:t>
+                      </a:r>
+                      <a:r>
+                        <a:rPr lang="en-US" sz="1200" dirty="0"/>
+                        <a:t>, 1</a:t>
+                      </a:r>
+                      <a:r>
+                        <a:rPr lang="en-US" sz="1200" baseline="-25000" dirty="0"/>
+                        <a:t>P</a:t>
+                      </a:r>
+                      <a:r>
+                        <a:rPr lang="en-US" sz="1200" dirty="0"/>
+                        <a:t>, 0</a:t>
+                      </a:r>
+                      <a:r>
+                        <a:rPr lang="en-US" sz="1200" baseline="-25000" dirty="0"/>
+                        <a:t>Y</a:t>
+                      </a:r>
+                      <a:r>
+                        <a:rPr lang="en-US" sz="1200" dirty="0"/>
+                        <a:t>, </a:t>
+                      </a:r>
+                      <a:r>
+                        <a:rPr lang="en-US" sz="1200" dirty="0">
+                          <a:solidFill>
+                            <a:srgbClr val="FF0000"/>
+                          </a:solidFill>
+                        </a:rPr>
+                        <a:t>1</a:t>
+                      </a:r>
+                      <a:r>
+                        <a:rPr lang="en-US" sz="1200" baseline="-25000" dirty="0">
+                          <a:solidFill>
+                            <a:srgbClr val="FF0000"/>
+                          </a:solidFill>
+                        </a:rPr>
+                        <a:t>X</a:t>
+                      </a:r>
+                      <a:r>
+                        <a:rPr lang="en-US" sz="1200" dirty="0"/>
+                        <a:t>)</a:t>
+                      </a:r>
+                    </a:p>
+                  </a:txBody>
+                  <a:tcPr marL="68580" marR="68580" marT="34290" marB="34290"/>
+                </a:tc>
+                <a:tc>
+                  <a:txBody>
+                    <a:bodyPr/>
+                    <a:lstStyle/>
+                    <a:p>
+                      <a:pPr marL="0" marR="0" lvl="0" indent="0" algn="l" defTabSz="914400" rtl="0" eaLnBrk="1" fontAlgn="auto" latinLnBrk="0" hangingPunct="1">
+                        <a:lnSpc>
+                          <a:spcPct val="100000"/>
+                        </a:lnSpc>
+                        <a:spcBef>
+                          <a:spcPts val="0"/>
+                        </a:spcBef>
+                        <a:spcAft>
+                          <a:spcPts val="0"/>
+                        </a:spcAft>
+                        <a:buClrTx/>
+                        <a:buSzTx/>
+                        <a:buFontTx/>
+                        <a:buNone/>
+                        <a:tabLst/>
+                        <a:defRPr/>
+                      </a:pPr>
+                      <a:r>
+                        <a:rPr lang="en-US" sz="1200" dirty="0"/>
+                        <a:t>(1</a:t>
+                      </a:r>
+                      <a:r>
+                        <a:rPr lang="en-US" sz="1200" baseline="-25000" dirty="0"/>
+                        <a:t>D</a:t>
+                      </a:r>
+                      <a:r>
+                        <a:rPr lang="en-US" sz="1200" dirty="0"/>
+                        <a:t>, 1</a:t>
+                      </a:r>
+                      <a:r>
+                        <a:rPr lang="en-US" sz="1200" baseline="-25000" dirty="0"/>
+                        <a:t>P</a:t>
+                      </a:r>
+                      <a:r>
+                        <a:rPr lang="en-US" sz="1200" dirty="0"/>
+                        <a:t>, 0</a:t>
+                      </a:r>
+                      <a:r>
+                        <a:rPr lang="en-US" sz="1200" baseline="-25000" dirty="0"/>
+                        <a:t>Y</a:t>
+                      </a:r>
+                      <a:r>
+                        <a:rPr lang="en-US" sz="1200" dirty="0"/>
+                        <a:t>, </a:t>
+                      </a:r>
+                      <a:r>
+                        <a:rPr lang="en-US" sz="1200" dirty="0">
+                          <a:solidFill>
+                            <a:srgbClr val="FF0000"/>
+                          </a:solidFill>
+                        </a:rPr>
+                        <a:t>2</a:t>
+                      </a:r>
+                      <a:r>
+                        <a:rPr lang="en-US" sz="1200" baseline="-25000" dirty="0">
+                          <a:solidFill>
+                            <a:srgbClr val="FF0000"/>
+                          </a:solidFill>
+                        </a:rPr>
+                        <a:t>X</a:t>
+                      </a:r>
+                      <a:r>
+                        <a:rPr lang="en-US" sz="1200" dirty="0"/>
+                        <a:t>)</a:t>
+                      </a:r>
+                    </a:p>
+                  </a:txBody>
+                  <a:tcPr marL="68580" marR="68580" marT="34290" marB="34290"/>
+                </a:tc>
+                <a:tc>
+                  <a:txBody>
+                    <a:bodyPr/>
+                    <a:lstStyle/>
+                    <a:p>
+                      <a:endParaRPr lang="en-US" sz="1200" dirty="0"/>
+                    </a:p>
+                  </a:txBody>
+                  <a:tcPr marL="68580" marR="68580" marT="34290" marB="34290"/>
+                </a:tc>
+                <a:tc>
+                  <a:txBody>
+                    <a:bodyPr/>
+                    <a:lstStyle/>
+                    <a:p>
+                      <a:pPr marL="0" marR="0" lvl="0" indent="0" algn="l" defTabSz="914400" rtl="0" eaLnBrk="1" fontAlgn="auto" latinLnBrk="0" hangingPunct="1">
+                        <a:lnSpc>
+                          <a:spcPct val="100000"/>
+                        </a:lnSpc>
+                        <a:spcBef>
+                          <a:spcPts val="0"/>
+                        </a:spcBef>
+                        <a:spcAft>
+                          <a:spcPts val="0"/>
+                        </a:spcAft>
+                        <a:buClrTx/>
+                        <a:buSzTx/>
+                        <a:buFontTx/>
+                        <a:buNone/>
+                        <a:tabLst/>
+                        <a:defRPr/>
+                      </a:pPr>
+                      <a:r>
+                        <a:rPr lang="en-US" sz="1200" dirty="0"/>
+                        <a:t>(1</a:t>
+                      </a:r>
+                      <a:r>
+                        <a:rPr lang="en-US" sz="1200" baseline="-25000" dirty="0"/>
+                        <a:t>D</a:t>
+                      </a:r>
+                      <a:r>
+                        <a:rPr lang="en-US" sz="1200" dirty="0"/>
+                        <a:t>, 1</a:t>
+                      </a:r>
+                      <a:r>
+                        <a:rPr lang="en-US" sz="1200" baseline="-25000" dirty="0"/>
+                        <a:t>P</a:t>
+                      </a:r>
+                      <a:r>
+                        <a:rPr lang="en-US" sz="1200" dirty="0"/>
+                        <a:t>, 0</a:t>
+                      </a:r>
+                      <a:r>
+                        <a:rPr lang="en-US" sz="1200" baseline="-25000" dirty="0"/>
+                        <a:t>Y</a:t>
+                      </a:r>
+                      <a:r>
+                        <a:rPr lang="en-US" sz="1200" dirty="0"/>
+                        <a:t>, N</a:t>
+                      </a:r>
+                      <a:r>
+                        <a:rPr lang="en-US" sz="1200" baseline="-25000" dirty="0"/>
+                        <a:t>X</a:t>
+                      </a:r>
+                      <a:r>
+                        <a:rPr lang="en-US" sz="1200" dirty="0"/>
+                        <a:t>)</a:t>
+                      </a:r>
+                    </a:p>
+                  </a:txBody>
+                  <a:tcPr marL="68580" marR="68580" marT="34290" marB="34290"/>
+                </a:tc>
+                <a:tc>
+                  <a:txBody>
+                    <a:bodyPr/>
+                    <a:lstStyle/>
+                    <a:p>
+                      <a:pPr marL="0" marR="0" lvl="0" indent="0" algn="l" defTabSz="914400" rtl="0" eaLnBrk="1" fontAlgn="auto" latinLnBrk="0" hangingPunct="1">
+                        <a:lnSpc>
+                          <a:spcPct val="100000"/>
+                        </a:lnSpc>
+                        <a:spcBef>
+                          <a:spcPts val="0"/>
+                        </a:spcBef>
+                        <a:spcAft>
+                          <a:spcPts val="0"/>
+                        </a:spcAft>
+                        <a:buClrTx/>
+                        <a:buSzTx/>
+                        <a:buFontTx/>
+                        <a:buNone/>
+                        <a:tabLst/>
+                        <a:defRPr/>
+                      </a:pPr>
+                      <a:r>
+                        <a:rPr lang="en-US" sz="1200" dirty="0"/>
+                        <a:t>Next Kernel / Output Depth</a:t>
+                      </a:r>
+                    </a:p>
+                  </a:txBody>
+                  <a:tcPr marL="68580" marR="68580" marT="34290" marB="34290"/>
+                </a:tc>
+                <a:extLst>
+                  <a:ext uri="{0D108BD9-81ED-4DB2-BD59-A6C34878D82A}">
+                    <a16:rowId xmlns:a16="http://schemas.microsoft.com/office/drawing/2014/main" val="685575204"/>
+                  </a:ext>
+                </a:extLst>
+              </a:tr>
+              <a:tr h="257501">
+                <a:tc>
+                  <a:txBody>
+                    <a:bodyPr/>
+                    <a:lstStyle/>
+                    <a:p>
+                      <a:pPr marL="0" marR="0" lvl="0" indent="0" algn="l" defTabSz="914400" rtl="0" eaLnBrk="1" fontAlgn="auto" latinLnBrk="0" hangingPunct="1">
+                        <a:lnSpc>
+                          <a:spcPct val="100000"/>
+                        </a:lnSpc>
+                        <a:spcBef>
+                          <a:spcPts val="0"/>
+                        </a:spcBef>
+                        <a:spcAft>
+                          <a:spcPts val="0"/>
+                        </a:spcAft>
+                        <a:buClrTx/>
+                        <a:buSzTx/>
+                        <a:buFontTx/>
+                        <a:buNone/>
+                        <a:tabLst/>
+                        <a:defRPr/>
+                      </a:pPr>
+                      <a:r>
+                        <a:rPr lang="en-US" sz="1200" dirty="0"/>
+                        <a:t>(</a:t>
+                      </a:r>
+                      <a:r>
+                        <a:rPr lang="en-US" sz="1200" dirty="0">
+                          <a:solidFill>
+                            <a:srgbClr val="FF0000"/>
+                          </a:solidFill>
+                        </a:rPr>
+                        <a:t>2</a:t>
+                      </a:r>
+                      <a:r>
+                        <a:rPr lang="en-US" sz="1200" baseline="-25000" dirty="0">
+                          <a:solidFill>
+                            <a:srgbClr val="FF0000"/>
+                          </a:solidFill>
+                        </a:rPr>
+                        <a:t>D</a:t>
+                      </a:r>
+                      <a:r>
+                        <a:rPr lang="en-US" sz="1200" dirty="0"/>
+                        <a:t>, 1</a:t>
+                      </a:r>
+                      <a:r>
+                        <a:rPr lang="en-US" sz="1200" baseline="-25000" dirty="0"/>
+                        <a:t>P</a:t>
+                      </a:r>
+                      <a:r>
+                        <a:rPr lang="en-US" sz="1200" dirty="0"/>
+                        <a:t>, 0</a:t>
+                      </a:r>
+                      <a:r>
+                        <a:rPr lang="en-US" sz="1200" baseline="-25000" dirty="0"/>
+                        <a:t>Y</a:t>
+                      </a:r>
+                      <a:r>
+                        <a:rPr lang="en-US" sz="1200" dirty="0"/>
+                        <a:t>, </a:t>
+                      </a:r>
+                      <a:r>
+                        <a:rPr lang="en-US" sz="1200" dirty="0">
+                          <a:solidFill>
+                            <a:schemeClr val="tx1"/>
+                          </a:solidFill>
+                        </a:rPr>
+                        <a:t>0</a:t>
+                      </a:r>
+                      <a:r>
+                        <a:rPr lang="en-US" sz="1200" baseline="-25000" dirty="0">
+                          <a:solidFill>
+                            <a:schemeClr val="tx1"/>
+                          </a:solidFill>
+                        </a:rPr>
+                        <a:t>X</a:t>
+                      </a:r>
+                      <a:r>
+                        <a:rPr lang="en-US" sz="1200" dirty="0"/>
+                        <a:t>)</a:t>
+                      </a:r>
+                    </a:p>
+                  </a:txBody>
+                  <a:tcPr marL="68580" marR="68580" marT="34290" marB="34290"/>
+                </a:tc>
+                <a:tc>
+                  <a:txBody>
+                    <a:bodyPr/>
+                    <a:lstStyle/>
+                    <a:p>
+                      <a:pPr marL="0" marR="0" lvl="0" indent="0" algn="l" defTabSz="914400" rtl="0" eaLnBrk="1" fontAlgn="auto" latinLnBrk="0" hangingPunct="1">
+                        <a:lnSpc>
+                          <a:spcPct val="100000"/>
+                        </a:lnSpc>
+                        <a:spcBef>
+                          <a:spcPts val="0"/>
+                        </a:spcBef>
+                        <a:spcAft>
+                          <a:spcPts val="0"/>
+                        </a:spcAft>
+                        <a:buClrTx/>
+                        <a:buSzTx/>
+                        <a:buFontTx/>
+                        <a:buNone/>
+                        <a:tabLst/>
+                        <a:defRPr/>
+                      </a:pPr>
+                      <a:r>
+                        <a:rPr lang="en-US" sz="1200" dirty="0"/>
+                        <a:t>(2</a:t>
+                      </a:r>
+                      <a:r>
+                        <a:rPr lang="en-US" sz="1200" baseline="-25000" dirty="0"/>
+                        <a:t>D</a:t>
+                      </a:r>
+                      <a:r>
+                        <a:rPr lang="en-US" sz="1200" dirty="0"/>
+                        <a:t>, 1</a:t>
+                      </a:r>
+                      <a:r>
+                        <a:rPr lang="en-US" sz="1200" baseline="-25000" dirty="0"/>
+                        <a:t>P</a:t>
+                      </a:r>
+                      <a:r>
+                        <a:rPr lang="en-US" sz="1200" dirty="0"/>
+                        <a:t>, 0</a:t>
+                      </a:r>
+                      <a:r>
+                        <a:rPr lang="en-US" sz="1200" baseline="-25000" dirty="0"/>
+                        <a:t>Y</a:t>
+                      </a:r>
+                      <a:r>
+                        <a:rPr lang="en-US" sz="1200" dirty="0"/>
+                        <a:t>, </a:t>
+                      </a:r>
+                      <a:r>
+                        <a:rPr lang="en-US" sz="1200" dirty="0">
+                          <a:solidFill>
+                            <a:srgbClr val="FF0000"/>
+                          </a:solidFill>
+                        </a:rPr>
+                        <a:t>1</a:t>
+                      </a:r>
+                      <a:r>
+                        <a:rPr lang="en-US" sz="1200" baseline="-25000" dirty="0">
+                          <a:solidFill>
+                            <a:srgbClr val="FF0000"/>
+                          </a:solidFill>
+                        </a:rPr>
+                        <a:t>X</a:t>
+                      </a:r>
+                      <a:r>
+                        <a:rPr lang="en-US" sz="1200" dirty="0"/>
+                        <a:t>)</a:t>
+                      </a:r>
+                    </a:p>
+                  </a:txBody>
+                  <a:tcPr marL="68580" marR="68580" marT="34290" marB="34290"/>
+                </a:tc>
+                <a:tc>
+                  <a:txBody>
+                    <a:bodyPr/>
+                    <a:lstStyle/>
+                    <a:p>
+                      <a:pPr marL="0" marR="0" lvl="0" indent="0" algn="l" defTabSz="914400" rtl="0" eaLnBrk="1" fontAlgn="auto" latinLnBrk="0" hangingPunct="1">
+                        <a:lnSpc>
+                          <a:spcPct val="100000"/>
+                        </a:lnSpc>
+                        <a:spcBef>
+                          <a:spcPts val="0"/>
+                        </a:spcBef>
+                        <a:spcAft>
+                          <a:spcPts val="0"/>
+                        </a:spcAft>
+                        <a:buClrTx/>
+                        <a:buSzTx/>
+                        <a:buFontTx/>
+                        <a:buNone/>
+                        <a:tabLst/>
+                        <a:defRPr/>
+                      </a:pPr>
+                      <a:r>
+                        <a:rPr lang="en-US" sz="1200" dirty="0"/>
+                        <a:t>(2</a:t>
+                      </a:r>
+                      <a:r>
+                        <a:rPr lang="en-US" sz="1200" baseline="-25000" dirty="0"/>
+                        <a:t>D</a:t>
+                      </a:r>
+                      <a:r>
+                        <a:rPr lang="en-US" sz="1200" dirty="0"/>
+                        <a:t>, 1</a:t>
+                      </a:r>
+                      <a:r>
+                        <a:rPr lang="en-US" sz="1200" baseline="-25000" dirty="0"/>
+                        <a:t>P</a:t>
+                      </a:r>
+                      <a:r>
+                        <a:rPr lang="en-US" sz="1200" dirty="0"/>
+                        <a:t>, 0</a:t>
+                      </a:r>
+                      <a:r>
+                        <a:rPr lang="en-US" sz="1200" baseline="-25000" dirty="0"/>
+                        <a:t>Y</a:t>
+                      </a:r>
+                      <a:r>
+                        <a:rPr lang="en-US" sz="1200" dirty="0"/>
+                        <a:t>, </a:t>
+                      </a:r>
+                      <a:r>
+                        <a:rPr lang="en-US" sz="1200" dirty="0">
+                          <a:solidFill>
+                            <a:srgbClr val="FF0000"/>
+                          </a:solidFill>
+                        </a:rPr>
+                        <a:t>2</a:t>
+                      </a:r>
+                      <a:r>
+                        <a:rPr lang="en-US" sz="1200" baseline="-25000" dirty="0">
+                          <a:solidFill>
+                            <a:srgbClr val="FF0000"/>
+                          </a:solidFill>
+                        </a:rPr>
+                        <a:t>X</a:t>
+                      </a:r>
+                      <a:r>
+                        <a:rPr lang="en-US" sz="1200" dirty="0"/>
+                        <a:t>)</a:t>
+                      </a:r>
+                    </a:p>
+                  </a:txBody>
+                  <a:tcPr marL="68580" marR="68580" marT="34290" marB="34290"/>
+                </a:tc>
+                <a:tc>
+                  <a:txBody>
+                    <a:bodyPr/>
+                    <a:lstStyle/>
+                    <a:p>
+                      <a:endParaRPr lang="en-US" sz="1200" dirty="0"/>
+                    </a:p>
+                  </a:txBody>
+                  <a:tcPr marL="68580" marR="68580" marT="34290" marB="34290"/>
+                </a:tc>
+                <a:tc>
+                  <a:txBody>
+                    <a:bodyPr/>
+                    <a:lstStyle/>
+                    <a:p>
+                      <a:pPr marL="0" marR="0" lvl="0" indent="0" algn="l" defTabSz="914400" rtl="0" eaLnBrk="1" fontAlgn="auto" latinLnBrk="0" hangingPunct="1">
+                        <a:lnSpc>
+                          <a:spcPct val="100000"/>
+                        </a:lnSpc>
+                        <a:spcBef>
+                          <a:spcPts val="0"/>
+                        </a:spcBef>
+                        <a:spcAft>
+                          <a:spcPts val="0"/>
+                        </a:spcAft>
+                        <a:buClrTx/>
+                        <a:buSzTx/>
+                        <a:buFontTx/>
+                        <a:buNone/>
+                        <a:tabLst/>
+                        <a:defRPr/>
+                      </a:pPr>
+                      <a:r>
+                        <a:rPr lang="en-US" sz="1200" dirty="0"/>
+                        <a:t>(2</a:t>
+                      </a:r>
+                      <a:r>
+                        <a:rPr lang="en-US" sz="1200" baseline="-25000" dirty="0"/>
+                        <a:t>D</a:t>
+                      </a:r>
+                      <a:r>
+                        <a:rPr lang="en-US" sz="1200" dirty="0"/>
+                        <a:t>, 1</a:t>
+                      </a:r>
+                      <a:r>
+                        <a:rPr lang="en-US" sz="1200" baseline="-25000" dirty="0"/>
+                        <a:t>P</a:t>
+                      </a:r>
+                      <a:r>
+                        <a:rPr lang="en-US" sz="1200" dirty="0"/>
+                        <a:t>, 0</a:t>
+                      </a:r>
+                      <a:r>
+                        <a:rPr lang="en-US" sz="1200" baseline="-25000" dirty="0"/>
+                        <a:t>Y</a:t>
+                      </a:r>
+                      <a:r>
+                        <a:rPr lang="en-US" sz="1200" dirty="0"/>
+                        <a:t>, N</a:t>
+                      </a:r>
+                      <a:r>
+                        <a:rPr lang="en-US" sz="1200" baseline="-25000" dirty="0"/>
+                        <a:t>X</a:t>
+                      </a:r>
+                      <a:r>
+                        <a:rPr lang="en-US" sz="1200" dirty="0"/>
+                        <a:t>)</a:t>
+                      </a:r>
+                    </a:p>
+                  </a:txBody>
+                  <a:tcPr marL="68580" marR="68580" marT="34290" marB="34290"/>
+                </a:tc>
+                <a:tc>
+                  <a:txBody>
+                    <a:bodyPr/>
+                    <a:lstStyle/>
+                    <a:p>
+                      <a:pPr marL="0" marR="0" lvl="0" indent="0" algn="l" defTabSz="914400" rtl="0" eaLnBrk="1" fontAlgn="auto" latinLnBrk="0" hangingPunct="1">
+                        <a:lnSpc>
+                          <a:spcPct val="100000"/>
+                        </a:lnSpc>
+                        <a:spcBef>
+                          <a:spcPts val="0"/>
+                        </a:spcBef>
+                        <a:spcAft>
+                          <a:spcPts val="0"/>
+                        </a:spcAft>
+                        <a:buClrTx/>
+                        <a:buSzTx/>
+                        <a:buFontTx/>
+                        <a:buNone/>
+                        <a:tabLst/>
+                        <a:defRPr/>
+                      </a:pPr>
+                      <a:r>
+                        <a:rPr lang="en-US" sz="1200" dirty="0"/>
+                        <a:t>Next Kernel / Output Depth</a:t>
+                      </a:r>
+                    </a:p>
+                  </a:txBody>
+                  <a:tcPr marL="68580" marR="68580" marT="34290" marB="34290"/>
+                </a:tc>
+                <a:extLst>
+                  <a:ext uri="{0D108BD9-81ED-4DB2-BD59-A6C34878D82A}">
+                    <a16:rowId xmlns:a16="http://schemas.microsoft.com/office/drawing/2014/main" val="434866930"/>
+                  </a:ext>
+                </a:extLst>
+              </a:tr>
+              <a:tr h="257501">
+                <a:tc>
+                  <a:txBody>
+                    <a:bodyPr/>
+                    <a:lstStyle/>
+                    <a:p>
+                      <a:pPr marL="0" marR="0" lvl="0" indent="0" algn="l" defTabSz="914400" rtl="0" eaLnBrk="1" fontAlgn="auto" latinLnBrk="0" hangingPunct="1">
+                        <a:lnSpc>
+                          <a:spcPct val="100000"/>
+                        </a:lnSpc>
+                        <a:spcBef>
+                          <a:spcPts val="0"/>
+                        </a:spcBef>
+                        <a:spcAft>
+                          <a:spcPts val="0"/>
+                        </a:spcAft>
+                        <a:buClrTx/>
+                        <a:buSzTx/>
+                        <a:buFontTx/>
+                        <a:buNone/>
+                        <a:tabLst/>
+                        <a:defRPr/>
+                      </a:pPr>
+                      <a:endParaRPr lang="en-US" sz="1200" dirty="0"/>
+                    </a:p>
+                  </a:txBody>
+                  <a:tcPr marL="68580" marR="68580" marT="34290" marB="34290"/>
+                </a:tc>
+                <a:tc>
+                  <a:txBody>
+                    <a:bodyPr/>
+                    <a:lstStyle/>
+                    <a:p>
+                      <a:pPr marL="0" marR="0" lvl="0" indent="0" algn="l" defTabSz="914400" rtl="0" eaLnBrk="1" fontAlgn="auto" latinLnBrk="0" hangingPunct="1">
+                        <a:lnSpc>
+                          <a:spcPct val="100000"/>
+                        </a:lnSpc>
+                        <a:spcBef>
+                          <a:spcPts val="0"/>
+                        </a:spcBef>
+                        <a:spcAft>
+                          <a:spcPts val="0"/>
+                        </a:spcAft>
+                        <a:buClrTx/>
+                        <a:buSzTx/>
+                        <a:buFontTx/>
+                        <a:buNone/>
+                        <a:tabLst/>
+                        <a:defRPr/>
+                      </a:pPr>
+                      <a:endParaRPr lang="en-US" sz="1200" dirty="0"/>
+                    </a:p>
+                  </a:txBody>
+                  <a:tcPr marL="68580" marR="68580" marT="34290" marB="34290"/>
+                </a:tc>
+                <a:tc>
+                  <a:txBody>
+                    <a:bodyPr/>
+                    <a:lstStyle/>
+                    <a:p>
+                      <a:pPr marL="0" marR="0" lvl="0" indent="0" algn="l" defTabSz="914400" rtl="0" eaLnBrk="1" fontAlgn="auto" latinLnBrk="0" hangingPunct="1">
+                        <a:lnSpc>
+                          <a:spcPct val="100000"/>
+                        </a:lnSpc>
+                        <a:spcBef>
+                          <a:spcPts val="0"/>
+                        </a:spcBef>
+                        <a:spcAft>
+                          <a:spcPts val="0"/>
+                        </a:spcAft>
+                        <a:buClrTx/>
+                        <a:buSzTx/>
+                        <a:buFontTx/>
+                        <a:buNone/>
+                        <a:tabLst/>
+                        <a:defRPr/>
+                      </a:pPr>
+                      <a:endParaRPr lang="en-US" sz="1200" dirty="0"/>
+                    </a:p>
+                  </a:txBody>
+                  <a:tcPr marL="68580" marR="68580" marT="34290" marB="34290"/>
+                </a:tc>
+                <a:tc>
+                  <a:txBody>
+                    <a:bodyPr/>
+                    <a:lstStyle/>
+                    <a:p>
+                      <a:endParaRPr lang="en-US" sz="1200" dirty="0"/>
+                    </a:p>
+                  </a:txBody>
+                  <a:tcPr marL="68580" marR="68580" marT="34290" marB="34290"/>
+                </a:tc>
+                <a:tc>
+                  <a:txBody>
+                    <a:bodyPr/>
+                    <a:lstStyle/>
+                    <a:p>
+                      <a:pPr marL="0" marR="0" lvl="0" indent="0" algn="l" defTabSz="914400" rtl="0" eaLnBrk="1" fontAlgn="auto" latinLnBrk="0" hangingPunct="1">
+                        <a:lnSpc>
+                          <a:spcPct val="100000"/>
+                        </a:lnSpc>
+                        <a:spcBef>
+                          <a:spcPts val="0"/>
+                        </a:spcBef>
+                        <a:spcAft>
+                          <a:spcPts val="0"/>
+                        </a:spcAft>
+                        <a:buClrTx/>
+                        <a:buSzTx/>
+                        <a:buFontTx/>
+                        <a:buNone/>
+                        <a:tabLst/>
+                        <a:defRPr/>
+                      </a:pPr>
+                      <a:r>
+                        <a:rPr lang="en-US" sz="1200" dirty="0"/>
+                        <a:t>(N</a:t>
+                      </a:r>
+                      <a:r>
+                        <a:rPr lang="en-US" sz="1200" baseline="-25000" dirty="0"/>
+                        <a:t>D</a:t>
+                      </a:r>
+                      <a:r>
+                        <a:rPr lang="en-US" sz="1200" dirty="0"/>
+                        <a:t>, 1</a:t>
+                      </a:r>
+                      <a:r>
+                        <a:rPr lang="en-US" sz="1200" baseline="-25000" dirty="0"/>
+                        <a:t>P</a:t>
+                      </a:r>
+                      <a:r>
+                        <a:rPr lang="en-US" sz="1200" dirty="0"/>
+                        <a:t>, 0</a:t>
+                      </a:r>
+                      <a:r>
+                        <a:rPr lang="en-US" sz="1200" baseline="-25000" dirty="0"/>
+                        <a:t>Y</a:t>
+                      </a:r>
+                      <a:r>
+                        <a:rPr lang="en-US" sz="1200" dirty="0"/>
+                        <a:t>, N</a:t>
+                      </a:r>
+                      <a:r>
+                        <a:rPr lang="en-US" sz="1200" baseline="-25000" dirty="0"/>
+                        <a:t>X</a:t>
+                      </a:r>
+                      <a:r>
+                        <a:rPr lang="en-US" sz="1200" dirty="0"/>
+                        <a:t>)</a:t>
+                      </a:r>
+                    </a:p>
+                  </a:txBody>
+                  <a:tcPr marL="68580" marR="68580" marT="34290" marB="34290"/>
+                </a:tc>
+                <a:tc>
+                  <a:txBody>
+                    <a:bodyPr/>
+                    <a:lstStyle/>
+                    <a:p>
+                      <a:pPr marL="0" marR="0" lvl="0" indent="0" algn="l" defTabSz="914400" rtl="0" eaLnBrk="1" fontAlgn="auto" latinLnBrk="0" hangingPunct="1">
+                        <a:lnSpc>
+                          <a:spcPct val="100000"/>
+                        </a:lnSpc>
+                        <a:spcBef>
+                          <a:spcPts val="0"/>
+                        </a:spcBef>
+                        <a:spcAft>
+                          <a:spcPts val="0"/>
+                        </a:spcAft>
+                        <a:buClrTx/>
+                        <a:buSzTx/>
+                        <a:buFontTx/>
+                        <a:buNone/>
+                        <a:tabLst/>
+                        <a:defRPr/>
+                      </a:pPr>
+                      <a:r>
+                        <a:rPr lang="en-US" sz="1200" dirty="0"/>
+                        <a:t>Next Row</a:t>
+                      </a:r>
+                    </a:p>
+                  </a:txBody>
+                  <a:tcPr marL="68580" marR="68580" marT="34290" marB="34290"/>
+                </a:tc>
+                <a:extLst>
+                  <a:ext uri="{0D108BD9-81ED-4DB2-BD59-A6C34878D82A}">
+                    <a16:rowId xmlns:a16="http://schemas.microsoft.com/office/drawing/2014/main" val="3435714036"/>
+                  </a:ext>
+                </a:extLst>
+              </a:tr>
+              <a:tr h="257501">
+                <a:tc>
+                  <a:txBody>
+                    <a:bodyPr/>
+                    <a:lstStyle/>
+                    <a:p>
+                      <a:pPr marL="0" marR="0" lvl="0" indent="0" algn="l" defTabSz="914400" rtl="0" eaLnBrk="1" fontAlgn="auto" latinLnBrk="0" hangingPunct="1">
+                        <a:lnSpc>
+                          <a:spcPct val="100000"/>
+                        </a:lnSpc>
+                        <a:spcBef>
+                          <a:spcPts val="0"/>
+                        </a:spcBef>
+                        <a:spcAft>
+                          <a:spcPts val="0"/>
+                        </a:spcAft>
+                        <a:buClrTx/>
+                        <a:buSzTx/>
+                        <a:buFontTx/>
+                        <a:buNone/>
+                        <a:tabLst/>
+                        <a:defRPr/>
+                      </a:pPr>
+                      <a:endParaRPr lang="en-US" sz="1200" dirty="0"/>
+                    </a:p>
+                  </a:txBody>
+                  <a:tcPr marL="68580" marR="68580" marT="34290" marB="34290"/>
+                </a:tc>
+                <a:tc>
+                  <a:txBody>
+                    <a:bodyPr/>
+                    <a:lstStyle/>
+                    <a:p>
+                      <a:pPr marL="0" marR="0" lvl="0" indent="0" algn="l" defTabSz="914400" rtl="0" eaLnBrk="1" fontAlgn="auto" latinLnBrk="0" hangingPunct="1">
+                        <a:lnSpc>
+                          <a:spcPct val="100000"/>
+                        </a:lnSpc>
+                        <a:spcBef>
+                          <a:spcPts val="0"/>
+                        </a:spcBef>
+                        <a:spcAft>
+                          <a:spcPts val="0"/>
+                        </a:spcAft>
+                        <a:buClrTx/>
+                        <a:buSzTx/>
+                        <a:buFontTx/>
+                        <a:buNone/>
+                        <a:tabLst/>
+                        <a:defRPr/>
+                      </a:pPr>
+                      <a:endParaRPr lang="en-US" sz="1200" dirty="0"/>
+                    </a:p>
+                  </a:txBody>
+                  <a:tcPr marL="68580" marR="68580" marT="34290" marB="34290"/>
+                </a:tc>
+                <a:tc>
+                  <a:txBody>
+                    <a:bodyPr/>
+                    <a:lstStyle/>
+                    <a:p>
+                      <a:pPr marL="0" marR="0" lvl="0" indent="0" algn="l" defTabSz="914400" rtl="0" eaLnBrk="1" fontAlgn="auto" latinLnBrk="0" hangingPunct="1">
+                        <a:lnSpc>
+                          <a:spcPct val="100000"/>
+                        </a:lnSpc>
+                        <a:spcBef>
+                          <a:spcPts val="0"/>
+                        </a:spcBef>
+                        <a:spcAft>
+                          <a:spcPts val="0"/>
+                        </a:spcAft>
+                        <a:buClrTx/>
+                        <a:buSzTx/>
+                        <a:buFontTx/>
+                        <a:buNone/>
+                        <a:tabLst/>
+                        <a:defRPr/>
+                      </a:pPr>
+                      <a:endParaRPr lang="en-US" sz="1200" dirty="0"/>
+                    </a:p>
+                  </a:txBody>
+                  <a:tcPr marL="68580" marR="68580" marT="34290" marB="34290"/>
+                </a:tc>
+                <a:tc>
+                  <a:txBody>
+                    <a:bodyPr/>
+                    <a:lstStyle/>
+                    <a:p>
+                      <a:endParaRPr lang="en-US" sz="1200" dirty="0"/>
+                    </a:p>
+                  </a:txBody>
+                  <a:tcPr marL="68580" marR="68580" marT="34290" marB="34290"/>
+                </a:tc>
+                <a:tc>
+                  <a:txBody>
+                    <a:bodyPr/>
+                    <a:lstStyle/>
+                    <a:p>
+                      <a:pPr marL="0" marR="0" lvl="0" indent="0" algn="l" defTabSz="914400" rtl="0" eaLnBrk="1" fontAlgn="auto" latinLnBrk="0" hangingPunct="1">
+                        <a:lnSpc>
+                          <a:spcPct val="100000"/>
+                        </a:lnSpc>
+                        <a:spcBef>
+                          <a:spcPts val="0"/>
+                        </a:spcBef>
+                        <a:spcAft>
+                          <a:spcPts val="0"/>
+                        </a:spcAft>
+                        <a:buClrTx/>
+                        <a:buSzTx/>
+                        <a:buFontTx/>
+                        <a:buNone/>
+                        <a:tabLst/>
+                        <a:defRPr/>
+                      </a:pPr>
+                      <a:r>
+                        <a:rPr lang="en-US" sz="1200" dirty="0"/>
+                        <a:t>(N</a:t>
+                      </a:r>
+                      <a:r>
+                        <a:rPr lang="en-US" sz="1200" baseline="-25000" dirty="0"/>
+                        <a:t>D</a:t>
+                      </a:r>
+                      <a:r>
+                        <a:rPr lang="en-US" sz="1200" dirty="0"/>
+                        <a:t>, 1</a:t>
+                      </a:r>
+                      <a:r>
+                        <a:rPr lang="en-US" sz="1200" baseline="-25000" dirty="0"/>
+                        <a:t>P</a:t>
+                      </a:r>
+                      <a:r>
+                        <a:rPr lang="en-US" sz="1200" dirty="0"/>
+                        <a:t>, N</a:t>
+                      </a:r>
+                      <a:r>
+                        <a:rPr lang="en-US" sz="1200" baseline="-25000" dirty="0"/>
+                        <a:t>Y</a:t>
+                      </a:r>
+                      <a:r>
+                        <a:rPr lang="en-US" sz="1200" dirty="0"/>
+                        <a:t>, N</a:t>
+                      </a:r>
+                      <a:r>
+                        <a:rPr lang="en-US" sz="1200" baseline="-25000" dirty="0"/>
+                        <a:t>X</a:t>
+                      </a:r>
+                      <a:r>
+                        <a:rPr lang="en-US" sz="1200" dirty="0"/>
+                        <a:t>)</a:t>
+                      </a:r>
+                    </a:p>
+                  </a:txBody>
+                  <a:tcPr marL="68580" marR="68580" marT="34290" marB="34290"/>
+                </a:tc>
+                <a:tc>
+                  <a:txBody>
+                    <a:bodyPr/>
+                    <a:lstStyle/>
+                    <a:p>
+                      <a:pPr marL="0" marR="0" lvl="0" indent="0" algn="l" defTabSz="914400" rtl="0" eaLnBrk="1" fontAlgn="auto" latinLnBrk="0" hangingPunct="1">
+                        <a:lnSpc>
+                          <a:spcPct val="100000"/>
+                        </a:lnSpc>
+                        <a:spcBef>
+                          <a:spcPts val="0"/>
+                        </a:spcBef>
+                        <a:spcAft>
+                          <a:spcPts val="0"/>
+                        </a:spcAft>
+                        <a:buClrTx/>
+                        <a:buSzTx/>
+                        <a:buFontTx/>
+                        <a:buNone/>
+                        <a:tabLst/>
+                        <a:defRPr/>
+                      </a:pPr>
+                      <a:r>
+                        <a:rPr lang="en-US" sz="1200" dirty="0"/>
+                        <a:t>Next Partial Map</a:t>
+                      </a:r>
+                    </a:p>
+                  </a:txBody>
+                  <a:tcPr marL="68580" marR="68580" marT="34290" marB="34290"/>
+                </a:tc>
+                <a:extLst>
+                  <a:ext uri="{0D108BD9-81ED-4DB2-BD59-A6C34878D82A}">
+                    <a16:rowId xmlns:a16="http://schemas.microsoft.com/office/drawing/2014/main" val="1500767591"/>
+                  </a:ext>
+                </a:extLst>
+              </a:tr>
+              <a:tr h="257501">
+                <a:tc>
+                  <a:txBody>
+                    <a:bodyPr/>
+                    <a:lstStyle/>
+                    <a:p>
+                      <a:pPr marL="0" marR="0" lvl="0" indent="0" algn="l" defTabSz="914400" rtl="0" eaLnBrk="1" fontAlgn="auto" latinLnBrk="0" hangingPunct="1">
+                        <a:lnSpc>
+                          <a:spcPct val="100000"/>
+                        </a:lnSpc>
+                        <a:spcBef>
+                          <a:spcPts val="0"/>
+                        </a:spcBef>
+                        <a:spcAft>
+                          <a:spcPts val="0"/>
+                        </a:spcAft>
+                        <a:buClrTx/>
+                        <a:buSzTx/>
+                        <a:buFontTx/>
+                        <a:buNone/>
+                        <a:tabLst/>
+                        <a:defRPr/>
+                      </a:pPr>
+                      <a:endParaRPr lang="en-US" sz="1200" dirty="0"/>
+                    </a:p>
+                  </a:txBody>
+                  <a:tcPr marL="68580" marR="68580" marT="34290" marB="34290"/>
+                </a:tc>
+                <a:tc>
+                  <a:txBody>
+                    <a:bodyPr/>
+                    <a:lstStyle/>
+                    <a:p>
+                      <a:pPr marL="0" marR="0" lvl="0" indent="0" algn="l" defTabSz="914400" rtl="0" eaLnBrk="1" fontAlgn="auto" latinLnBrk="0" hangingPunct="1">
+                        <a:lnSpc>
+                          <a:spcPct val="100000"/>
+                        </a:lnSpc>
+                        <a:spcBef>
+                          <a:spcPts val="0"/>
+                        </a:spcBef>
+                        <a:spcAft>
+                          <a:spcPts val="0"/>
+                        </a:spcAft>
+                        <a:buClrTx/>
+                        <a:buSzTx/>
+                        <a:buFontTx/>
+                        <a:buNone/>
+                        <a:tabLst/>
+                        <a:defRPr/>
+                      </a:pPr>
+                      <a:endParaRPr lang="en-US" sz="1200" dirty="0"/>
+                    </a:p>
+                  </a:txBody>
+                  <a:tcPr marL="68580" marR="68580" marT="34290" marB="34290"/>
+                </a:tc>
+                <a:tc>
+                  <a:txBody>
+                    <a:bodyPr/>
+                    <a:lstStyle/>
+                    <a:p>
+                      <a:pPr marL="0" marR="0" lvl="0" indent="0" algn="l" defTabSz="914400" rtl="0" eaLnBrk="1" fontAlgn="auto" latinLnBrk="0" hangingPunct="1">
+                        <a:lnSpc>
+                          <a:spcPct val="100000"/>
+                        </a:lnSpc>
+                        <a:spcBef>
+                          <a:spcPts val="0"/>
+                        </a:spcBef>
+                        <a:spcAft>
+                          <a:spcPts val="0"/>
+                        </a:spcAft>
+                        <a:buClrTx/>
+                        <a:buSzTx/>
+                        <a:buFontTx/>
+                        <a:buNone/>
+                        <a:tabLst/>
+                        <a:defRPr/>
+                      </a:pPr>
+                      <a:endParaRPr lang="en-US" sz="1200" dirty="0"/>
+                    </a:p>
+                  </a:txBody>
+                  <a:tcPr marL="68580" marR="68580" marT="34290" marB="34290"/>
+                </a:tc>
+                <a:tc>
+                  <a:txBody>
+                    <a:bodyPr/>
+                    <a:lstStyle/>
+                    <a:p>
+                      <a:endParaRPr lang="en-US" sz="1200" dirty="0"/>
+                    </a:p>
+                  </a:txBody>
+                  <a:tcPr marL="68580" marR="68580" marT="34290" marB="34290"/>
+                </a:tc>
+                <a:tc>
+                  <a:txBody>
+                    <a:bodyPr/>
+                    <a:lstStyle/>
+                    <a:p>
+                      <a:pPr marL="0" marR="0" lvl="0" indent="0" algn="l" defTabSz="914400" rtl="0" eaLnBrk="1" fontAlgn="auto" latinLnBrk="0" hangingPunct="1">
+                        <a:lnSpc>
+                          <a:spcPct val="100000"/>
+                        </a:lnSpc>
+                        <a:spcBef>
+                          <a:spcPts val="0"/>
+                        </a:spcBef>
+                        <a:spcAft>
+                          <a:spcPts val="0"/>
+                        </a:spcAft>
+                        <a:buClrTx/>
+                        <a:buSzTx/>
+                        <a:buFontTx/>
+                        <a:buNone/>
+                        <a:tabLst/>
+                        <a:defRPr/>
+                      </a:pPr>
+                      <a:r>
+                        <a:rPr lang="en-US" sz="1200" dirty="0"/>
+                        <a:t>(N</a:t>
+                      </a:r>
+                      <a:r>
+                        <a:rPr lang="en-US" sz="1200" baseline="-25000" dirty="0"/>
+                        <a:t>D</a:t>
+                      </a:r>
+                      <a:r>
+                        <a:rPr lang="en-US" sz="1200" dirty="0"/>
+                        <a:t>, N</a:t>
+                      </a:r>
+                      <a:r>
+                        <a:rPr lang="en-US" sz="1200" baseline="-25000" dirty="0"/>
+                        <a:t>P</a:t>
+                      </a:r>
+                      <a:r>
+                        <a:rPr lang="en-US" sz="1200" dirty="0"/>
+                        <a:t>, N</a:t>
+                      </a:r>
+                      <a:r>
+                        <a:rPr lang="en-US" sz="1200" baseline="-25000" dirty="0"/>
+                        <a:t>Y</a:t>
+                      </a:r>
+                      <a:r>
+                        <a:rPr lang="en-US" sz="1200" dirty="0"/>
+                        <a:t>, N</a:t>
+                      </a:r>
+                      <a:r>
+                        <a:rPr lang="en-US" sz="1200" baseline="-25000" dirty="0"/>
+                        <a:t>X</a:t>
+                      </a:r>
+                      <a:r>
+                        <a:rPr lang="en-US" sz="1200" dirty="0"/>
+                        <a:t>)</a:t>
+                      </a:r>
+                    </a:p>
+                  </a:txBody>
+                  <a:tcPr marL="68580" marR="68580" marT="34290" marB="34290"/>
+                </a:tc>
+                <a:tc>
+                  <a:txBody>
+                    <a:bodyPr/>
+                    <a:lstStyle/>
+                    <a:p>
+                      <a:pPr marL="0" marR="0" lvl="0" indent="0" algn="l" defTabSz="914400" rtl="0" eaLnBrk="1" fontAlgn="auto" latinLnBrk="0" hangingPunct="1">
+                        <a:lnSpc>
+                          <a:spcPct val="100000"/>
+                        </a:lnSpc>
+                        <a:spcBef>
+                          <a:spcPts val="0"/>
+                        </a:spcBef>
+                        <a:spcAft>
+                          <a:spcPts val="0"/>
+                        </a:spcAft>
+                        <a:buClrTx/>
+                        <a:buSzTx/>
+                        <a:buFontTx/>
+                        <a:buNone/>
+                        <a:tabLst/>
+                        <a:defRPr/>
+                      </a:pPr>
+                      <a:endParaRPr lang="en-US" sz="1200" dirty="0"/>
+                    </a:p>
+                  </a:txBody>
+                  <a:tcPr marL="68580" marR="68580" marT="34290" marB="34290"/>
+                </a:tc>
+                <a:extLst>
+                  <a:ext uri="{0D108BD9-81ED-4DB2-BD59-A6C34878D82A}">
+                    <a16:rowId xmlns:a16="http://schemas.microsoft.com/office/drawing/2014/main" val="3931965478"/>
+                  </a:ext>
+                </a:extLst>
+              </a:tr>
+            </a:tbl>
+          </a:graphicData>
+        </a:graphic>
+      </p:graphicFrame>
     </p:spTree>
     <p:extLst>
       <p:ext uri="{BB962C8B-B14F-4D97-AF65-F5344CB8AC3E}">
-        <p14:creationId xmlns:p14="http://schemas.microsoft.com/office/powerpoint/2010/main" val="2325165741"/>
+        <p14:creationId xmlns:p14="http://schemas.microsoft.com/office/powerpoint/2010/main" val="3944395591"/>
       </p:ext>
     </p:extLst>
   </p:cSld>
@@ -35102,6 +39660,4668 @@
       </p:grpSpPr>
       <p:sp>
         <p:nvSpPr>
+          <p:cNvPr id="58" name="TextBox 57">
+            <a:extLst>
+              <a:ext uri="{FF2B5EF4-FFF2-40B4-BE49-F238E27FC236}">
+                <a16:creationId xmlns:a16="http://schemas.microsoft.com/office/drawing/2014/main" id="{9C04DD12-4230-4BAA-85D0-E25ABE909542}"/>
+              </a:ext>
+            </a:extLst>
+          </p:cNvPr>
+          <p:cNvSpPr txBox="1"/>
+          <p:nvPr/>
+        </p:nvSpPr>
+        <p:spPr>
+          <a:xfrm>
+            <a:off x="4568247" y="5278716"/>
+            <a:ext cx="1187726" cy="415498"/>
+          </a:xfrm>
+          <a:prstGeom prst="rect">
+            <a:avLst/>
+          </a:prstGeom>
+          <a:noFill/>
+        </p:spPr>
+        <p:txBody>
+          <a:bodyPr wrap="square" rtlCol="0">
+            <a:spAutoFit/>
+          </a:bodyPr>
+          <a:lstStyle/>
+          <a:p>
+            <a:pPr algn="ctr"/>
+            <a:r>
+              <a:rPr lang="en-US" sz="1050" dirty="0"/>
+              <a:t>Cycle N </a:t>
+            </a:r>
+          </a:p>
+          <a:p>
+            <a:pPr algn="ctr"/>
+            <a:r>
+              <a:rPr lang="en-US" sz="1050" dirty="0"/>
+              <a:t>(N</a:t>
+            </a:r>
+            <a:r>
+              <a:rPr lang="en-US" sz="1050" baseline="-25000" dirty="0"/>
+              <a:t>D</a:t>
+            </a:r>
+            <a:r>
+              <a:rPr lang="en-US" sz="1050" dirty="0"/>
+              <a:t>, N</a:t>
+            </a:r>
+            <a:r>
+              <a:rPr lang="en-US" sz="1050" baseline="-25000" dirty="0"/>
+              <a:t>P</a:t>
+            </a:r>
+            <a:r>
+              <a:rPr lang="en-US" sz="1050" dirty="0"/>
+              <a:t>, N</a:t>
+            </a:r>
+            <a:r>
+              <a:rPr lang="en-US" sz="1050" baseline="-25000" dirty="0"/>
+              <a:t>Y</a:t>
+            </a:r>
+            <a:r>
+              <a:rPr lang="en-US" sz="1050" dirty="0"/>
+              <a:t>, N</a:t>
+            </a:r>
+            <a:r>
+              <a:rPr lang="en-US" sz="1050" baseline="-25000" dirty="0"/>
+              <a:t>X</a:t>
+            </a:r>
+            <a:r>
+              <a:rPr lang="en-US" sz="1050" dirty="0"/>
+              <a:t>)</a:t>
+            </a:r>
+          </a:p>
+        </p:txBody>
+      </p:sp>
+      <p:graphicFrame>
+        <p:nvGraphicFramePr>
+          <p:cNvPr id="86" name="Table 86">
+            <a:extLst>
+              <a:ext uri="{FF2B5EF4-FFF2-40B4-BE49-F238E27FC236}">
+                <a16:creationId xmlns:a16="http://schemas.microsoft.com/office/drawing/2014/main" id="{3AFA5B31-AB66-4CB8-988B-51E36753630C}"/>
+              </a:ext>
+            </a:extLst>
+          </p:cNvPr>
+          <p:cNvGraphicFramePr>
+            <a:graphicFrameLocks noGrp="1"/>
+          </p:cNvGraphicFramePr>
+          <p:nvPr/>
+        </p:nvGraphicFramePr>
+        <p:xfrm>
+          <a:off x="686362" y="651196"/>
+          <a:ext cx="7217228" cy="4107927"/>
+        </p:xfrm>
+        <a:graphic>
+          <a:graphicData uri="http://schemas.openxmlformats.org/drawingml/2006/table">
+            <a:tbl>
+              <a:tblPr firstRow="1" bandRow="1">
+                <a:tableStyleId>{5C22544A-7EE6-4342-B048-85BDC9FD1C3A}</a:tableStyleId>
+              </a:tblPr>
+              <a:tblGrid>
+                <a:gridCol w="980885">
+                  <a:extLst>
+                    <a:ext uri="{9D8B030D-6E8A-4147-A177-3AD203B41FA5}">
+                      <a16:colId xmlns:a16="http://schemas.microsoft.com/office/drawing/2014/main" val="3540499775"/>
+                    </a:ext>
+                  </a:extLst>
+                </a:gridCol>
+                <a:gridCol w="980885">
+                  <a:extLst>
+                    <a:ext uri="{9D8B030D-6E8A-4147-A177-3AD203B41FA5}">
+                      <a16:colId xmlns:a16="http://schemas.microsoft.com/office/drawing/2014/main" val="1780140727"/>
+                    </a:ext>
+                  </a:extLst>
+                </a:gridCol>
+                <a:gridCol w="980885">
+                  <a:extLst>
+                    <a:ext uri="{9D8B030D-6E8A-4147-A177-3AD203B41FA5}">
+                      <a16:colId xmlns:a16="http://schemas.microsoft.com/office/drawing/2014/main" val="3351418628"/>
+                    </a:ext>
+                  </a:extLst>
+                </a:gridCol>
+                <a:gridCol w="1347482">
+                  <a:extLst>
+                    <a:ext uri="{9D8B030D-6E8A-4147-A177-3AD203B41FA5}">
+                      <a16:colId xmlns:a16="http://schemas.microsoft.com/office/drawing/2014/main" val="949002861"/>
+                    </a:ext>
+                  </a:extLst>
+                </a:gridCol>
+                <a:gridCol w="1045178">
+                  <a:extLst>
+                    <a:ext uri="{9D8B030D-6E8A-4147-A177-3AD203B41FA5}">
+                      <a16:colId xmlns:a16="http://schemas.microsoft.com/office/drawing/2014/main" val="1618486886"/>
+                    </a:ext>
+                  </a:extLst>
+                </a:gridCol>
+                <a:gridCol w="1881915">
+                  <a:extLst>
+                    <a:ext uri="{9D8B030D-6E8A-4147-A177-3AD203B41FA5}">
+                      <a16:colId xmlns:a16="http://schemas.microsoft.com/office/drawing/2014/main" val="1398925572"/>
+                    </a:ext>
+                  </a:extLst>
+                </a:gridCol>
+              </a:tblGrid>
+              <a:tr h="257501">
+                <a:tc>
+                  <a:txBody>
+                    <a:bodyPr/>
+                    <a:lstStyle/>
+                    <a:p>
+                      <a:pPr algn="ctr"/>
+                      <a:r>
+                        <a:rPr lang="en-US" sz="1200" dirty="0"/>
+                        <a:t>Cycle 0</a:t>
+                      </a:r>
+                    </a:p>
+                  </a:txBody>
+                  <a:tcPr marL="68580" marR="68580" marT="34290" marB="34290"/>
+                </a:tc>
+                <a:tc>
+                  <a:txBody>
+                    <a:bodyPr/>
+                    <a:lstStyle/>
+                    <a:p>
+                      <a:pPr algn="ctr"/>
+                      <a:r>
+                        <a:rPr lang="en-US" sz="1200" dirty="0"/>
+                        <a:t>Cycle 1</a:t>
+                      </a:r>
+                    </a:p>
+                  </a:txBody>
+                  <a:tcPr marL="68580" marR="68580" marT="34290" marB="34290"/>
+                </a:tc>
+                <a:tc>
+                  <a:txBody>
+                    <a:bodyPr/>
+                    <a:lstStyle/>
+                    <a:p>
+                      <a:pPr algn="ctr"/>
+                      <a:r>
+                        <a:rPr lang="en-US" sz="1200" dirty="0"/>
+                        <a:t>Cycle 2</a:t>
+                      </a:r>
+                    </a:p>
+                  </a:txBody>
+                  <a:tcPr marL="68580" marR="68580" marT="34290" marB="34290"/>
+                </a:tc>
+                <a:tc>
+                  <a:txBody>
+                    <a:bodyPr/>
+                    <a:lstStyle/>
+                    <a:p>
+                      <a:pPr algn="ctr"/>
+                      <a:endParaRPr lang="en-US" sz="1200" dirty="0"/>
+                    </a:p>
+                  </a:txBody>
+                  <a:tcPr marL="68580" marR="68580" marT="34290" marB="34290"/>
+                </a:tc>
+                <a:tc>
+                  <a:txBody>
+                    <a:bodyPr/>
+                    <a:lstStyle/>
+                    <a:p>
+                      <a:pPr algn="ctr"/>
+                      <a:r>
+                        <a:rPr lang="en-US" sz="1200" dirty="0"/>
+                        <a:t>Cycle N</a:t>
+                      </a:r>
+                    </a:p>
+                  </a:txBody>
+                  <a:tcPr marL="68580" marR="68580" marT="34290" marB="34290"/>
+                </a:tc>
+                <a:tc>
+                  <a:txBody>
+                    <a:bodyPr/>
+                    <a:lstStyle/>
+                    <a:p>
+                      <a:pPr algn="ctr"/>
+                      <a:r>
+                        <a:rPr lang="en-US" sz="1200" dirty="0"/>
+                        <a:t>Action</a:t>
+                      </a:r>
+                    </a:p>
+                  </a:txBody>
+                  <a:tcPr marL="68580" marR="68580" marT="34290" marB="34290"/>
+                </a:tc>
+                <a:extLst>
+                  <a:ext uri="{0D108BD9-81ED-4DB2-BD59-A6C34878D82A}">
+                    <a16:rowId xmlns:a16="http://schemas.microsoft.com/office/drawing/2014/main" val="811883644"/>
+                  </a:ext>
+                </a:extLst>
+              </a:tr>
+              <a:tr h="251460">
+                <a:tc>
+                  <a:txBody>
+                    <a:bodyPr/>
+                    <a:lstStyle/>
+                    <a:p>
+                      <a:pPr marL="0" marR="0" lvl="0" indent="0" algn="l" defTabSz="914400" rtl="0" eaLnBrk="1" fontAlgn="auto" latinLnBrk="0" hangingPunct="1">
+                        <a:lnSpc>
+                          <a:spcPct val="100000"/>
+                        </a:lnSpc>
+                        <a:spcBef>
+                          <a:spcPts val="0"/>
+                        </a:spcBef>
+                        <a:spcAft>
+                          <a:spcPts val="0"/>
+                        </a:spcAft>
+                        <a:buClrTx/>
+                        <a:buSzTx/>
+                        <a:buFontTx/>
+                        <a:buNone/>
+                        <a:tabLst/>
+                        <a:defRPr/>
+                      </a:pPr>
+                      <a:r>
+                        <a:rPr lang="en-US" sz="1200" dirty="0"/>
+                        <a:t>(</a:t>
+                      </a:r>
+                      <a:r>
+                        <a:rPr lang="en-US" sz="1200" dirty="0">
+                          <a:solidFill>
+                            <a:schemeClr val="tx1"/>
+                          </a:solidFill>
+                        </a:rPr>
+                        <a:t>0</a:t>
+                      </a:r>
+                      <a:r>
+                        <a:rPr lang="en-US" sz="1200" baseline="-25000" dirty="0">
+                          <a:solidFill>
+                            <a:schemeClr val="tx1"/>
+                          </a:solidFill>
+                        </a:rPr>
+                        <a:t>D</a:t>
+                      </a:r>
+                      <a:r>
+                        <a:rPr lang="en-US" sz="1200" dirty="0"/>
+                        <a:t>, 0</a:t>
+                      </a:r>
+                      <a:r>
+                        <a:rPr lang="en-US" sz="1200" baseline="-25000" dirty="0"/>
+                        <a:t>P</a:t>
+                      </a:r>
+                      <a:r>
+                        <a:rPr lang="en-US" sz="1200" dirty="0"/>
+                        <a:t>, 0</a:t>
+                      </a:r>
+                      <a:r>
+                        <a:rPr lang="en-US" sz="1200" baseline="-25000" dirty="0"/>
+                        <a:t>Y</a:t>
+                      </a:r>
+                      <a:r>
+                        <a:rPr lang="en-US" sz="1200" dirty="0"/>
+                        <a:t>, </a:t>
+                      </a:r>
+                      <a:r>
+                        <a:rPr lang="en-US" sz="1200" dirty="0">
+                          <a:solidFill>
+                            <a:schemeClr val="tx1"/>
+                          </a:solidFill>
+                        </a:rPr>
+                        <a:t>0</a:t>
+                      </a:r>
+                      <a:r>
+                        <a:rPr lang="en-US" sz="1200" baseline="-25000" dirty="0">
+                          <a:solidFill>
+                            <a:schemeClr val="tx1"/>
+                          </a:solidFill>
+                        </a:rPr>
+                        <a:t>X</a:t>
+                      </a:r>
+                      <a:r>
+                        <a:rPr lang="en-US" sz="1200" dirty="0"/>
+                        <a:t>)</a:t>
+                      </a:r>
+                    </a:p>
+                  </a:txBody>
+                  <a:tcPr marL="68580" marR="68580" marT="34290" marB="34290"/>
+                </a:tc>
+                <a:tc>
+                  <a:txBody>
+                    <a:bodyPr/>
+                    <a:lstStyle/>
+                    <a:p>
+                      <a:pPr marL="0" marR="0" lvl="0" indent="0" algn="l" defTabSz="914400" rtl="0" eaLnBrk="1" fontAlgn="auto" latinLnBrk="0" hangingPunct="1">
+                        <a:lnSpc>
+                          <a:spcPct val="100000"/>
+                        </a:lnSpc>
+                        <a:spcBef>
+                          <a:spcPts val="0"/>
+                        </a:spcBef>
+                        <a:spcAft>
+                          <a:spcPts val="0"/>
+                        </a:spcAft>
+                        <a:buClrTx/>
+                        <a:buSzTx/>
+                        <a:buFontTx/>
+                        <a:buNone/>
+                        <a:tabLst/>
+                        <a:defRPr/>
+                      </a:pPr>
+                      <a:r>
+                        <a:rPr lang="en-US" sz="1200" dirty="0"/>
+                        <a:t>(</a:t>
+                      </a:r>
+                      <a:r>
+                        <a:rPr lang="en-US" sz="1200" dirty="0">
+                          <a:solidFill>
+                            <a:srgbClr val="FF0000"/>
+                          </a:solidFill>
+                        </a:rPr>
+                        <a:t>1</a:t>
+                      </a:r>
+                      <a:r>
+                        <a:rPr lang="en-US" sz="1200" baseline="-25000" dirty="0">
+                          <a:solidFill>
+                            <a:srgbClr val="FF0000"/>
+                          </a:solidFill>
+                        </a:rPr>
+                        <a:t>D</a:t>
+                      </a:r>
+                      <a:r>
+                        <a:rPr lang="en-US" sz="1200" dirty="0"/>
+                        <a:t>, 0</a:t>
+                      </a:r>
+                      <a:r>
+                        <a:rPr lang="en-US" sz="1200" baseline="-25000" dirty="0"/>
+                        <a:t>P</a:t>
+                      </a:r>
+                      <a:r>
+                        <a:rPr lang="en-US" sz="1200" dirty="0"/>
+                        <a:t>, 0</a:t>
+                      </a:r>
+                      <a:r>
+                        <a:rPr lang="en-US" sz="1200" baseline="-25000" dirty="0"/>
+                        <a:t>Y</a:t>
+                      </a:r>
+                      <a:r>
+                        <a:rPr lang="en-US" sz="1200" dirty="0"/>
+                        <a:t>, </a:t>
+                      </a:r>
+                      <a:r>
+                        <a:rPr lang="en-US" sz="1200" dirty="0">
+                          <a:solidFill>
+                            <a:schemeClr val="tx1"/>
+                          </a:solidFill>
+                        </a:rPr>
+                        <a:t>0</a:t>
+                      </a:r>
+                      <a:r>
+                        <a:rPr lang="en-US" sz="1200" baseline="-25000" dirty="0">
+                          <a:solidFill>
+                            <a:schemeClr val="tx1"/>
+                          </a:solidFill>
+                        </a:rPr>
+                        <a:t>X</a:t>
+                      </a:r>
+                      <a:r>
+                        <a:rPr lang="en-US" sz="1200" dirty="0"/>
+                        <a:t>)</a:t>
+                      </a:r>
+                    </a:p>
+                  </a:txBody>
+                  <a:tcPr marL="68580" marR="68580" marT="34290" marB="34290"/>
+                </a:tc>
+                <a:tc>
+                  <a:txBody>
+                    <a:bodyPr/>
+                    <a:lstStyle/>
+                    <a:p>
+                      <a:pPr marL="0" marR="0" lvl="0" indent="0" algn="l" defTabSz="914400" rtl="0" eaLnBrk="1" fontAlgn="auto" latinLnBrk="0" hangingPunct="1">
+                        <a:lnSpc>
+                          <a:spcPct val="100000"/>
+                        </a:lnSpc>
+                        <a:spcBef>
+                          <a:spcPts val="0"/>
+                        </a:spcBef>
+                        <a:spcAft>
+                          <a:spcPts val="0"/>
+                        </a:spcAft>
+                        <a:buClrTx/>
+                        <a:buSzTx/>
+                        <a:buFontTx/>
+                        <a:buNone/>
+                        <a:tabLst/>
+                        <a:defRPr/>
+                      </a:pPr>
+                      <a:r>
+                        <a:rPr lang="en-US" sz="1200" dirty="0"/>
+                        <a:t>(</a:t>
+                      </a:r>
+                      <a:r>
+                        <a:rPr lang="en-US" sz="1200" dirty="0">
+                          <a:solidFill>
+                            <a:srgbClr val="FF0000"/>
+                          </a:solidFill>
+                        </a:rPr>
+                        <a:t>2</a:t>
+                      </a:r>
+                      <a:r>
+                        <a:rPr lang="en-US" sz="1200" baseline="-25000" dirty="0">
+                          <a:solidFill>
+                            <a:srgbClr val="FF0000"/>
+                          </a:solidFill>
+                        </a:rPr>
+                        <a:t>D</a:t>
+                      </a:r>
+                      <a:r>
+                        <a:rPr lang="en-US" sz="1200" dirty="0"/>
+                        <a:t>, 0</a:t>
+                      </a:r>
+                      <a:r>
+                        <a:rPr lang="en-US" sz="1200" baseline="-25000" dirty="0"/>
+                        <a:t>P</a:t>
+                      </a:r>
+                      <a:r>
+                        <a:rPr lang="en-US" sz="1200" dirty="0"/>
+                        <a:t>, 0</a:t>
+                      </a:r>
+                      <a:r>
+                        <a:rPr lang="en-US" sz="1200" baseline="-25000" dirty="0"/>
+                        <a:t>Y</a:t>
+                      </a:r>
+                      <a:r>
+                        <a:rPr lang="en-US" sz="1200" dirty="0"/>
+                        <a:t>, </a:t>
+                      </a:r>
+                      <a:r>
+                        <a:rPr lang="en-US" sz="1200" dirty="0">
+                          <a:solidFill>
+                            <a:schemeClr val="tx1"/>
+                          </a:solidFill>
+                        </a:rPr>
+                        <a:t>0</a:t>
+                      </a:r>
+                      <a:r>
+                        <a:rPr lang="en-US" sz="1200" baseline="-25000" dirty="0">
+                          <a:solidFill>
+                            <a:schemeClr val="tx1"/>
+                          </a:solidFill>
+                        </a:rPr>
+                        <a:t>X</a:t>
+                      </a:r>
+                      <a:r>
+                        <a:rPr lang="en-US" sz="1200" dirty="0"/>
+                        <a:t>)</a:t>
+                      </a:r>
+                    </a:p>
+                  </a:txBody>
+                  <a:tcPr marL="68580" marR="68580" marT="34290" marB="34290"/>
+                </a:tc>
+                <a:tc>
+                  <a:txBody>
+                    <a:bodyPr/>
+                    <a:lstStyle/>
+                    <a:p>
+                      <a:endParaRPr lang="en-US" sz="1200"/>
+                    </a:p>
+                  </a:txBody>
+                  <a:tcPr marL="68580" marR="68580" marT="34290" marB="34290"/>
+                </a:tc>
+                <a:tc>
+                  <a:txBody>
+                    <a:bodyPr/>
+                    <a:lstStyle/>
+                    <a:p>
+                      <a:pPr marL="0" marR="0" lvl="0" indent="0" algn="l" defTabSz="914400" rtl="0" eaLnBrk="1" fontAlgn="auto" latinLnBrk="0" hangingPunct="1">
+                        <a:lnSpc>
+                          <a:spcPct val="100000"/>
+                        </a:lnSpc>
+                        <a:spcBef>
+                          <a:spcPts val="0"/>
+                        </a:spcBef>
+                        <a:spcAft>
+                          <a:spcPts val="0"/>
+                        </a:spcAft>
+                        <a:buClrTx/>
+                        <a:buSzTx/>
+                        <a:buFontTx/>
+                        <a:buNone/>
+                        <a:tabLst/>
+                        <a:defRPr/>
+                      </a:pPr>
+                      <a:r>
+                        <a:rPr lang="en-US" sz="1200" dirty="0"/>
+                        <a:t>(N</a:t>
+                      </a:r>
+                      <a:r>
+                        <a:rPr lang="en-US" sz="1200" baseline="-25000" dirty="0"/>
+                        <a:t>D</a:t>
+                      </a:r>
+                      <a:r>
+                        <a:rPr lang="en-US" sz="1200" dirty="0"/>
+                        <a:t>, 0</a:t>
+                      </a:r>
+                      <a:r>
+                        <a:rPr lang="en-US" sz="1200" baseline="-25000" dirty="0"/>
+                        <a:t>P</a:t>
+                      </a:r>
+                      <a:r>
+                        <a:rPr lang="en-US" sz="1200" dirty="0"/>
+                        <a:t>, 0</a:t>
+                      </a:r>
+                      <a:r>
+                        <a:rPr lang="en-US" sz="1200" baseline="-25000" dirty="0"/>
+                        <a:t>Y</a:t>
+                      </a:r>
+                      <a:r>
+                        <a:rPr lang="en-US" sz="1200" dirty="0"/>
+                        <a:t>, 0</a:t>
+                      </a:r>
+                      <a:r>
+                        <a:rPr lang="en-US" sz="1200" baseline="-25000" dirty="0"/>
+                        <a:t>X</a:t>
+                      </a:r>
+                      <a:r>
+                        <a:rPr lang="en-US" sz="1200" dirty="0"/>
+                        <a:t>)</a:t>
+                      </a:r>
+                    </a:p>
+                  </a:txBody>
+                  <a:tcPr marL="68580" marR="68580" marT="34290" marB="34290"/>
+                </a:tc>
+                <a:tc>
+                  <a:txBody>
+                    <a:bodyPr/>
+                    <a:lstStyle/>
+                    <a:p>
+                      <a:pPr marL="0" marR="0" lvl="0" indent="0" algn="l" defTabSz="914400" rtl="0" eaLnBrk="1" fontAlgn="auto" latinLnBrk="0" hangingPunct="1">
+                        <a:lnSpc>
+                          <a:spcPct val="100000"/>
+                        </a:lnSpc>
+                        <a:spcBef>
+                          <a:spcPts val="0"/>
+                        </a:spcBef>
+                        <a:spcAft>
+                          <a:spcPts val="0"/>
+                        </a:spcAft>
+                        <a:buClrTx/>
+                        <a:buSzTx/>
+                        <a:buFontTx/>
+                        <a:buNone/>
+                        <a:tabLst/>
+                        <a:defRPr/>
+                      </a:pPr>
+                      <a:r>
+                        <a:rPr lang="en-US" sz="1200" dirty="0"/>
+                        <a:t>Next Column</a:t>
+                      </a:r>
+                    </a:p>
+                  </a:txBody>
+                  <a:tcPr marL="68580" marR="68580" marT="34290" marB="34290"/>
+                </a:tc>
+                <a:extLst>
+                  <a:ext uri="{0D108BD9-81ED-4DB2-BD59-A6C34878D82A}">
+                    <a16:rowId xmlns:a16="http://schemas.microsoft.com/office/drawing/2014/main" val="3877703440"/>
+                  </a:ext>
+                </a:extLst>
+              </a:tr>
+              <a:tr h="251460">
+                <a:tc>
+                  <a:txBody>
+                    <a:bodyPr/>
+                    <a:lstStyle/>
+                    <a:p>
+                      <a:pPr marL="0" marR="0" lvl="0" indent="0" algn="l" defTabSz="914400" rtl="0" eaLnBrk="1" fontAlgn="auto" latinLnBrk="0" hangingPunct="1">
+                        <a:lnSpc>
+                          <a:spcPct val="100000"/>
+                        </a:lnSpc>
+                        <a:spcBef>
+                          <a:spcPts val="0"/>
+                        </a:spcBef>
+                        <a:spcAft>
+                          <a:spcPts val="0"/>
+                        </a:spcAft>
+                        <a:buClrTx/>
+                        <a:buSzTx/>
+                        <a:buFontTx/>
+                        <a:buNone/>
+                        <a:tabLst/>
+                        <a:defRPr/>
+                      </a:pPr>
+                      <a:r>
+                        <a:rPr lang="en-US" sz="1200" dirty="0"/>
+                        <a:t>(</a:t>
+                      </a:r>
+                      <a:r>
+                        <a:rPr lang="en-US" sz="1200" dirty="0">
+                          <a:solidFill>
+                            <a:schemeClr val="tx1"/>
+                          </a:solidFill>
+                        </a:rPr>
+                        <a:t>0</a:t>
+                      </a:r>
+                      <a:r>
+                        <a:rPr lang="en-US" sz="1200" baseline="-25000" dirty="0">
+                          <a:solidFill>
+                            <a:schemeClr val="tx1"/>
+                          </a:solidFill>
+                        </a:rPr>
+                        <a:t>D</a:t>
+                      </a:r>
+                      <a:r>
+                        <a:rPr lang="en-US" sz="1200" dirty="0"/>
+                        <a:t>, 0</a:t>
+                      </a:r>
+                      <a:r>
+                        <a:rPr lang="en-US" sz="1200" baseline="-25000" dirty="0"/>
+                        <a:t>P</a:t>
+                      </a:r>
+                      <a:r>
+                        <a:rPr lang="en-US" sz="1200" dirty="0"/>
+                        <a:t>, 0</a:t>
+                      </a:r>
+                      <a:r>
+                        <a:rPr lang="en-US" sz="1200" baseline="-25000" dirty="0"/>
+                        <a:t>Y</a:t>
+                      </a:r>
+                      <a:r>
+                        <a:rPr lang="en-US" sz="1200" dirty="0"/>
+                        <a:t>, </a:t>
+                      </a:r>
+                      <a:r>
+                        <a:rPr lang="en-US" sz="1200" dirty="0">
+                          <a:solidFill>
+                            <a:srgbClr val="FF0000"/>
+                          </a:solidFill>
+                        </a:rPr>
+                        <a:t>1</a:t>
+                      </a:r>
+                      <a:r>
+                        <a:rPr lang="en-US" sz="1200" baseline="-25000" dirty="0">
+                          <a:solidFill>
+                            <a:srgbClr val="FF0000"/>
+                          </a:solidFill>
+                        </a:rPr>
+                        <a:t>X</a:t>
+                      </a:r>
+                      <a:r>
+                        <a:rPr lang="en-US" sz="1200" dirty="0"/>
+                        <a:t>)</a:t>
+                      </a:r>
+                    </a:p>
+                  </a:txBody>
+                  <a:tcPr marL="68580" marR="68580" marT="34290" marB="34290"/>
+                </a:tc>
+                <a:tc>
+                  <a:txBody>
+                    <a:bodyPr/>
+                    <a:lstStyle/>
+                    <a:p>
+                      <a:pPr marL="0" marR="0" lvl="0" indent="0" algn="l" defTabSz="914400" rtl="0" eaLnBrk="1" fontAlgn="auto" latinLnBrk="0" hangingPunct="1">
+                        <a:lnSpc>
+                          <a:spcPct val="100000"/>
+                        </a:lnSpc>
+                        <a:spcBef>
+                          <a:spcPts val="0"/>
+                        </a:spcBef>
+                        <a:spcAft>
+                          <a:spcPts val="0"/>
+                        </a:spcAft>
+                        <a:buClrTx/>
+                        <a:buSzTx/>
+                        <a:buFontTx/>
+                        <a:buNone/>
+                        <a:tabLst/>
+                        <a:defRPr/>
+                      </a:pPr>
+                      <a:r>
+                        <a:rPr lang="en-US" sz="1200" dirty="0"/>
+                        <a:t>(</a:t>
+                      </a:r>
+                      <a:r>
+                        <a:rPr lang="en-US" sz="1200" dirty="0">
+                          <a:solidFill>
+                            <a:srgbClr val="FF0000"/>
+                          </a:solidFill>
+                        </a:rPr>
+                        <a:t>1</a:t>
+                      </a:r>
+                      <a:r>
+                        <a:rPr lang="en-US" sz="1200" baseline="-25000" dirty="0">
+                          <a:solidFill>
+                            <a:srgbClr val="FF0000"/>
+                          </a:solidFill>
+                        </a:rPr>
+                        <a:t>D</a:t>
+                      </a:r>
+                      <a:r>
+                        <a:rPr lang="en-US" sz="1200" dirty="0"/>
+                        <a:t>, 0</a:t>
+                      </a:r>
+                      <a:r>
+                        <a:rPr lang="en-US" sz="1200" baseline="-25000" dirty="0"/>
+                        <a:t>P</a:t>
+                      </a:r>
+                      <a:r>
+                        <a:rPr lang="en-US" sz="1200" dirty="0"/>
+                        <a:t>, 0</a:t>
+                      </a:r>
+                      <a:r>
+                        <a:rPr lang="en-US" sz="1200" baseline="-25000" dirty="0"/>
+                        <a:t>Y</a:t>
+                      </a:r>
+                      <a:r>
+                        <a:rPr lang="en-US" sz="1200" dirty="0"/>
+                        <a:t>, </a:t>
+                      </a:r>
+                      <a:r>
+                        <a:rPr lang="en-US" sz="1200" dirty="0">
+                          <a:solidFill>
+                            <a:schemeClr val="tx1"/>
+                          </a:solidFill>
+                        </a:rPr>
+                        <a:t>1</a:t>
+                      </a:r>
+                      <a:r>
+                        <a:rPr lang="en-US" sz="1200" baseline="-25000" dirty="0">
+                          <a:solidFill>
+                            <a:schemeClr val="tx1"/>
+                          </a:solidFill>
+                        </a:rPr>
+                        <a:t>X</a:t>
+                      </a:r>
+                      <a:r>
+                        <a:rPr lang="en-US" sz="1200" dirty="0"/>
+                        <a:t>)</a:t>
+                      </a:r>
+                    </a:p>
+                  </a:txBody>
+                  <a:tcPr marL="68580" marR="68580" marT="34290" marB="34290"/>
+                </a:tc>
+                <a:tc>
+                  <a:txBody>
+                    <a:bodyPr/>
+                    <a:lstStyle/>
+                    <a:p>
+                      <a:pPr marL="0" marR="0" lvl="0" indent="0" algn="l" defTabSz="914400" rtl="0" eaLnBrk="1" fontAlgn="auto" latinLnBrk="0" hangingPunct="1">
+                        <a:lnSpc>
+                          <a:spcPct val="100000"/>
+                        </a:lnSpc>
+                        <a:spcBef>
+                          <a:spcPts val="0"/>
+                        </a:spcBef>
+                        <a:spcAft>
+                          <a:spcPts val="0"/>
+                        </a:spcAft>
+                        <a:buClrTx/>
+                        <a:buSzTx/>
+                        <a:buFontTx/>
+                        <a:buNone/>
+                        <a:tabLst/>
+                        <a:defRPr/>
+                      </a:pPr>
+                      <a:r>
+                        <a:rPr lang="en-US" sz="1200" dirty="0"/>
+                        <a:t>(</a:t>
+                      </a:r>
+                      <a:r>
+                        <a:rPr lang="en-US" sz="1200" dirty="0">
+                          <a:solidFill>
+                            <a:srgbClr val="FF0000"/>
+                          </a:solidFill>
+                        </a:rPr>
+                        <a:t>2</a:t>
+                      </a:r>
+                      <a:r>
+                        <a:rPr lang="en-US" sz="1200" baseline="-25000" dirty="0">
+                          <a:solidFill>
+                            <a:srgbClr val="FF0000"/>
+                          </a:solidFill>
+                        </a:rPr>
+                        <a:t>D</a:t>
+                      </a:r>
+                      <a:r>
+                        <a:rPr lang="en-US" sz="1200" dirty="0"/>
+                        <a:t>, 0</a:t>
+                      </a:r>
+                      <a:r>
+                        <a:rPr lang="en-US" sz="1200" baseline="-25000" dirty="0"/>
+                        <a:t>P</a:t>
+                      </a:r>
+                      <a:r>
+                        <a:rPr lang="en-US" sz="1200" dirty="0"/>
+                        <a:t>, 0</a:t>
+                      </a:r>
+                      <a:r>
+                        <a:rPr lang="en-US" sz="1200" baseline="-25000" dirty="0"/>
+                        <a:t>Y</a:t>
+                      </a:r>
+                      <a:r>
+                        <a:rPr lang="en-US" sz="1200" dirty="0"/>
+                        <a:t>, </a:t>
+                      </a:r>
+                      <a:r>
+                        <a:rPr lang="en-US" sz="1200" dirty="0">
+                          <a:solidFill>
+                            <a:schemeClr val="tx1"/>
+                          </a:solidFill>
+                        </a:rPr>
+                        <a:t>1</a:t>
+                      </a:r>
+                      <a:r>
+                        <a:rPr lang="en-US" sz="1200" baseline="-25000" dirty="0">
+                          <a:solidFill>
+                            <a:schemeClr val="tx1"/>
+                          </a:solidFill>
+                        </a:rPr>
+                        <a:t>X</a:t>
+                      </a:r>
+                      <a:r>
+                        <a:rPr lang="en-US" sz="1200" dirty="0"/>
+                        <a:t>)</a:t>
+                      </a:r>
+                    </a:p>
+                  </a:txBody>
+                  <a:tcPr marL="68580" marR="68580" marT="34290" marB="34290"/>
+                </a:tc>
+                <a:tc>
+                  <a:txBody>
+                    <a:bodyPr/>
+                    <a:lstStyle/>
+                    <a:p>
+                      <a:endParaRPr lang="en-US" sz="1200"/>
+                    </a:p>
+                  </a:txBody>
+                  <a:tcPr marL="68580" marR="68580" marT="34290" marB="34290"/>
+                </a:tc>
+                <a:tc>
+                  <a:txBody>
+                    <a:bodyPr/>
+                    <a:lstStyle/>
+                    <a:p>
+                      <a:pPr marL="0" marR="0" lvl="0" indent="0" algn="l" defTabSz="914400" rtl="0" eaLnBrk="1" fontAlgn="auto" latinLnBrk="0" hangingPunct="1">
+                        <a:lnSpc>
+                          <a:spcPct val="100000"/>
+                        </a:lnSpc>
+                        <a:spcBef>
+                          <a:spcPts val="0"/>
+                        </a:spcBef>
+                        <a:spcAft>
+                          <a:spcPts val="0"/>
+                        </a:spcAft>
+                        <a:buClrTx/>
+                        <a:buSzTx/>
+                        <a:buFontTx/>
+                        <a:buNone/>
+                        <a:tabLst/>
+                        <a:defRPr/>
+                      </a:pPr>
+                      <a:r>
+                        <a:rPr lang="en-US" sz="1200" dirty="0"/>
+                        <a:t>(N</a:t>
+                      </a:r>
+                      <a:r>
+                        <a:rPr lang="en-US" sz="1200" baseline="-25000" dirty="0"/>
+                        <a:t>D</a:t>
+                      </a:r>
+                      <a:r>
+                        <a:rPr lang="en-US" sz="1200" dirty="0"/>
+                        <a:t>, 0</a:t>
+                      </a:r>
+                      <a:r>
+                        <a:rPr lang="en-US" sz="1200" baseline="-25000" dirty="0"/>
+                        <a:t>P</a:t>
+                      </a:r>
+                      <a:r>
+                        <a:rPr lang="en-US" sz="1200" dirty="0"/>
+                        <a:t>, 0</a:t>
+                      </a:r>
+                      <a:r>
+                        <a:rPr lang="en-US" sz="1200" baseline="-25000" dirty="0"/>
+                        <a:t>Y</a:t>
+                      </a:r>
+                      <a:r>
+                        <a:rPr lang="en-US" sz="1200" dirty="0"/>
+                        <a:t>, 1</a:t>
+                      </a:r>
+                      <a:r>
+                        <a:rPr lang="en-US" sz="1200" baseline="-25000" dirty="0"/>
+                        <a:t>X</a:t>
+                      </a:r>
+                      <a:r>
+                        <a:rPr lang="en-US" sz="1200" dirty="0"/>
+                        <a:t>)</a:t>
+                      </a:r>
+                    </a:p>
+                  </a:txBody>
+                  <a:tcPr marL="68580" marR="68580" marT="34290" marB="34290"/>
+                </a:tc>
+                <a:tc>
+                  <a:txBody>
+                    <a:bodyPr/>
+                    <a:lstStyle/>
+                    <a:p>
+                      <a:pPr marL="0" marR="0" lvl="0" indent="0" algn="l" defTabSz="914400" rtl="0" eaLnBrk="1" fontAlgn="auto" latinLnBrk="0" hangingPunct="1">
+                        <a:lnSpc>
+                          <a:spcPct val="100000"/>
+                        </a:lnSpc>
+                        <a:spcBef>
+                          <a:spcPts val="0"/>
+                        </a:spcBef>
+                        <a:spcAft>
+                          <a:spcPts val="0"/>
+                        </a:spcAft>
+                        <a:buClrTx/>
+                        <a:buSzTx/>
+                        <a:buFontTx/>
+                        <a:buNone/>
+                        <a:tabLst/>
+                        <a:defRPr/>
+                      </a:pPr>
+                      <a:r>
+                        <a:rPr lang="en-US" sz="1200" dirty="0"/>
+                        <a:t>Next Column</a:t>
+                      </a:r>
+                    </a:p>
+                  </a:txBody>
+                  <a:tcPr marL="68580" marR="68580" marT="34290" marB="34290"/>
+                </a:tc>
+                <a:extLst>
+                  <a:ext uri="{0D108BD9-81ED-4DB2-BD59-A6C34878D82A}">
+                    <a16:rowId xmlns:a16="http://schemas.microsoft.com/office/drawing/2014/main" val="4279363826"/>
+                  </a:ext>
+                </a:extLst>
+              </a:tr>
+              <a:tr h="257501">
+                <a:tc>
+                  <a:txBody>
+                    <a:bodyPr/>
+                    <a:lstStyle/>
+                    <a:p>
+                      <a:pPr marL="0" marR="0" lvl="0" indent="0" algn="l" defTabSz="914400" rtl="0" eaLnBrk="1" fontAlgn="auto" latinLnBrk="0" hangingPunct="1">
+                        <a:lnSpc>
+                          <a:spcPct val="100000"/>
+                        </a:lnSpc>
+                        <a:spcBef>
+                          <a:spcPts val="0"/>
+                        </a:spcBef>
+                        <a:spcAft>
+                          <a:spcPts val="0"/>
+                        </a:spcAft>
+                        <a:buClrTx/>
+                        <a:buSzTx/>
+                        <a:buFontTx/>
+                        <a:buNone/>
+                        <a:tabLst/>
+                        <a:defRPr/>
+                      </a:pPr>
+                      <a:r>
+                        <a:rPr lang="en-US" sz="1200" dirty="0"/>
+                        <a:t>(</a:t>
+                      </a:r>
+                      <a:r>
+                        <a:rPr lang="en-US" sz="1200" dirty="0">
+                          <a:solidFill>
+                            <a:schemeClr val="tx1"/>
+                          </a:solidFill>
+                        </a:rPr>
+                        <a:t>0</a:t>
+                      </a:r>
+                      <a:r>
+                        <a:rPr lang="en-US" sz="1200" baseline="-25000" dirty="0">
+                          <a:solidFill>
+                            <a:schemeClr val="tx1"/>
+                          </a:solidFill>
+                        </a:rPr>
+                        <a:t>D</a:t>
+                      </a:r>
+                      <a:r>
+                        <a:rPr lang="en-US" sz="1200" dirty="0"/>
+                        <a:t>, 0</a:t>
+                      </a:r>
+                      <a:r>
+                        <a:rPr lang="en-US" sz="1200" baseline="-25000" dirty="0"/>
+                        <a:t>P</a:t>
+                      </a:r>
+                      <a:r>
+                        <a:rPr lang="en-US" sz="1200" dirty="0"/>
+                        <a:t>, 0</a:t>
+                      </a:r>
+                      <a:r>
+                        <a:rPr lang="en-US" sz="1200" baseline="-25000" dirty="0"/>
+                        <a:t>Y</a:t>
+                      </a:r>
+                      <a:r>
+                        <a:rPr lang="en-US" sz="1200" dirty="0"/>
+                        <a:t>, </a:t>
+                      </a:r>
+                      <a:r>
+                        <a:rPr lang="en-US" sz="1200" dirty="0">
+                          <a:solidFill>
+                            <a:srgbClr val="FF0000"/>
+                          </a:solidFill>
+                        </a:rPr>
+                        <a:t>2</a:t>
+                      </a:r>
+                      <a:r>
+                        <a:rPr lang="en-US" sz="1200" baseline="-25000" dirty="0">
+                          <a:solidFill>
+                            <a:srgbClr val="FF0000"/>
+                          </a:solidFill>
+                        </a:rPr>
+                        <a:t>X</a:t>
+                      </a:r>
+                      <a:r>
+                        <a:rPr lang="en-US" sz="1200" dirty="0"/>
+                        <a:t>)</a:t>
+                      </a:r>
+                    </a:p>
+                  </a:txBody>
+                  <a:tcPr marL="68580" marR="68580" marT="34290" marB="34290"/>
+                </a:tc>
+                <a:tc>
+                  <a:txBody>
+                    <a:bodyPr/>
+                    <a:lstStyle/>
+                    <a:p>
+                      <a:pPr marL="0" marR="0" lvl="0" indent="0" algn="l" defTabSz="914400" rtl="0" eaLnBrk="1" fontAlgn="auto" latinLnBrk="0" hangingPunct="1">
+                        <a:lnSpc>
+                          <a:spcPct val="100000"/>
+                        </a:lnSpc>
+                        <a:spcBef>
+                          <a:spcPts val="0"/>
+                        </a:spcBef>
+                        <a:spcAft>
+                          <a:spcPts val="0"/>
+                        </a:spcAft>
+                        <a:buClrTx/>
+                        <a:buSzTx/>
+                        <a:buFontTx/>
+                        <a:buNone/>
+                        <a:tabLst/>
+                        <a:defRPr/>
+                      </a:pPr>
+                      <a:r>
+                        <a:rPr lang="en-US" sz="1200" dirty="0"/>
+                        <a:t>(</a:t>
+                      </a:r>
+                      <a:r>
+                        <a:rPr lang="en-US" sz="1200" dirty="0">
+                          <a:solidFill>
+                            <a:srgbClr val="FF0000"/>
+                          </a:solidFill>
+                        </a:rPr>
+                        <a:t>1</a:t>
+                      </a:r>
+                      <a:r>
+                        <a:rPr lang="en-US" sz="1200" baseline="-25000" dirty="0">
+                          <a:solidFill>
+                            <a:srgbClr val="FF0000"/>
+                          </a:solidFill>
+                        </a:rPr>
+                        <a:t>D</a:t>
+                      </a:r>
+                      <a:r>
+                        <a:rPr lang="en-US" sz="1200" dirty="0"/>
+                        <a:t>, 0</a:t>
+                      </a:r>
+                      <a:r>
+                        <a:rPr lang="en-US" sz="1200" baseline="-25000" dirty="0"/>
+                        <a:t>P</a:t>
+                      </a:r>
+                      <a:r>
+                        <a:rPr lang="en-US" sz="1200" dirty="0"/>
+                        <a:t>, 0</a:t>
+                      </a:r>
+                      <a:r>
+                        <a:rPr lang="en-US" sz="1200" baseline="-25000" dirty="0"/>
+                        <a:t>Y</a:t>
+                      </a:r>
+                      <a:r>
+                        <a:rPr lang="en-US" sz="1200" dirty="0"/>
+                        <a:t>, </a:t>
+                      </a:r>
+                      <a:r>
+                        <a:rPr lang="en-US" sz="1200" dirty="0">
+                          <a:solidFill>
+                            <a:schemeClr val="tx1"/>
+                          </a:solidFill>
+                        </a:rPr>
+                        <a:t>2</a:t>
+                      </a:r>
+                      <a:r>
+                        <a:rPr lang="en-US" sz="1200" baseline="-25000" dirty="0">
+                          <a:solidFill>
+                            <a:schemeClr val="tx1"/>
+                          </a:solidFill>
+                        </a:rPr>
+                        <a:t>X</a:t>
+                      </a:r>
+                      <a:r>
+                        <a:rPr lang="en-US" sz="1200" dirty="0"/>
+                        <a:t>)</a:t>
+                      </a:r>
+                    </a:p>
+                  </a:txBody>
+                  <a:tcPr marL="68580" marR="68580" marT="34290" marB="34290"/>
+                </a:tc>
+                <a:tc>
+                  <a:txBody>
+                    <a:bodyPr/>
+                    <a:lstStyle/>
+                    <a:p>
+                      <a:pPr marL="0" marR="0" lvl="0" indent="0" algn="l" defTabSz="914400" rtl="0" eaLnBrk="1" fontAlgn="auto" latinLnBrk="0" hangingPunct="1">
+                        <a:lnSpc>
+                          <a:spcPct val="100000"/>
+                        </a:lnSpc>
+                        <a:spcBef>
+                          <a:spcPts val="0"/>
+                        </a:spcBef>
+                        <a:spcAft>
+                          <a:spcPts val="0"/>
+                        </a:spcAft>
+                        <a:buClrTx/>
+                        <a:buSzTx/>
+                        <a:buFontTx/>
+                        <a:buNone/>
+                        <a:tabLst/>
+                        <a:defRPr/>
+                      </a:pPr>
+                      <a:r>
+                        <a:rPr lang="en-US" sz="1200" dirty="0"/>
+                        <a:t>(</a:t>
+                      </a:r>
+                      <a:r>
+                        <a:rPr lang="en-US" sz="1200" dirty="0">
+                          <a:solidFill>
+                            <a:srgbClr val="FF0000"/>
+                          </a:solidFill>
+                        </a:rPr>
+                        <a:t>2</a:t>
+                      </a:r>
+                      <a:r>
+                        <a:rPr lang="en-US" sz="1200" baseline="-25000" dirty="0">
+                          <a:solidFill>
+                            <a:srgbClr val="FF0000"/>
+                          </a:solidFill>
+                        </a:rPr>
+                        <a:t>D</a:t>
+                      </a:r>
+                      <a:r>
+                        <a:rPr lang="en-US" sz="1200" dirty="0"/>
+                        <a:t>, 0</a:t>
+                      </a:r>
+                      <a:r>
+                        <a:rPr lang="en-US" sz="1200" baseline="-25000" dirty="0"/>
+                        <a:t>P</a:t>
+                      </a:r>
+                      <a:r>
+                        <a:rPr lang="en-US" sz="1200" dirty="0"/>
+                        <a:t>, 0</a:t>
+                      </a:r>
+                      <a:r>
+                        <a:rPr lang="en-US" sz="1200" baseline="-25000" dirty="0"/>
+                        <a:t>Y</a:t>
+                      </a:r>
+                      <a:r>
+                        <a:rPr lang="en-US" sz="1200" dirty="0"/>
+                        <a:t>, </a:t>
+                      </a:r>
+                      <a:r>
+                        <a:rPr lang="en-US" sz="1200" dirty="0">
+                          <a:solidFill>
+                            <a:schemeClr val="tx1"/>
+                          </a:solidFill>
+                        </a:rPr>
+                        <a:t>2</a:t>
+                      </a:r>
+                      <a:r>
+                        <a:rPr lang="en-US" sz="1200" baseline="-25000" dirty="0">
+                          <a:solidFill>
+                            <a:schemeClr val="tx1"/>
+                          </a:solidFill>
+                        </a:rPr>
+                        <a:t>X</a:t>
+                      </a:r>
+                      <a:r>
+                        <a:rPr lang="en-US" sz="1200" dirty="0"/>
+                        <a:t>)</a:t>
+                      </a:r>
+                    </a:p>
+                  </a:txBody>
+                  <a:tcPr marL="68580" marR="68580" marT="34290" marB="34290"/>
+                </a:tc>
+                <a:tc>
+                  <a:txBody>
+                    <a:bodyPr/>
+                    <a:lstStyle/>
+                    <a:p>
+                      <a:endParaRPr lang="en-US" sz="1200"/>
+                    </a:p>
+                  </a:txBody>
+                  <a:tcPr marL="68580" marR="68580" marT="34290" marB="34290"/>
+                </a:tc>
+                <a:tc>
+                  <a:txBody>
+                    <a:bodyPr/>
+                    <a:lstStyle/>
+                    <a:p>
+                      <a:pPr marL="0" marR="0" lvl="0" indent="0" algn="l" defTabSz="914400" rtl="0" eaLnBrk="1" fontAlgn="auto" latinLnBrk="0" hangingPunct="1">
+                        <a:lnSpc>
+                          <a:spcPct val="100000"/>
+                        </a:lnSpc>
+                        <a:spcBef>
+                          <a:spcPts val="0"/>
+                        </a:spcBef>
+                        <a:spcAft>
+                          <a:spcPts val="0"/>
+                        </a:spcAft>
+                        <a:buClrTx/>
+                        <a:buSzTx/>
+                        <a:buFontTx/>
+                        <a:buNone/>
+                        <a:tabLst/>
+                        <a:defRPr/>
+                      </a:pPr>
+                      <a:r>
+                        <a:rPr lang="en-US" sz="1200" dirty="0"/>
+                        <a:t>(N</a:t>
+                      </a:r>
+                      <a:r>
+                        <a:rPr lang="en-US" sz="1200" baseline="-25000" dirty="0"/>
+                        <a:t>D</a:t>
+                      </a:r>
+                      <a:r>
+                        <a:rPr lang="en-US" sz="1200" dirty="0"/>
+                        <a:t>, 0</a:t>
+                      </a:r>
+                      <a:r>
+                        <a:rPr lang="en-US" sz="1200" baseline="-25000" dirty="0"/>
+                        <a:t>P</a:t>
+                      </a:r>
+                      <a:r>
+                        <a:rPr lang="en-US" sz="1200" dirty="0"/>
+                        <a:t>, 0</a:t>
+                      </a:r>
+                      <a:r>
+                        <a:rPr lang="en-US" sz="1200" baseline="-25000" dirty="0"/>
+                        <a:t>Y</a:t>
+                      </a:r>
+                      <a:r>
+                        <a:rPr lang="en-US" sz="1200" dirty="0"/>
+                        <a:t>, 2</a:t>
+                      </a:r>
+                      <a:r>
+                        <a:rPr lang="en-US" sz="1200" baseline="-25000" dirty="0"/>
+                        <a:t>X</a:t>
+                      </a:r>
+                      <a:r>
+                        <a:rPr lang="en-US" sz="1200" dirty="0"/>
+                        <a:t>)</a:t>
+                      </a:r>
+                    </a:p>
+                  </a:txBody>
+                  <a:tcPr marL="68580" marR="68580" marT="34290" marB="34290"/>
+                </a:tc>
+                <a:tc>
+                  <a:txBody>
+                    <a:bodyPr/>
+                    <a:lstStyle/>
+                    <a:p>
+                      <a:pPr marL="0" marR="0" lvl="0" indent="0" algn="l" defTabSz="914400" rtl="0" eaLnBrk="1" fontAlgn="auto" latinLnBrk="0" hangingPunct="1">
+                        <a:lnSpc>
+                          <a:spcPct val="100000"/>
+                        </a:lnSpc>
+                        <a:spcBef>
+                          <a:spcPts val="0"/>
+                        </a:spcBef>
+                        <a:spcAft>
+                          <a:spcPts val="0"/>
+                        </a:spcAft>
+                        <a:buClrTx/>
+                        <a:buSzTx/>
+                        <a:buFontTx/>
+                        <a:buNone/>
+                        <a:tabLst/>
+                        <a:defRPr/>
+                      </a:pPr>
+                      <a:r>
+                        <a:rPr lang="en-US" sz="1200" dirty="0"/>
+                        <a:t>Next Column</a:t>
+                      </a:r>
+                    </a:p>
+                  </a:txBody>
+                  <a:tcPr marL="68580" marR="68580" marT="34290" marB="34290"/>
+                </a:tc>
+                <a:extLst>
+                  <a:ext uri="{0D108BD9-81ED-4DB2-BD59-A6C34878D82A}">
+                    <a16:rowId xmlns:a16="http://schemas.microsoft.com/office/drawing/2014/main" val="139541502"/>
+                  </a:ext>
+                </a:extLst>
+              </a:tr>
+              <a:tr h="257501">
+                <a:tc>
+                  <a:txBody>
+                    <a:bodyPr/>
+                    <a:lstStyle/>
+                    <a:p>
+                      <a:endParaRPr lang="en-US" sz="1200" dirty="0"/>
+                    </a:p>
+                  </a:txBody>
+                  <a:tcPr marL="68580" marR="68580" marT="34290" marB="34290"/>
+                </a:tc>
+                <a:tc>
+                  <a:txBody>
+                    <a:bodyPr/>
+                    <a:lstStyle/>
+                    <a:p>
+                      <a:endParaRPr lang="en-US" sz="1200"/>
+                    </a:p>
+                  </a:txBody>
+                  <a:tcPr marL="68580" marR="68580" marT="34290" marB="34290"/>
+                </a:tc>
+                <a:tc>
+                  <a:txBody>
+                    <a:bodyPr/>
+                    <a:lstStyle/>
+                    <a:p>
+                      <a:endParaRPr lang="en-US" sz="1200"/>
+                    </a:p>
+                  </a:txBody>
+                  <a:tcPr marL="68580" marR="68580" marT="34290" marB="34290"/>
+                </a:tc>
+                <a:tc>
+                  <a:txBody>
+                    <a:bodyPr/>
+                    <a:lstStyle/>
+                    <a:p>
+                      <a:endParaRPr lang="en-US" sz="1200"/>
+                    </a:p>
+                  </a:txBody>
+                  <a:tcPr marL="68580" marR="68580" marT="34290" marB="34290"/>
+                </a:tc>
+                <a:tc>
+                  <a:txBody>
+                    <a:bodyPr/>
+                    <a:lstStyle/>
+                    <a:p>
+                      <a:pPr marL="0" marR="0" lvl="0" indent="0" algn="l" defTabSz="914400" rtl="0" eaLnBrk="1" fontAlgn="auto" latinLnBrk="0" hangingPunct="1">
+                        <a:lnSpc>
+                          <a:spcPct val="100000"/>
+                        </a:lnSpc>
+                        <a:spcBef>
+                          <a:spcPts val="0"/>
+                        </a:spcBef>
+                        <a:spcAft>
+                          <a:spcPts val="0"/>
+                        </a:spcAft>
+                        <a:buClrTx/>
+                        <a:buSzTx/>
+                        <a:buFontTx/>
+                        <a:buNone/>
+                        <a:tabLst/>
+                        <a:defRPr/>
+                      </a:pPr>
+                      <a:r>
+                        <a:rPr lang="en-US" sz="1200" dirty="0"/>
+                        <a:t>(N</a:t>
+                      </a:r>
+                      <a:r>
+                        <a:rPr lang="en-US" sz="1200" baseline="-25000" dirty="0"/>
+                        <a:t>D</a:t>
+                      </a:r>
+                      <a:r>
+                        <a:rPr lang="en-US" sz="1200" dirty="0"/>
+                        <a:t>, 0</a:t>
+                      </a:r>
+                      <a:r>
+                        <a:rPr lang="en-US" sz="1200" baseline="-25000" dirty="0"/>
+                        <a:t>P</a:t>
+                      </a:r>
+                      <a:r>
+                        <a:rPr lang="en-US" sz="1200" dirty="0"/>
+                        <a:t>, 0</a:t>
+                      </a:r>
+                      <a:r>
+                        <a:rPr lang="en-US" sz="1200" baseline="-25000" dirty="0"/>
+                        <a:t>Y</a:t>
+                      </a:r>
+                      <a:r>
+                        <a:rPr lang="en-US" sz="1200" dirty="0"/>
+                        <a:t>, N</a:t>
+                      </a:r>
+                      <a:r>
+                        <a:rPr lang="en-US" sz="1200" baseline="-25000" dirty="0"/>
+                        <a:t>X</a:t>
+                      </a:r>
+                      <a:r>
+                        <a:rPr lang="en-US" sz="1200" dirty="0"/>
+                        <a:t>)</a:t>
+                      </a:r>
+                    </a:p>
+                  </a:txBody>
+                  <a:tcPr marL="68580" marR="68580" marT="34290" marB="34290"/>
+                </a:tc>
+                <a:tc>
+                  <a:txBody>
+                    <a:bodyPr/>
+                    <a:lstStyle/>
+                    <a:p>
+                      <a:pPr marL="0" marR="0" lvl="0" indent="0" algn="l" defTabSz="914400" rtl="0" eaLnBrk="1" fontAlgn="auto" latinLnBrk="0" hangingPunct="1">
+                        <a:lnSpc>
+                          <a:spcPct val="100000"/>
+                        </a:lnSpc>
+                        <a:spcBef>
+                          <a:spcPts val="0"/>
+                        </a:spcBef>
+                        <a:spcAft>
+                          <a:spcPts val="0"/>
+                        </a:spcAft>
+                        <a:buClrTx/>
+                        <a:buSzTx/>
+                        <a:buFontTx/>
+                        <a:buNone/>
+                        <a:tabLst/>
+                        <a:defRPr/>
+                      </a:pPr>
+                      <a:r>
+                        <a:rPr lang="en-US" sz="1200" dirty="0"/>
+                        <a:t>Next Row</a:t>
+                      </a:r>
+                    </a:p>
+                  </a:txBody>
+                  <a:tcPr marL="68580" marR="68580" marT="34290" marB="34290"/>
+                </a:tc>
+                <a:extLst>
+                  <a:ext uri="{0D108BD9-81ED-4DB2-BD59-A6C34878D82A}">
+                    <a16:rowId xmlns:a16="http://schemas.microsoft.com/office/drawing/2014/main" val="2332588753"/>
+                  </a:ext>
+                </a:extLst>
+              </a:tr>
+              <a:tr h="257501">
+                <a:tc>
+                  <a:txBody>
+                    <a:bodyPr/>
+                    <a:lstStyle/>
+                    <a:p>
+                      <a:pPr marL="0" marR="0" lvl="0" indent="0" algn="l" defTabSz="914400" rtl="0" eaLnBrk="1" fontAlgn="auto" latinLnBrk="0" hangingPunct="1">
+                        <a:lnSpc>
+                          <a:spcPct val="100000"/>
+                        </a:lnSpc>
+                        <a:spcBef>
+                          <a:spcPts val="0"/>
+                        </a:spcBef>
+                        <a:spcAft>
+                          <a:spcPts val="0"/>
+                        </a:spcAft>
+                        <a:buClrTx/>
+                        <a:buSzTx/>
+                        <a:buFontTx/>
+                        <a:buNone/>
+                        <a:tabLst/>
+                        <a:defRPr/>
+                      </a:pPr>
+                      <a:r>
+                        <a:rPr lang="en-US" sz="1200" dirty="0"/>
+                        <a:t>(</a:t>
+                      </a:r>
+                      <a:r>
+                        <a:rPr lang="en-US" sz="1200" dirty="0">
+                          <a:solidFill>
+                            <a:schemeClr val="tx1"/>
+                          </a:solidFill>
+                        </a:rPr>
+                        <a:t>0</a:t>
+                      </a:r>
+                      <a:r>
+                        <a:rPr lang="en-US" sz="1200" baseline="-25000" dirty="0">
+                          <a:solidFill>
+                            <a:schemeClr val="tx1"/>
+                          </a:solidFill>
+                        </a:rPr>
+                        <a:t>D</a:t>
+                      </a:r>
+                      <a:r>
+                        <a:rPr lang="en-US" sz="1200" dirty="0"/>
+                        <a:t>, 0</a:t>
+                      </a:r>
+                      <a:r>
+                        <a:rPr lang="en-US" sz="1200" baseline="-25000" dirty="0"/>
+                        <a:t>P</a:t>
+                      </a:r>
+                      <a:r>
+                        <a:rPr lang="en-US" sz="1200" dirty="0"/>
+                        <a:t>, </a:t>
+                      </a:r>
+                      <a:r>
+                        <a:rPr lang="en-US" sz="1200" dirty="0">
+                          <a:solidFill>
+                            <a:srgbClr val="FF0000"/>
+                          </a:solidFill>
+                        </a:rPr>
+                        <a:t>1</a:t>
+                      </a:r>
+                      <a:r>
+                        <a:rPr lang="en-US" sz="1200" baseline="-25000" dirty="0">
+                          <a:solidFill>
+                            <a:srgbClr val="FF0000"/>
+                          </a:solidFill>
+                        </a:rPr>
+                        <a:t>Y</a:t>
+                      </a:r>
+                      <a:r>
+                        <a:rPr lang="en-US" sz="1200" dirty="0"/>
+                        <a:t>, </a:t>
+                      </a:r>
+                      <a:r>
+                        <a:rPr lang="en-US" sz="1200" dirty="0">
+                          <a:solidFill>
+                            <a:schemeClr val="tx1"/>
+                          </a:solidFill>
+                        </a:rPr>
+                        <a:t>0</a:t>
+                      </a:r>
+                      <a:r>
+                        <a:rPr lang="en-US" sz="1200" baseline="-25000" dirty="0">
+                          <a:solidFill>
+                            <a:schemeClr val="tx1"/>
+                          </a:solidFill>
+                        </a:rPr>
+                        <a:t>X</a:t>
+                      </a:r>
+                      <a:r>
+                        <a:rPr lang="en-US" sz="1200" dirty="0"/>
+                        <a:t>)</a:t>
+                      </a:r>
+                    </a:p>
+                  </a:txBody>
+                  <a:tcPr marL="68580" marR="68580" marT="34290" marB="34290"/>
+                </a:tc>
+                <a:tc>
+                  <a:txBody>
+                    <a:bodyPr/>
+                    <a:lstStyle/>
+                    <a:p>
+                      <a:pPr marL="0" marR="0" lvl="0" indent="0" algn="l" defTabSz="914400" rtl="0" eaLnBrk="1" fontAlgn="auto" latinLnBrk="0" hangingPunct="1">
+                        <a:lnSpc>
+                          <a:spcPct val="100000"/>
+                        </a:lnSpc>
+                        <a:spcBef>
+                          <a:spcPts val="0"/>
+                        </a:spcBef>
+                        <a:spcAft>
+                          <a:spcPts val="0"/>
+                        </a:spcAft>
+                        <a:buClrTx/>
+                        <a:buSzTx/>
+                        <a:buFontTx/>
+                        <a:buNone/>
+                        <a:tabLst/>
+                        <a:defRPr/>
+                      </a:pPr>
+                      <a:r>
+                        <a:rPr lang="en-US" sz="1200" dirty="0"/>
+                        <a:t>(</a:t>
+                      </a:r>
+                      <a:r>
+                        <a:rPr lang="en-US" sz="1200" dirty="0">
+                          <a:solidFill>
+                            <a:srgbClr val="FF0000"/>
+                          </a:solidFill>
+                        </a:rPr>
+                        <a:t>1</a:t>
+                      </a:r>
+                      <a:r>
+                        <a:rPr lang="en-US" sz="1200" baseline="-25000" dirty="0">
+                          <a:solidFill>
+                            <a:srgbClr val="FF0000"/>
+                          </a:solidFill>
+                        </a:rPr>
+                        <a:t>D</a:t>
+                      </a:r>
+                      <a:r>
+                        <a:rPr lang="en-US" sz="1200" dirty="0"/>
+                        <a:t>, 0</a:t>
+                      </a:r>
+                      <a:r>
+                        <a:rPr lang="en-US" sz="1200" baseline="-25000" dirty="0"/>
+                        <a:t>P</a:t>
+                      </a:r>
+                      <a:r>
+                        <a:rPr lang="en-US" sz="1200" dirty="0"/>
+                        <a:t>, 1</a:t>
+                      </a:r>
+                      <a:r>
+                        <a:rPr lang="en-US" sz="1200" baseline="-25000" dirty="0"/>
+                        <a:t>Y</a:t>
+                      </a:r>
+                      <a:r>
+                        <a:rPr lang="en-US" sz="1200" dirty="0"/>
+                        <a:t>, </a:t>
+                      </a:r>
+                      <a:r>
+                        <a:rPr lang="en-US" sz="1200" dirty="0">
+                          <a:solidFill>
+                            <a:schemeClr val="tx1"/>
+                          </a:solidFill>
+                        </a:rPr>
+                        <a:t>0</a:t>
+                      </a:r>
+                      <a:r>
+                        <a:rPr lang="en-US" sz="1200" baseline="-25000" dirty="0">
+                          <a:solidFill>
+                            <a:schemeClr val="tx1"/>
+                          </a:solidFill>
+                        </a:rPr>
+                        <a:t>X</a:t>
+                      </a:r>
+                      <a:r>
+                        <a:rPr lang="en-US" sz="1200" dirty="0"/>
+                        <a:t>)</a:t>
+                      </a:r>
+                    </a:p>
+                  </a:txBody>
+                  <a:tcPr marL="68580" marR="68580" marT="34290" marB="34290"/>
+                </a:tc>
+                <a:tc>
+                  <a:txBody>
+                    <a:bodyPr/>
+                    <a:lstStyle/>
+                    <a:p>
+                      <a:pPr marL="0" marR="0" lvl="0" indent="0" algn="l" defTabSz="914400" rtl="0" eaLnBrk="1" fontAlgn="auto" latinLnBrk="0" hangingPunct="1">
+                        <a:lnSpc>
+                          <a:spcPct val="100000"/>
+                        </a:lnSpc>
+                        <a:spcBef>
+                          <a:spcPts val="0"/>
+                        </a:spcBef>
+                        <a:spcAft>
+                          <a:spcPts val="0"/>
+                        </a:spcAft>
+                        <a:buClrTx/>
+                        <a:buSzTx/>
+                        <a:buFontTx/>
+                        <a:buNone/>
+                        <a:tabLst/>
+                        <a:defRPr/>
+                      </a:pPr>
+                      <a:r>
+                        <a:rPr lang="en-US" sz="1200" dirty="0"/>
+                        <a:t>(</a:t>
+                      </a:r>
+                      <a:r>
+                        <a:rPr lang="en-US" sz="1200" dirty="0">
+                          <a:solidFill>
+                            <a:srgbClr val="FF0000"/>
+                          </a:solidFill>
+                        </a:rPr>
+                        <a:t>2</a:t>
+                      </a:r>
+                      <a:r>
+                        <a:rPr lang="en-US" sz="1200" baseline="-25000" dirty="0">
+                          <a:solidFill>
+                            <a:srgbClr val="FF0000"/>
+                          </a:solidFill>
+                        </a:rPr>
+                        <a:t>D</a:t>
+                      </a:r>
+                      <a:r>
+                        <a:rPr lang="en-US" sz="1200" dirty="0"/>
+                        <a:t>, 0</a:t>
+                      </a:r>
+                      <a:r>
+                        <a:rPr lang="en-US" sz="1200" baseline="-25000" dirty="0"/>
+                        <a:t>P</a:t>
+                      </a:r>
+                      <a:r>
+                        <a:rPr lang="en-US" sz="1200" dirty="0"/>
+                        <a:t>, 1</a:t>
+                      </a:r>
+                      <a:r>
+                        <a:rPr lang="en-US" sz="1200" baseline="-25000" dirty="0"/>
+                        <a:t>Y</a:t>
+                      </a:r>
+                      <a:r>
+                        <a:rPr lang="en-US" sz="1200" dirty="0"/>
+                        <a:t>, </a:t>
+                      </a:r>
+                      <a:r>
+                        <a:rPr lang="en-US" sz="1200" dirty="0">
+                          <a:solidFill>
+                            <a:schemeClr val="tx1"/>
+                          </a:solidFill>
+                        </a:rPr>
+                        <a:t>0</a:t>
+                      </a:r>
+                      <a:r>
+                        <a:rPr lang="en-US" sz="1200" baseline="-25000" dirty="0">
+                          <a:solidFill>
+                            <a:schemeClr val="tx1"/>
+                          </a:solidFill>
+                        </a:rPr>
+                        <a:t>X</a:t>
+                      </a:r>
+                      <a:r>
+                        <a:rPr lang="en-US" sz="1200" dirty="0"/>
+                        <a:t>)</a:t>
+                      </a:r>
+                    </a:p>
+                  </a:txBody>
+                  <a:tcPr marL="68580" marR="68580" marT="34290" marB="34290"/>
+                </a:tc>
+                <a:tc>
+                  <a:txBody>
+                    <a:bodyPr/>
+                    <a:lstStyle/>
+                    <a:p>
+                      <a:endParaRPr lang="en-US" sz="1200"/>
+                    </a:p>
+                  </a:txBody>
+                  <a:tcPr marL="68580" marR="68580" marT="34290" marB="34290"/>
+                </a:tc>
+                <a:tc>
+                  <a:txBody>
+                    <a:bodyPr/>
+                    <a:lstStyle/>
+                    <a:p>
+                      <a:pPr marL="0" marR="0" lvl="0" indent="0" algn="l" defTabSz="914400" rtl="0" eaLnBrk="1" fontAlgn="auto" latinLnBrk="0" hangingPunct="1">
+                        <a:lnSpc>
+                          <a:spcPct val="100000"/>
+                        </a:lnSpc>
+                        <a:spcBef>
+                          <a:spcPts val="0"/>
+                        </a:spcBef>
+                        <a:spcAft>
+                          <a:spcPts val="0"/>
+                        </a:spcAft>
+                        <a:buClrTx/>
+                        <a:buSzTx/>
+                        <a:buFontTx/>
+                        <a:buNone/>
+                        <a:tabLst/>
+                        <a:defRPr/>
+                      </a:pPr>
+                      <a:r>
+                        <a:rPr lang="en-US" sz="1200" dirty="0"/>
+                        <a:t>(N</a:t>
+                      </a:r>
+                      <a:r>
+                        <a:rPr lang="en-US" sz="1200" baseline="-25000" dirty="0"/>
+                        <a:t>D</a:t>
+                      </a:r>
+                      <a:r>
+                        <a:rPr lang="en-US" sz="1200" dirty="0"/>
+                        <a:t>, 0</a:t>
+                      </a:r>
+                      <a:r>
+                        <a:rPr lang="en-US" sz="1200" baseline="-25000" dirty="0"/>
+                        <a:t>P</a:t>
+                      </a:r>
+                      <a:r>
+                        <a:rPr lang="en-US" sz="1200" dirty="0"/>
+                        <a:t>, 1</a:t>
+                      </a:r>
+                      <a:r>
+                        <a:rPr lang="en-US" sz="1200" baseline="-25000" dirty="0"/>
+                        <a:t>Y</a:t>
+                      </a:r>
+                      <a:r>
+                        <a:rPr lang="en-US" sz="1200" dirty="0"/>
+                        <a:t>, 0</a:t>
+                      </a:r>
+                      <a:r>
+                        <a:rPr lang="en-US" sz="1200" baseline="-25000" dirty="0"/>
+                        <a:t>X</a:t>
+                      </a:r>
+                      <a:r>
+                        <a:rPr lang="en-US" sz="1200" dirty="0"/>
+                        <a:t>)</a:t>
+                      </a:r>
+                    </a:p>
+                  </a:txBody>
+                  <a:tcPr marL="68580" marR="68580" marT="34290" marB="34290"/>
+                </a:tc>
+                <a:tc>
+                  <a:txBody>
+                    <a:bodyPr/>
+                    <a:lstStyle/>
+                    <a:p>
+                      <a:pPr marL="0" marR="0" lvl="0" indent="0" algn="l" defTabSz="914400" rtl="0" eaLnBrk="1" fontAlgn="auto" latinLnBrk="0" hangingPunct="1">
+                        <a:lnSpc>
+                          <a:spcPct val="100000"/>
+                        </a:lnSpc>
+                        <a:spcBef>
+                          <a:spcPts val="0"/>
+                        </a:spcBef>
+                        <a:spcAft>
+                          <a:spcPts val="0"/>
+                        </a:spcAft>
+                        <a:buClrTx/>
+                        <a:buSzTx/>
+                        <a:buFontTx/>
+                        <a:buNone/>
+                        <a:tabLst/>
+                        <a:defRPr/>
+                      </a:pPr>
+                      <a:r>
+                        <a:rPr lang="en-US" sz="1200" dirty="0"/>
+                        <a:t>Next Column</a:t>
+                      </a:r>
+                    </a:p>
+                  </a:txBody>
+                  <a:tcPr marL="68580" marR="68580" marT="34290" marB="34290"/>
+                </a:tc>
+                <a:extLst>
+                  <a:ext uri="{0D108BD9-81ED-4DB2-BD59-A6C34878D82A}">
+                    <a16:rowId xmlns:a16="http://schemas.microsoft.com/office/drawing/2014/main" val="1136520611"/>
+                  </a:ext>
+                </a:extLst>
+              </a:tr>
+              <a:tr h="257501">
+                <a:tc>
+                  <a:txBody>
+                    <a:bodyPr/>
+                    <a:lstStyle/>
+                    <a:p>
+                      <a:pPr marL="0" marR="0" lvl="0" indent="0" algn="l" defTabSz="914400" rtl="0" eaLnBrk="1" fontAlgn="auto" latinLnBrk="0" hangingPunct="1">
+                        <a:lnSpc>
+                          <a:spcPct val="100000"/>
+                        </a:lnSpc>
+                        <a:spcBef>
+                          <a:spcPts val="0"/>
+                        </a:spcBef>
+                        <a:spcAft>
+                          <a:spcPts val="0"/>
+                        </a:spcAft>
+                        <a:buClrTx/>
+                        <a:buSzTx/>
+                        <a:buFontTx/>
+                        <a:buNone/>
+                        <a:tabLst/>
+                        <a:defRPr/>
+                      </a:pPr>
+                      <a:r>
+                        <a:rPr lang="en-US" sz="1200" dirty="0"/>
+                        <a:t>(</a:t>
+                      </a:r>
+                      <a:r>
+                        <a:rPr lang="en-US" sz="1200" dirty="0">
+                          <a:solidFill>
+                            <a:schemeClr val="tx1"/>
+                          </a:solidFill>
+                        </a:rPr>
+                        <a:t>0</a:t>
+                      </a:r>
+                      <a:r>
+                        <a:rPr lang="en-US" sz="1200" baseline="-25000" dirty="0">
+                          <a:solidFill>
+                            <a:schemeClr val="tx1"/>
+                          </a:solidFill>
+                        </a:rPr>
+                        <a:t>D</a:t>
+                      </a:r>
+                      <a:r>
+                        <a:rPr lang="en-US" sz="1200" dirty="0"/>
+                        <a:t>, 0</a:t>
+                      </a:r>
+                      <a:r>
+                        <a:rPr lang="en-US" sz="1200" baseline="-25000" dirty="0"/>
+                        <a:t>P</a:t>
+                      </a:r>
+                      <a:r>
+                        <a:rPr lang="en-US" sz="1200" dirty="0"/>
+                        <a:t>, </a:t>
+                      </a:r>
+                      <a:r>
+                        <a:rPr lang="en-US" sz="1200" dirty="0">
+                          <a:solidFill>
+                            <a:schemeClr val="tx1"/>
+                          </a:solidFill>
+                        </a:rPr>
+                        <a:t>1</a:t>
+                      </a:r>
+                      <a:r>
+                        <a:rPr lang="en-US" sz="1200" baseline="-25000" dirty="0">
+                          <a:solidFill>
+                            <a:schemeClr val="tx1"/>
+                          </a:solidFill>
+                        </a:rPr>
+                        <a:t>Y</a:t>
+                      </a:r>
+                      <a:r>
+                        <a:rPr lang="en-US" sz="1200" dirty="0"/>
+                        <a:t>, </a:t>
+                      </a:r>
+                      <a:r>
+                        <a:rPr lang="en-US" sz="1200" dirty="0">
+                          <a:solidFill>
+                            <a:srgbClr val="FF0000"/>
+                          </a:solidFill>
+                        </a:rPr>
+                        <a:t>1</a:t>
+                      </a:r>
+                      <a:r>
+                        <a:rPr lang="en-US" sz="1200" baseline="-25000" dirty="0">
+                          <a:solidFill>
+                            <a:srgbClr val="FF0000"/>
+                          </a:solidFill>
+                        </a:rPr>
+                        <a:t>X</a:t>
+                      </a:r>
+                      <a:r>
+                        <a:rPr lang="en-US" sz="1200" dirty="0"/>
+                        <a:t>)</a:t>
+                      </a:r>
+                    </a:p>
+                  </a:txBody>
+                  <a:tcPr marL="68580" marR="68580" marT="34290" marB="34290"/>
+                </a:tc>
+                <a:tc>
+                  <a:txBody>
+                    <a:bodyPr/>
+                    <a:lstStyle/>
+                    <a:p>
+                      <a:pPr marL="0" marR="0" lvl="0" indent="0" algn="l" defTabSz="914400" rtl="0" eaLnBrk="1" fontAlgn="auto" latinLnBrk="0" hangingPunct="1">
+                        <a:lnSpc>
+                          <a:spcPct val="100000"/>
+                        </a:lnSpc>
+                        <a:spcBef>
+                          <a:spcPts val="0"/>
+                        </a:spcBef>
+                        <a:spcAft>
+                          <a:spcPts val="0"/>
+                        </a:spcAft>
+                        <a:buClrTx/>
+                        <a:buSzTx/>
+                        <a:buFontTx/>
+                        <a:buNone/>
+                        <a:tabLst/>
+                        <a:defRPr/>
+                      </a:pPr>
+                      <a:r>
+                        <a:rPr lang="en-US" sz="1200" dirty="0"/>
+                        <a:t>(</a:t>
+                      </a:r>
+                      <a:r>
+                        <a:rPr lang="en-US" sz="1200" dirty="0">
+                          <a:solidFill>
+                            <a:srgbClr val="FF0000"/>
+                          </a:solidFill>
+                        </a:rPr>
+                        <a:t>1</a:t>
+                      </a:r>
+                      <a:r>
+                        <a:rPr lang="en-US" sz="1200" baseline="-25000" dirty="0">
+                          <a:solidFill>
+                            <a:srgbClr val="FF0000"/>
+                          </a:solidFill>
+                        </a:rPr>
+                        <a:t>D</a:t>
+                      </a:r>
+                      <a:r>
+                        <a:rPr lang="en-US" sz="1200" dirty="0"/>
+                        <a:t>, 0</a:t>
+                      </a:r>
+                      <a:r>
+                        <a:rPr lang="en-US" sz="1200" baseline="-25000" dirty="0"/>
+                        <a:t>P</a:t>
+                      </a:r>
+                      <a:r>
+                        <a:rPr lang="en-US" sz="1200" dirty="0"/>
+                        <a:t>, 1</a:t>
+                      </a:r>
+                      <a:r>
+                        <a:rPr lang="en-US" sz="1200" baseline="-25000" dirty="0"/>
+                        <a:t>Y</a:t>
+                      </a:r>
+                      <a:r>
+                        <a:rPr lang="en-US" sz="1200" dirty="0"/>
+                        <a:t>,1)</a:t>
+                      </a:r>
+                    </a:p>
+                  </a:txBody>
+                  <a:tcPr marL="68580" marR="68580" marT="34290" marB="34290"/>
+                </a:tc>
+                <a:tc>
+                  <a:txBody>
+                    <a:bodyPr/>
+                    <a:lstStyle/>
+                    <a:p>
+                      <a:pPr marL="0" marR="0" lvl="0" indent="0" algn="l" defTabSz="914400" rtl="0" eaLnBrk="1" fontAlgn="auto" latinLnBrk="0" hangingPunct="1">
+                        <a:lnSpc>
+                          <a:spcPct val="100000"/>
+                        </a:lnSpc>
+                        <a:spcBef>
+                          <a:spcPts val="0"/>
+                        </a:spcBef>
+                        <a:spcAft>
+                          <a:spcPts val="0"/>
+                        </a:spcAft>
+                        <a:buClrTx/>
+                        <a:buSzTx/>
+                        <a:buFontTx/>
+                        <a:buNone/>
+                        <a:tabLst/>
+                        <a:defRPr/>
+                      </a:pPr>
+                      <a:r>
+                        <a:rPr lang="en-US" sz="1200" dirty="0"/>
+                        <a:t>(</a:t>
+                      </a:r>
+                      <a:r>
+                        <a:rPr lang="en-US" sz="1200" dirty="0">
+                          <a:solidFill>
+                            <a:srgbClr val="FF0000"/>
+                          </a:solidFill>
+                        </a:rPr>
+                        <a:t>2</a:t>
+                      </a:r>
+                      <a:r>
+                        <a:rPr lang="en-US" sz="1200" baseline="-25000" dirty="0">
+                          <a:solidFill>
+                            <a:srgbClr val="FF0000"/>
+                          </a:solidFill>
+                        </a:rPr>
+                        <a:t>D</a:t>
+                      </a:r>
+                      <a:r>
+                        <a:rPr lang="en-US" sz="1200" dirty="0"/>
+                        <a:t>, 0</a:t>
+                      </a:r>
+                      <a:r>
+                        <a:rPr lang="en-US" sz="1200" baseline="-25000" dirty="0"/>
+                        <a:t>P</a:t>
+                      </a:r>
+                      <a:r>
+                        <a:rPr lang="en-US" sz="1200" dirty="0"/>
+                        <a:t>, 1</a:t>
+                      </a:r>
+                      <a:r>
+                        <a:rPr lang="en-US" sz="1200" baseline="-25000" dirty="0"/>
+                        <a:t>Y</a:t>
+                      </a:r>
+                      <a:r>
+                        <a:rPr lang="en-US" sz="1200" dirty="0"/>
+                        <a:t>, </a:t>
+                      </a:r>
+                      <a:r>
+                        <a:rPr lang="en-US" sz="1200" dirty="0">
+                          <a:solidFill>
+                            <a:schemeClr val="tx1"/>
+                          </a:solidFill>
+                        </a:rPr>
+                        <a:t>1</a:t>
+                      </a:r>
+                      <a:r>
+                        <a:rPr lang="en-US" sz="1200" baseline="-25000" dirty="0">
+                          <a:solidFill>
+                            <a:schemeClr val="tx1"/>
+                          </a:solidFill>
+                        </a:rPr>
+                        <a:t>X</a:t>
+                      </a:r>
+                      <a:r>
+                        <a:rPr lang="en-US" sz="1200" dirty="0"/>
+                        <a:t>)</a:t>
+                      </a:r>
+                    </a:p>
+                  </a:txBody>
+                  <a:tcPr marL="68580" marR="68580" marT="34290" marB="34290"/>
+                </a:tc>
+                <a:tc>
+                  <a:txBody>
+                    <a:bodyPr/>
+                    <a:lstStyle/>
+                    <a:p>
+                      <a:endParaRPr lang="en-US" sz="1200"/>
+                    </a:p>
+                  </a:txBody>
+                  <a:tcPr marL="68580" marR="68580" marT="34290" marB="34290"/>
+                </a:tc>
+                <a:tc>
+                  <a:txBody>
+                    <a:bodyPr/>
+                    <a:lstStyle/>
+                    <a:p>
+                      <a:pPr marL="0" marR="0" lvl="0" indent="0" algn="l" defTabSz="914400" rtl="0" eaLnBrk="1" fontAlgn="auto" latinLnBrk="0" hangingPunct="1">
+                        <a:lnSpc>
+                          <a:spcPct val="100000"/>
+                        </a:lnSpc>
+                        <a:spcBef>
+                          <a:spcPts val="0"/>
+                        </a:spcBef>
+                        <a:spcAft>
+                          <a:spcPts val="0"/>
+                        </a:spcAft>
+                        <a:buClrTx/>
+                        <a:buSzTx/>
+                        <a:buFontTx/>
+                        <a:buNone/>
+                        <a:tabLst/>
+                        <a:defRPr/>
+                      </a:pPr>
+                      <a:r>
+                        <a:rPr lang="en-US" sz="1200" dirty="0"/>
+                        <a:t>(N</a:t>
+                      </a:r>
+                      <a:r>
+                        <a:rPr lang="en-US" sz="1200" baseline="-25000" dirty="0"/>
+                        <a:t>D</a:t>
+                      </a:r>
+                      <a:r>
+                        <a:rPr lang="en-US" sz="1200" dirty="0"/>
+                        <a:t>, 0</a:t>
+                      </a:r>
+                      <a:r>
+                        <a:rPr lang="en-US" sz="1200" baseline="-25000" dirty="0"/>
+                        <a:t>P</a:t>
+                      </a:r>
+                      <a:r>
+                        <a:rPr lang="en-US" sz="1200" dirty="0"/>
+                        <a:t>, 1</a:t>
+                      </a:r>
+                      <a:r>
+                        <a:rPr lang="en-US" sz="1200" baseline="-25000" dirty="0"/>
+                        <a:t>Y</a:t>
+                      </a:r>
+                      <a:r>
+                        <a:rPr lang="en-US" sz="1200" dirty="0"/>
+                        <a:t>, 1</a:t>
+                      </a:r>
+                      <a:r>
+                        <a:rPr lang="en-US" sz="1200" baseline="-25000" dirty="0"/>
+                        <a:t>X</a:t>
+                      </a:r>
+                      <a:r>
+                        <a:rPr lang="en-US" sz="1200" dirty="0"/>
+                        <a:t>)</a:t>
+                      </a:r>
+                    </a:p>
+                  </a:txBody>
+                  <a:tcPr marL="68580" marR="68580" marT="34290" marB="34290"/>
+                </a:tc>
+                <a:tc>
+                  <a:txBody>
+                    <a:bodyPr/>
+                    <a:lstStyle/>
+                    <a:p>
+                      <a:pPr marL="0" marR="0" lvl="0" indent="0" algn="l" defTabSz="914400" rtl="0" eaLnBrk="1" fontAlgn="auto" latinLnBrk="0" hangingPunct="1">
+                        <a:lnSpc>
+                          <a:spcPct val="100000"/>
+                        </a:lnSpc>
+                        <a:spcBef>
+                          <a:spcPts val="0"/>
+                        </a:spcBef>
+                        <a:spcAft>
+                          <a:spcPts val="0"/>
+                        </a:spcAft>
+                        <a:buClrTx/>
+                        <a:buSzTx/>
+                        <a:buFontTx/>
+                        <a:buNone/>
+                        <a:tabLst/>
+                        <a:defRPr/>
+                      </a:pPr>
+                      <a:r>
+                        <a:rPr lang="en-US" sz="1200" dirty="0"/>
+                        <a:t>Next Column</a:t>
+                      </a:r>
+                    </a:p>
+                  </a:txBody>
+                  <a:tcPr marL="68580" marR="68580" marT="34290" marB="34290"/>
+                </a:tc>
+                <a:extLst>
+                  <a:ext uri="{0D108BD9-81ED-4DB2-BD59-A6C34878D82A}">
+                    <a16:rowId xmlns:a16="http://schemas.microsoft.com/office/drawing/2014/main" val="2708726310"/>
+                  </a:ext>
+                </a:extLst>
+              </a:tr>
+              <a:tr h="257501">
+                <a:tc>
+                  <a:txBody>
+                    <a:bodyPr/>
+                    <a:lstStyle/>
+                    <a:p>
+                      <a:pPr marL="0" marR="0" lvl="0" indent="0" algn="l" defTabSz="914400" rtl="0" eaLnBrk="1" fontAlgn="auto" latinLnBrk="0" hangingPunct="1">
+                        <a:lnSpc>
+                          <a:spcPct val="100000"/>
+                        </a:lnSpc>
+                        <a:spcBef>
+                          <a:spcPts val="0"/>
+                        </a:spcBef>
+                        <a:spcAft>
+                          <a:spcPts val="0"/>
+                        </a:spcAft>
+                        <a:buClrTx/>
+                        <a:buSzTx/>
+                        <a:buFontTx/>
+                        <a:buNone/>
+                        <a:tabLst/>
+                        <a:defRPr/>
+                      </a:pPr>
+                      <a:r>
+                        <a:rPr lang="en-US" sz="1200" dirty="0"/>
+                        <a:t>(</a:t>
+                      </a:r>
+                      <a:r>
+                        <a:rPr lang="en-US" sz="1200" dirty="0">
+                          <a:solidFill>
+                            <a:schemeClr val="tx1"/>
+                          </a:solidFill>
+                        </a:rPr>
+                        <a:t>0</a:t>
+                      </a:r>
+                      <a:r>
+                        <a:rPr lang="en-US" sz="1200" baseline="-25000" dirty="0">
+                          <a:solidFill>
+                            <a:schemeClr val="tx1"/>
+                          </a:solidFill>
+                        </a:rPr>
+                        <a:t>D</a:t>
+                      </a:r>
+                      <a:r>
+                        <a:rPr lang="en-US" sz="1200" dirty="0"/>
+                        <a:t>, 0</a:t>
+                      </a:r>
+                      <a:r>
+                        <a:rPr lang="en-US" sz="1200" baseline="-25000" dirty="0"/>
+                        <a:t>P</a:t>
+                      </a:r>
+                      <a:r>
+                        <a:rPr lang="en-US" sz="1200" dirty="0"/>
+                        <a:t>, </a:t>
+                      </a:r>
+                      <a:r>
+                        <a:rPr lang="en-US" sz="1200" dirty="0">
+                          <a:solidFill>
+                            <a:schemeClr val="tx1"/>
+                          </a:solidFill>
+                        </a:rPr>
+                        <a:t>1</a:t>
+                      </a:r>
+                      <a:r>
+                        <a:rPr lang="en-US" sz="1200" baseline="-25000" dirty="0">
+                          <a:solidFill>
+                            <a:schemeClr val="tx1"/>
+                          </a:solidFill>
+                        </a:rPr>
+                        <a:t>Y</a:t>
+                      </a:r>
+                      <a:r>
+                        <a:rPr lang="en-US" sz="1200" dirty="0"/>
+                        <a:t>, </a:t>
+                      </a:r>
+                      <a:r>
+                        <a:rPr lang="en-US" sz="1200" dirty="0">
+                          <a:solidFill>
+                            <a:srgbClr val="FF0000"/>
+                          </a:solidFill>
+                        </a:rPr>
+                        <a:t>2</a:t>
+                      </a:r>
+                      <a:r>
+                        <a:rPr lang="en-US" sz="1200" baseline="-25000" dirty="0">
+                          <a:solidFill>
+                            <a:srgbClr val="FF0000"/>
+                          </a:solidFill>
+                        </a:rPr>
+                        <a:t>X</a:t>
+                      </a:r>
+                      <a:r>
+                        <a:rPr lang="en-US" sz="1200" dirty="0"/>
+                        <a:t>)</a:t>
+                      </a:r>
+                    </a:p>
+                  </a:txBody>
+                  <a:tcPr marL="68580" marR="68580" marT="34290" marB="34290"/>
+                </a:tc>
+                <a:tc>
+                  <a:txBody>
+                    <a:bodyPr/>
+                    <a:lstStyle/>
+                    <a:p>
+                      <a:pPr marL="0" marR="0" lvl="0" indent="0" algn="l" defTabSz="914400" rtl="0" eaLnBrk="1" fontAlgn="auto" latinLnBrk="0" hangingPunct="1">
+                        <a:lnSpc>
+                          <a:spcPct val="100000"/>
+                        </a:lnSpc>
+                        <a:spcBef>
+                          <a:spcPts val="0"/>
+                        </a:spcBef>
+                        <a:spcAft>
+                          <a:spcPts val="0"/>
+                        </a:spcAft>
+                        <a:buClrTx/>
+                        <a:buSzTx/>
+                        <a:buFontTx/>
+                        <a:buNone/>
+                        <a:tabLst/>
+                        <a:defRPr/>
+                      </a:pPr>
+                      <a:r>
+                        <a:rPr lang="en-US" sz="1200" dirty="0"/>
+                        <a:t>(</a:t>
+                      </a:r>
+                      <a:r>
+                        <a:rPr lang="en-US" sz="1200" dirty="0">
+                          <a:solidFill>
+                            <a:srgbClr val="FF0000"/>
+                          </a:solidFill>
+                        </a:rPr>
+                        <a:t>1</a:t>
+                      </a:r>
+                      <a:r>
+                        <a:rPr lang="en-US" sz="1200" baseline="-25000" dirty="0">
+                          <a:solidFill>
+                            <a:srgbClr val="FF0000"/>
+                          </a:solidFill>
+                        </a:rPr>
+                        <a:t>D</a:t>
+                      </a:r>
+                      <a:r>
+                        <a:rPr lang="en-US" sz="1200" dirty="0"/>
+                        <a:t>, 0</a:t>
+                      </a:r>
+                      <a:r>
+                        <a:rPr lang="en-US" sz="1200" baseline="-25000" dirty="0"/>
+                        <a:t>P</a:t>
+                      </a:r>
+                      <a:r>
+                        <a:rPr lang="en-US" sz="1200" dirty="0"/>
+                        <a:t>, 1</a:t>
+                      </a:r>
+                      <a:r>
+                        <a:rPr lang="en-US" sz="1200" baseline="-25000" dirty="0"/>
+                        <a:t>Y</a:t>
+                      </a:r>
+                      <a:r>
+                        <a:rPr lang="en-US" sz="1200" dirty="0"/>
+                        <a:t>,2)</a:t>
+                      </a:r>
+                    </a:p>
+                  </a:txBody>
+                  <a:tcPr marL="68580" marR="68580" marT="34290" marB="34290"/>
+                </a:tc>
+                <a:tc>
+                  <a:txBody>
+                    <a:bodyPr/>
+                    <a:lstStyle/>
+                    <a:p>
+                      <a:pPr marL="0" marR="0" lvl="0" indent="0" algn="l" defTabSz="914400" rtl="0" eaLnBrk="1" fontAlgn="auto" latinLnBrk="0" hangingPunct="1">
+                        <a:lnSpc>
+                          <a:spcPct val="100000"/>
+                        </a:lnSpc>
+                        <a:spcBef>
+                          <a:spcPts val="0"/>
+                        </a:spcBef>
+                        <a:spcAft>
+                          <a:spcPts val="0"/>
+                        </a:spcAft>
+                        <a:buClrTx/>
+                        <a:buSzTx/>
+                        <a:buFontTx/>
+                        <a:buNone/>
+                        <a:tabLst/>
+                        <a:defRPr/>
+                      </a:pPr>
+                      <a:r>
+                        <a:rPr lang="en-US" sz="1200" dirty="0"/>
+                        <a:t>(</a:t>
+                      </a:r>
+                      <a:r>
+                        <a:rPr lang="en-US" sz="1200" dirty="0">
+                          <a:solidFill>
+                            <a:srgbClr val="FF0000"/>
+                          </a:solidFill>
+                        </a:rPr>
+                        <a:t>2</a:t>
+                      </a:r>
+                      <a:r>
+                        <a:rPr lang="en-US" sz="1200" baseline="-25000" dirty="0">
+                          <a:solidFill>
+                            <a:srgbClr val="FF0000"/>
+                          </a:solidFill>
+                        </a:rPr>
+                        <a:t>D</a:t>
+                      </a:r>
+                      <a:r>
+                        <a:rPr lang="en-US" sz="1200" dirty="0"/>
+                        <a:t>, 0</a:t>
+                      </a:r>
+                      <a:r>
+                        <a:rPr lang="en-US" sz="1200" baseline="-25000" dirty="0"/>
+                        <a:t>P</a:t>
+                      </a:r>
+                      <a:r>
+                        <a:rPr lang="en-US" sz="1200" dirty="0"/>
+                        <a:t>, 1</a:t>
+                      </a:r>
+                      <a:r>
+                        <a:rPr lang="en-US" sz="1200" baseline="-25000" dirty="0"/>
+                        <a:t>Y</a:t>
+                      </a:r>
+                      <a:r>
+                        <a:rPr lang="en-US" sz="1200" dirty="0"/>
+                        <a:t>, </a:t>
+                      </a:r>
+                      <a:r>
+                        <a:rPr lang="en-US" sz="1200" dirty="0">
+                          <a:solidFill>
+                            <a:schemeClr val="tx1"/>
+                          </a:solidFill>
+                        </a:rPr>
+                        <a:t>2</a:t>
+                      </a:r>
+                      <a:r>
+                        <a:rPr lang="en-US" sz="1200" baseline="-25000" dirty="0">
+                          <a:solidFill>
+                            <a:schemeClr val="tx1"/>
+                          </a:solidFill>
+                        </a:rPr>
+                        <a:t>X</a:t>
+                      </a:r>
+                      <a:r>
+                        <a:rPr lang="en-US" sz="1200" dirty="0"/>
+                        <a:t>)</a:t>
+                      </a:r>
+                    </a:p>
+                  </a:txBody>
+                  <a:tcPr marL="68580" marR="68580" marT="34290" marB="34290"/>
+                </a:tc>
+                <a:tc>
+                  <a:txBody>
+                    <a:bodyPr/>
+                    <a:lstStyle/>
+                    <a:p>
+                      <a:endParaRPr lang="en-US" sz="1200"/>
+                    </a:p>
+                  </a:txBody>
+                  <a:tcPr marL="68580" marR="68580" marT="34290" marB="34290"/>
+                </a:tc>
+                <a:tc>
+                  <a:txBody>
+                    <a:bodyPr/>
+                    <a:lstStyle/>
+                    <a:p>
+                      <a:pPr marL="0" marR="0" lvl="0" indent="0" algn="l" defTabSz="914400" rtl="0" eaLnBrk="1" fontAlgn="auto" latinLnBrk="0" hangingPunct="1">
+                        <a:lnSpc>
+                          <a:spcPct val="100000"/>
+                        </a:lnSpc>
+                        <a:spcBef>
+                          <a:spcPts val="0"/>
+                        </a:spcBef>
+                        <a:spcAft>
+                          <a:spcPts val="0"/>
+                        </a:spcAft>
+                        <a:buClrTx/>
+                        <a:buSzTx/>
+                        <a:buFontTx/>
+                        <a:buNone/>
+                        <a:tabLst/>
+                        <a:defRPr/>
+                      </a:pPr>
+                      <a:r>
+                        <a:rPr lang="en-US" sz="1200" dirty="0"/>
+                        <a:t>(N</a:t>
+                      </a:r>
+                      <a:r>
+                        <a:rPr lang="en-US" sz="1200" baseline="-25000" dirty="0"/>
+                        <a:t>D</a:t>
+                      </a:r>
+                      <a:r>
+                        <a:rPr lang="en-US" sz="1200" dirty="0"/>
+                        <a:t>, 0</a:t>
+                      </a:r>
+                      <a:r>
+                        <a:rPr lang="en-US" sz="1200" baseline="-25000" dirty="0"/>
+                        <a:t>P</a:t>
+                      </a:r>
+                      <a:r>
+                        <a:rPr lang="en-US" sz="1200" dirty="0"/>
+                        <a:t>, 1</a:t>
+                      </a:r>
+                      <a:r>
+                        <a:rPr lang="en-US" sz="1200" baseline="-25000" dirty="0"/>
+                        <a:t>Y</a:t>
+                      </a:r>
+                      <a:r>
+                        <a:rPr lang="en-US" sz="1200" dirty="0"/>
+                        <a:t>, 2</a:t>
+                      </a:r>
+                      <a:r>
+                        <a:rPr lang="en-US" sz="1200" baseline="-25000" dirty="0"/>
+                        <a:t>X</a:t>
+                      </a:r>
+                      <a:r>
+                        <a:rPr lang="en-US" sz="1200" dirty="0"/>
+                        <a:t>)</a:t>
+                      </a:r>
+                    </a:p>
+                  </a:txBody>
+                  <a:tcPr marL="68580" marR="68580" marT="34290" marB="34290"/>
+                </a:tc>
+                <a:tc>
+                  <a:txBody>
+                    <a:bodyPr/>
+                    <a:lstStyle/>
+                    <a:p>
+                      <a:pPr marL="0" marR="0" lvl="0" indent="0" algn="l" defTabSz="914400" rtl="0" eaLnBrk="1" fontAlgn="auto" latinLnBrk="0" hangingPunct="1">
+                        <a:lnSpc>
+                          <a:spcPct val="100000"/>
+                        </a:lnSpc>
+                        <a:spcBef>
+                          <a:spcPts val="0"/>
+                        </a:spcBef>
+                        <a:spcAft>
+                          <a:spcPts val="0"/>
+                        </a:spcAft>
+                        <a:buClrTx/>
+                        <a:buSzTx/>
+                        <a:buFontTx/>
+                        <a:buNone/>
+                        <a:tabLst/>
+                        <a:defRPr/>
+                      </a:pPr>
+                      <a:r>
+                        <a:rPr lang="en-US" sz="1200" dirty="0"/>
+                        <a:t>Next Column</a:t>
+                      </a:r>
+                    </a:p>
+                  </a:txBody>
+                  <a:tcPr marL="68580" marR="68580" marT="34290" marB="34290"/>
+                </a:tc>
+                <a:extLst>
+                  <a:ext uri="{0D108BD9-81ED-4DB2-BD59-A6C34878D82A}">
+                    <a16:rowId xmlns:a16="http://schemas.microsoft.com/office/drawing/2014/main" val="2939555051"/>
+                  </a:ext>
+                </a:extLst>
+              </a:tr>
+              <a:tr h="257501">
+                <a:tc>
+                  <a:txBody>
+                    <a:bodyPr/>
+                    <a:lstStyle/>
+                    <a:p>
+                      <a:pPr marL="0" marR="0" lvl="0" indent="0" algn="l" defTabSz="914400" rtl="0" eaLnBrk="1" fontAlgn="auto" latinLnBrk="0" hangingPunct="1">
+                        <a:lnSpc>
+                          <a:spcPct val="100000"/>
+                        </a:lnSpc>
+                        <a:spcBef>
+                          <a:spcPts val="0"/>
+                        </a:spcBef>
+                        <a:spcAft>
+                          <a:spcPts val="0"/>
+                        </a:spcAft>
+                        <a:buClrTx/>
+                        <a:buSzTx/>
+                        <a:buFontTx/>
+                        <a:buNone/>
+                        <a:tabLst/>
+                        <a:defRPr/>
+                      </a:pPr>
+                      <a:endParaRPr lang="en-US" sz="1200" dirty="0"/>
+                    </a:p>
+                  </a:txBody>
+                  <a:tcPr marL="68580" marR="68580" marT="34290" marB="34290"/>
+                </a:tc>
+                <a:tc>
+                  <a:txBody>
+                    <a:bodyPr/>
+                    <a:lstStyle/>
+                    <a:p>
+                      <a:pPr marL="0" marR="0" lvl="0" indent="0" algn="l" defTabSz="914400" rtl="0" eaLnBrk="1" fontAlgn="auto" latinLnBrk="0" hangingPunct="1">
+                        <a:lnSpc>
+                          <a:spcPct val="100000"/>
+                        </a:lnSpc>
+                        <a:spcBef>
+                          <a:spcPts val="0"/>
+                        </a:spcBef>
+                        <a:spcAft>
+                          <a:spcPts val="0"/>
+                        </a:spcAft>
+                        <a:buClrTx/>
+                        <a:buSzTx/>
+                        <a:buFontTx/>
+                        <a:buNone/>
+                        <a:tabLst/>
+                        <a:defRPr/>
+                      </a:pPr>
+                      <a:endParaRPr lang="en-US" sz="1200" dirty="0"/>
+                    </a:p>
+                  </a:txBody>
+                  <a:tcPr marL="68580" marR="68580" marT="34290" marB="34290"/>
+                </a:tc>
+                <a:tc>
+                  <a:txBody>
+                    <a:bodyPr/>
+                    <a:lstStyle/>
+                    <a:p>
+                      <a:pPr marL="0" marR="0" lvl="0" indent="0" algn="l" defTabSz="914400" rtl="0" eaLnBrk="1" fontAlgn="auto" latinLnBrk="0" hangingPunct="1">
+                        <a:lnSpc>
+                          <a:spcPct val="100000"/>
+                        </a:lnSpc>
+                        <a:spcBef>
+                          <a:spcPts val="0"/>
+                        </a:spcBef>
+                        <a:spcAft>
+                          <a:spcPts val="0"/>
+                        </a:spcAft>
+                        <a:buClrTx/>
+                        <a:buSzTx/>
+                        <a:buFontTx/>
+                        <a:buNone/>
+                        <a:tabLst/>
+                        <a:defRPr/>
+                      </a:pPr>
+                      <a:endParaRPr lang="en-US" sz="1200" dirty="0"/>
+                    </a:p>
+                  </a:txBody>
+                  <a:tcPr marL="68580" marR="68580" marT="34290" marB="34290"/>
+                </a:tc>
+                <a:tc>
+                  <a:txBody>
+                    <a:bodyPr/>
+                    <a:lstStyle/>
+                    <a:p>
+                      <a:endParaRPr lang="en-US" sz="1200"/>
+                    </a:p>
+                  </a:txBody>
+                  <a:tcPr marL="68580" marR="68580" marT="34290" marB="34290"/>
+                </a:tc>
+                <a:tc>
+                  <a:txBody>
+                    <a:bodyPr/>
+                    <a:lstStyle/>
+                    <a:p>
+                      <a:pPr marL="0" marR="0" lvl="0" indent="0" algn="l" defTabSz="914400" rtl="0" eaLnBrk="1" fontAlgn="auto" latinLnBrk="0" hangingPunct="1">
+                        <a:lnSpc>
+                          <a:spcPct val="100000"/>
+                        </a:lnSpc>
+                        <a:spcBef>
+                          <a:spcPts val="0"/>
+                        </a:spcBef>
+                        <a:spcAft>
+                          <a:spcPts val="0"/>
+                        </a:spcAft>
+                        <a:buClrTx/>
+                        <a:buSzTx/>
+                        <a:buFontTx/>
+                        <a:buNone/>
+                        <a:tabLst/>
+                        <a:defRPr/>
+                      </a:pPr>
+                      <a:r>
+                        <a:rPr lang="en-US" sz="1200" dirty="0"/>
+                        <a:t>(N</a:t>
+                      </a:r>
+                      <a:r>
+                        <a:rPr lang="en-US" sz="1200" baseline="-25000" dirty="0"/>
+                        <a:t>D</a:t>
+                      </a:r>
+                      <a:r>
+                        <a:rPr lang="en-US" sz="1200" dirty="0"/>
+                        <a:t>, 0</a:t>
+                      </a:r>
+                      <a:r>
+                        <a:rPr lang="en-US" sz="1200" baseline="-25000" dirty="0"/>
+                        <a:t>P</a:t>
+                      </a:r>
+                      <a:r>
+                        <a:rPr lang="en-US" sz="1200" dirty="0"/>
+                        <a:t>, 1</a:t>
+                      </a:r>
+                      <a:r>
+                        <a:rPr lang="en-US" sz="1200" baseline="-25000" dirty="0"/>
+                        <a:t>Y</a:t>
+                      </a:r>
+                      <a:r>
+                        <a:rPr lang="en-US" sz="1200" dirty="0"/>
+                        <a:t>, N</a:t>
+                      </a:r>
+                      <a:r>
+                        <a:rPr lang="en-US" sz="1200" baseline="-25000" dirty="0"/>
+                        <a:t>X</a:t>
+                      </a:r>
+                      <a:r>
+                        <a:rPr lang="en-US" sz="1200" dirty="0"/>
+                        <a:t>)</a:t>
+                      </a:r>
+                    </a:p>
+                  </a:txBody>
+                  <a:tcPr marL="68580" marR="68580" marT="34290" marB="34290"/>
+                </a:tc>
+                <a:tc>
+                  <a:txBody>
+                    <a:bodyPr/>
+                    <a:lstStyle/>
+                    <a:p>
+                      <a:pPr marL="0" marR="0" lvl="0" indent="0" algn="l" defTabSz="914400" rtl="0" eaLnBrk="1" fontAlgn="auto" latinLnBrk="0" hangingPunct="1">
+                        <a:lnSpc>
+                          <a:spcPct val="100000"/>
+                        </a:lnSpc>
+                        <a:spcBef>
+                          <a:spcPts val="0"/>
+                        </a:spcBef>
+                        <a:spcAft>
+                          <a:spcPts val="0"/>
+                        </a:spcAft>
+                        <a:buClrTx/>
+                        <a:buSzTx/>
+                        <a:buFontTx/>
+                        <a:buNone/>
+                        <a:tabLst/>
+                        <a:defRPr/>
+                      </a:pPr>
+                      <a:r>
+                        <a:rPr lang="en-US" sz="1200" dirty="0"/>
+                        <a:t>Next Row</a:t>
+                      </a:r>
+                    </a:p>
+                  </a:txBody>
+                  <a:tcPr marL="68580" marR="68580" marT="34290" marB="34290"/>
+                </a:tc>
+                <a:extLst>
+                  <a:ext uri="{0D108BD9-81ED-4DB2-BD59-A6C34878D82A}">
+                    <a16:rowId xmlns:a16="http://schemas.microsoft.com/office/drawing/2014/main" val="2374298396"/>
+                  </a:ext>
+                </a:extLst>
+              </a:tr>
+              <a:tr h="257501">
+                <a:tc>
+                  <a:txBody>
+                    <a:bodyPr/>
+                    <a:lstStyle/>
+                    <a:p>
+                      <a:pPr marL="0" marR="0" lvl="0" indent="0" algn="l" defTabSz="914400" rtl="0" eaLnBrk="1" fontAlgn="auto" latinLnBrk="0" hangingPunct="1">
+                        <a:lnSpc>
+                          <a:spcPct val="100000"/>
+                        </a:lnSpc>
+                        <a:spcBef>
+                          <a:spcPts val="0"/>
+                        </a:spcBef>
+                        <a:spcAft>
+                          <a:spcPts val="0"/>
+                        </a:spcAft>
+                        <a:buClrTx/>
+                        <a:buSzTx/>
+                        <a:buFontTx/>
+                        <a:buNone/>
+                        <a:tabLst/>
+                        <a:defRPr/>
+                      </a:pPr>
+                      <a:endParaRPr lang="en-US" sz="1200" dirty="0"/>
+                    </a:p>
+                  </a:txBody>
+                  <a:tcPr marL="68580" marR="68580" marT="34290" marB="34290"/>
+                </a:tc>
+                <a:tc>
+                  <a:txBody>
+                    <a:bodyPr/>
+                    <a:lstStyle/>
+                    <a:p>
+                      <a:pPr marL="0" marR="0" lvl="0" indent="0" algn="l" defTabSz="914400" rtl="0" eaLnBrk="1" fontAlgn="auto" latinLnBrk="0" hangingPunct="1">
+                        <a:lnSpc>
+                          <a:spcPct val="100000"/>
+                        </a:lnSpc>
+                        <a:spcBef>
+                          <a:spcPts val="0"/>
+                        </a:spcBef>
+                        <a:spcAft>
+                          <a:spcPts val="0"/>
+                        </a:spcAft>
+                        <a:buClrTx/>
+                        <a:buSzTx/>
+                        <a:buFontTx/>
+                        <a:buNone/>
+                        <a:tabLst/>
+                        <a:defRPr/>
+                      </a:pPr>
+                      <a:endParaRPr lang="en-US" sz="1200" dirty="0"/>
+                    </a:p>
+                  </a:txBody>
+                  <a:tcPr marL="68580" marR="68580" marT="34290" marB="34290"/>
+                </a:tc>
+                <a:tc>
+                  <a:txBody>
+                    <a:bodyPr/>
+                    <a:lstStyle/>
+                    <a:p>
+                      <a:pPr marL="0" marR="0" lvl="0" indent="0" algn="l" defTabSz="914400" rtl="0" eaLnBrk="1" fontAlgn="auto" latinLnBrk="0" hangingPunct="1">
+                        <a:lnSpc>
+                          <a:spcPct val="100000"/>
+                        </a:lnSpc>
+                        <a:spcBef>
+                          <a:spcPts val="0"/>
+                        </a:spcBef>
+                        <a:spcAft>
+                          <a:spcPts val="0"/>
+                        </a:spcAft>
+                        <a:buClrTx/>
+                        <a:buSzTx/>
+                        <a:buFontTx/>
+                        <a:buNone/>
+                        <a:tabLst/>
+                        <a:defRPr/>
+                      </a:pPr>
+                      <a:endParaRPr lang="en-US" sz="1200" dirty="0"/>
+                    </a:p>
+                  </a:txBody>
+                  <a:tcPr marL="68580" marR="68580" marT="34290" marB="34290"/>
+                </a:tc>
+                <a:tc>
+                  <a:txBody>
+                    <a:bodyPr/>
+                    <a:lstStyle/>
+                    <a:p>
+                      <a:endParaRPr lang="en-US" sz="1200"/>
+                    </a:p>
+                  </a:txBody>
+                  <a:tcPr marL="68580" marR="68580" marT="34290" marB="34290"/>
+                </a:tc>
+                <a:tc>
+                  <a:txBody>
+                    <a:bodyPr/>
+                    <a:lstStyle/>
+                    <a:p>
+                      <a:pPr marL="0" marR="0" lvl="0" indent="0" algn="l" defTabSz="914400" rtl="0" eaLnBrk="1" fontAlgn="auto" latinLnBrk="0" hangingPunct="1">
+                        <a:lnSpc>
+                          <a:spcPct val="100000"/>
+                        </a:lnSpc>
+                        <a:spcBef>
+                          <a:spcPts val="0"/>
+                        </a:spcBef>
+                        <a:spcAft>
+                          <a:spcPts val="0"/>
+                        </a:spcAft>
+                        <a:buClrTx/>
+                        <a:buSzTx/>
+                        <a:buFontTx/>
+                        <a:buNone/>
+                        <a:tabLst/>
+                        <a:defRPr/>
+                      </a:pPr>
+                      <a:r>
+                        <a:rPr lang="en-US" sz="1200" dirty="0"/>
+                        <a:t>(N</a:t>
+                      </a:r>
+                      <a:r>
+                        <a:rPr lang="en-US" sz="1200" baseline="-25000" dirty="0"/>
+                        <a:t>D</a:t>
+                      </a:r>
+                      <a:r>
+                        <a:rPr lang="en-US" sz="1200" dirty="0"/>
+                        <a:t>, 0</a:t>
+                      </a:r>
+                      <a:r>
+                        <a:rPr lang="en-US" sz="1200" baseline="-25000" dirty="0"/>
+                        <a:t>P</a:t>
+                      </a:r>
+                      <a:r>
+                        <a:rPr lang="en-US" sz="1200" dirty="0"/>
+                        <a:t>, N</a:t>
+                      </a:r>
+                      <a:r>
+                        <a:rPr lang="en-US" sz="1200" baseline="-25000" dirty="0"/>
+                        <a:t>Y</a:t>
+                      </a:r>
+                      <a:r>
+                        <a:rPr lang="en-US" sz="1200" dirty="0"/>
+                        <a:t>,N</a:t>
+                      </a:r>
+                      <a:r>
+                        <a:rPr lang="en-US" sz="1200" baseline="-25000" dirty="0"/>
+                        <a:t>X</a:t>
+                      </a:r>
+                      <a:r>
+                        <a:rPr lang="en-US" sz="1200" dirty="0"/>
+                        <a:t>)</a:t>
+                      </a:r>
+                    </a:p>
+                  </a:txBody>
+                  <a:tcPr marL="68580" marR="68580" marT="34290" marB="34290"/>
+                </a:tc>
+                <a:tc>
+                  <a:txBody>
+                    <a:bodyPr/>
+                    <a:lstStyle/>
+                    <a:p>
+                      <a:pPr marL="0" marR="0" lvl="0" indent="0" algn="l" defTabSz="914400" rtl="0" eaLnBrk="1" fontAlgn="auto" latinLnBrk="0" hangingPunct="1">
+                        <a:lnSpc>
+                          <a:spcPct val="100000"/>
+                        </a:lnSpc>
+                        <a:spcBef>
+                          <a:spcPts val="0"/>
+                        </a:spcBef>
+                        <a:spcAft>
+                          <a:spcPts val="0"/>
+                        </a:spcAft>
+                        <a:buClrTx/>
+                        <a:buSzTx/>
+                        <a:buFontTx/>
+                        <a:buNone/>
+                        <a:tabLst/>
+                        <a:defRPr/>
+                      </a:pPr>
+                      <a:r>
+                        <a:rPr lang="en-US" sz="1200" dirty="0"/>
+                        <a:t>Next Partial Map</a:t>
+                      </a:r>
+                    </a:p>
+                  </a:txBody>
+                  <a:tcPr marL="68580" marR="68580" marT="34290" marB="34290"/>
+                </a:tc>
+                <a:extLst>
+                  <a:ext uri="{0D108BD9-81ED-4DB2-BD59-A6C34878D82A}">
+                    <a16:rowId xmlns:a16="http://schemas.microsoft.com/office/drawing/2014/main" val="2052834062"/>
+                  </a:ext>
+                </a:extLst>
+              </a:tr>
+              <a:tr h="257501">
+                <a:tc>
+                  <a:txBody>
+                    <a:bodyPr/>
+                    <a:lstStyle/>
+                    <a:p>
+                      <a:pPr marL="0" marR="0" lvl="0" indent="0" algn="l" defTabSz="914400" rtl="0" eaLnBrk="1" fontAlgn="auto" latinLnBrk="0" hangingPunct="1">
+                        <a:lnSpc>
+                          <a:spcPct val="100000"/>
+                        </a:lnSpc>
+                        <a:spcBef>
+                          <a:spcPts val="0"/>
+                        </a:spcBef>
+                        <a:spcAft>
+                          <a:spcPts val="0"/>
+                        </a:spcAft>
+                        <a:buClrTx/>
+                        <a:buSzTx/>
+                        <a:buFontTx/>
+                        <a:buNone/>
+                        <a:tabLst/>
+                        <a:defRPr/>
+                      </a:pPr>
+                      <a:r>
+                        <a:rPr lang="en-US" sz="1200" dirty="0"/>
+                        <a:t>(</a:t>
+                      </a:r>
+                      <a:r>
+                        <a:rPr lang="en-US" sz="1200" dirty="0">
+                          <a:solidFill>
+                            <a:schemeClr val="tx1"/>
+                          </a:solidFill>
+                        </a:rPr>
+                        <a:t>0</a:t>
+                      </a:r>
+                      <a:r>
+                        <a:rPr lang="en-US" sz="1200" baseline="-25000" dirty="0">
+                          <a:solidFill>
+                            <a:schemeClr val="tx1"/>
+                          </a:solidFill>
+                        </a:rPr>
+                        <a:t>D</a:t>
+                      </a:r>
+                      <a:r>
+                        <a:rPr lang="en-US" sz="1200" dirty="0"/>
+                        <a:t>, </a:t>
+                      </a:r>
+                      <a:r>
+                        <a:rPr lang="en-US" sz="1200" dirty="0">
+                          <a:solidFill>
+                            <a:srgbClr val="FF0000"/>
+                          </a:solidFill>
+                        </a:rPr>
+                        <a:t>1</a:t>
+                      </a:r>
+                      <a:r>
+                        <a:rPr lang="en-US" sz="1200" baseline="-25000" dirty="0">
+                          <a:solidFill>
+                            <a:srgbClr val="FF0000"/>
+                          </a:solidFill>
+                        </a:rPr>
+                        <a:t>P</a:t>
+                      </a:r>
+                      <a:r>
+                        <a:rPr lang="en-US" sz="1200" dirty="0"/>
+                        <a:t>, 0</a:t>
+                      </a:r>
+                      <a:r>
+                        <a:rPr lang="en-US" sz="1200" baseline="-25000" dirty="0"/>
+                        <a:t>Y</a:t>
+                      </a:r>
+                      <a:r>
+                        <a:rPr lang="en-US" sz="1200" dirty="0"/>
+                        <a:t>, </a:t>
+                      </a:r>
+                      <a:r>
+                        <a:rPr lang="en-US" sz="1200" dirty="0">
+                          <a:solidFill>
+                            <a:schemeClr val="tx1"/>
+                          </a:solidFill>
+                        </a:rPr>
+                        <a:t>0</a:t>
+                      </a:r>
+                      <a:r>
+                        <a:rPr lang="en-US" sz="1200" baseline="-25000" dirty="0">
+                          <a:solidFill>
+                            <a:schemeClr val="tx1"/>
+                          </a:solidFill>
+                        </a:rPr>
+                        <a:t>X</a:t>
+                      </a:r>
+                      <a:r>
+                        <a:rPr lang="en-US" sz="1200" dirty="0"/>
+                        <a:t>)</a:t>
+                      </a:r>
+                    </a:p>
+                  </a:txBody>
+                  <a:tcPr marL="68580" marR="68580" marT="34290" marB="34290"/>
+                </a:tc>
+                <a:tc>
+                  <a:txBody>
+                    <a:bodyPr/>
+                    <a:lstStyle/>
+                    <a:p>
+                      <a:pPr marL="0" marR="0" lvl="0" indent="0" algn="l" defTabSz="914400" rtl="0" eaLnBrk="1" fontAlgn="auto" latinLnBrk="0" hangingPunct="1">
+                        <a:lnSpc>
+                          <a:spcPct val="100000"/>
+                        </a:lnSpc>
+                        <a:spcBef>
+                          <a:spcPts val="0"/>
+                        </a:spcBef>
+                        <a:spcAft>
+                          <a:spcPts val="0"/>
+                        </a:spcAft>
+                        <a:buClrTx/>
+                        <a:buSzTx/>
+                        <a:buFontTx/>
+                        <a:buNone/>
+                        <a:tabLst/>
+                        <a:defRPr/>
+                      </a:pPr>
+                      <a:r>
+                        <a:rPr lang="en-US" sz="1200" dirty="0"/>
+                        <a:t>(</a:t>
+                      </a:r>
+                      <a:r>
+                        <a:rPr lang="en-US" sz="1200" dirty="0">
+                          <a:solidFill>
+                            <a:srgbClr val="FF0000"/>
+                          </a:solidFill>
+                        </a:rPr>
+                        <a:t>1</a:t>
+                      </a:r>
+                      <a:r>
+                        <a:rPr lang="en-US" sz="1200" baseline="-25000" dirty="0">
+                          <a:solidFill>
+                            <a:srgbClr val="FF0000"/>
+                          </a:solidFill>
+                        </a:rPr>
+                        <a:t>D</a:t>
+                      </a:r>
+                      <a:r>
+                        <a:rPr lang="en-US" sz="1200" dirty="0"/>
+                        <a:t>, 1</a:t>
+                      </a:r>
+                      <a:r>
+                        <a:rPr lang="en-US" sz="1200" baseline="-25000" dirty="0"/>
+                        <a:t>P</a:t>
+                      </a:r>
+                      <a:r>
+                        <a:rPr lang="en-US" sz="1200" dirty="0"/>
+                        <a:t>, 0</a:t>
+                      </a:r>
+                      <a:r>
+                        <a:rPr lang="en-US" sz="1200" baseline="-25000" dirty="0"/>
+                        <a:t>Y</a:t>
+                      </a:r>
+                      <a:r>
+                        <a:rPr lang="en-US" sz="1200" dirty="0"/>
+                        <a:t>, </a:t>
+                      </a:r>
+                      <a:r>
+                        <a:rPr lang="en-US" sz="1200" dirty="0">
+                          <a:solidFill>
+                            <a:schemeClr val="tx1"/>
+                          </a:solidFill>
+                        </a:rPr>
+                        <a:t>0</a:t>
+                      </a:r>
+                      <a:r>
+                        <a:rPr lang="en-US" sz="1200" baseline="-25000" dirty="0">
+                          <a:solidFill>
+                            <a:schemeClr val="tx1"/>
+                          </a:solidFill>
+                        </a:rPr>
+                        <a:t>X</a:t>
+                      </a:r>
+                      <a:r>
+                        <a:rPr lang="en-US" sz="1200" dirty="0"/>
+                        <a:t>)</a:t>
+                      </a:r>
+                    </a:p>
+                  </a:txBody>
+                  <a:tcPr marL="68580" marR="68580" marT="34290" marB="34290"/>
+                </a:tc>
+                <a:tc>
+                  <a:txBody>
+                    <a:bodyPr/>
+                    <a:lstStyle/>
+                    <a:p>
+                      <a:pPr marL="0" marR="0" lvl="0" indent="0" algn="l" defTabSz="914400" rtl="0" eaLnBrk="1" fontAlgn="auto" latinLnBrk="0" hangingPunct="1">
+                        <a:lnSpc>
+                          <a:spcPct val="100000"/>
+                        </a:lnSpc>
+                        <a:spcBef>
+                          <a:spcPts val="0"/>
+                        </a:spcBef>
+                        <a:spcAft>
+                          <a:spcPts val="0"/>
+                        </a:spcAft>
+                        <a:buClrTx/>
+                        <a:buSzTx/>
+                        <a:buFontTx/>
+                        <a:buNone/>
+                        <a:tabLst/>
+                        <a:defRPr/>
+                      </a:pPr>
+                      <a:r>
+                        <a:rPr lang="en-US" sz="1200" dirty="0"/>
+                        <a:t>(</a:t>
+                      </a:r>
+                      <a:r>
+                        <a:rPr lang="en-US" sz="1200" dirty="0">
+                          <a:solidFill>
+                            <a:srgbClr val="FF0000"/>
+                          </a:solidFill>
+                        </a:rPr>
+                        <a:t>2</a:t>
+                      </a:r>
+                      <a:r>
+                        <a:rPr lang="en-US" sz="1200" baseline="-25000" dirty="0">
+                          <a:solidFill>
+                            <a:srgbClr val="FF0000"/>
+                          </a:solidFill>
+                        </a:rPr>
+                        <a:t>D</a:t>
+                      </a:r>
+                      <a:r>
+                        <a:rPr lang="en-US" sz="1200" dirty="0"/>
+                        <a:t>, 1</a:t>
+                      </a:r>
+                      <a:r>
+                        <a:rPr lang="en-US" sz="1200" baseline="-25000" dirty="0"/>
+                        <a:t>P</a:t>
+                      </a:r>
+                      <a:r>
+                        <a:rPr lang="en-US" sz="1200" dirty="0"/>
+                        <a:t>, 0</a:t>
+                      </a:r>
+                      <a:r>
+                        <a:rPr lang="en-US" sz="1200" baseline="-25000" dirty="0"/>
+                        <a:t>Y</a:t>
+                      </a:r>
+                      <a:r>
+                        <a:rPr lang="en-US" sz="1200" dirty="0"/>
+                        <a:t>, </a:t>
+                      </a:r>
+                      <a:r>
+                        <a:rPr lang="en-US" sz="1200" dirty="0">
+                          <a:solidFill>
+                            <a:schemeClr val="tx1"/>
+                          </a:solidFill>
+                        </a:rPr>
+                        <a:t>0</a:t>
+                      </a:r>
+                      <a:r>
+                        <a:rPr lang="en-US" sz="1200" baseline="-25000" dirty="0">
+                          <a:solidFill>
+                            <a:schemeClr val="tx1"/>
+                          </a:solidFill>
+                        </a:rPr>
+                        <a:t>X</a:t>
+                      </a:r>
+                      <a:r>
+                        <a:rPr lang="en-US" sz="1200" dirty="0"/>
+                        <a:t>)</a:t>
+                      </a:r>
+                    </a:p>
+                  </a:txBody>
+                  <a:tcPr marL="68580" marR="68580" marT="34290" marB="34290"/>
+                </a:tc>
+                <a:tc>
+                  <a:txBody>
+                    <a:bodyPr/>
+                    <a:lstStyle/>
+                    <a:p>
+                      <a:endParaRPr lang="en-US" sz="1200"/>
+                    </a:p>
+                  </a:txBody>
+                  <a:tcPr marL="68580" marR="68580" marT="34290" marB="34290"/>
+                </a:tc>
+                <a:tc>
+                  <a:txBody>
+                    <a:bodyPr/>
+                    <a:lstStyle/>
+                    <a:p>
+                      <a:pPr marL="0" marR="0" lvl="0" indent="0" algn="l" defTabSz="914400" rtl="0" eaLnBrk="1" fontAlgn="auto" latinLnBrk="0" hangingPunct="1">
+                        <a:lnSpc>
+                          <a:spcPct val="100000"/>
+                        </a:lnSpc>
+                        <a:spcBef>
+                          <a:spcPts val="0"/>
+                        </a:spcBef>
+                        <a:spcAft>
+                          <a:spcPts val="0"/>
+                        </a:spcAft>
+                        <a:buClrTx/>
+                        <a:buSzTx/>
+                        <a:buFontTx/>
+                        <a:buNone/>
+                        <a:tabLst/>
+                        <a:defRPr/>
+                      </a:pPr>
+                      <a:r>
+                        <a:rPr lang="en-US" sz="1200" dirty="0"/>
+                        <a:t>(N</a:t>
+                      </a:r>
+                      <a:r>
+                        <a:rPr lang="en-US" sz="1200" baseline="-25000" dirty="0"/>
+                        <a:t>D</a:t>
+                      </a:r>
+                      <a:r>
+                        <a:rPr lang="en-US" sz="1200" dirty="0"/>
+                        <a:t>, 1</a:t>
+                      </a:r>
+                      <a:r>
+                        <a:rPr lang="en-US" sz="1200" baseline="-25000" dirty="0"/>
+                        <a:t>P</a:t>
+                      </a:r>
+                      <a:r>
+                        <a:rPr lang="en-US" sz="1200" dirty="0"/>
+                        <a:t>, 0</a:t>
+                      </a:r>
+                      <a:r>
+                        <a:rPr lang="en-US" sz="1200" baseline="-25000" dirty="0"/>
+                        <a:t>Y</a:t>
+                      </a:r>
+                      <a:r>
+                        <a:rPr lang="en-US" sz="1200" dirty="0"/>
+                        <a:t>, 0</a:t>
+                      </a:r>
+                      <a:r>
+                        <a:rPr lang="en-US" sz="1200" baseline="-25000" dirty="0"/>
+                        <a:t>X</a:t>
+                      </a:r>
+                      <a:r>
+                        <a:rPr lang="en-US" sz="1200" dirty="0"/>
+                        <a:t>)</a:t>
+                      </a:r>
+                    </a:p>
+                  </a:txBody>
+                  <a:tcPr marL="68580" marR="68580" marT="34290" marB="34290"/>
+                </a:tc>
+                <a:tc>
+                  <a:txBody>
+                    <a:bodyPr/>
+                    <a:lstStyle/>
+                    <a:p>
+                      <a:pPr marL="0" marR="0" lvl="0" indent="0" algn="l" defTabSz="914400" rtl="0" eaLnBrk="1" fontAlgn="auto" latinLnBrk="0" hangingPunct="1">
+                        <a:lnSpc>
+                          <a:spcPct val="100000"/>
+                        </a:lnSpc>
+                        <a:spcBef>
+                          <a:spcPts val="0"/>
+                        </a:spcBef>
+                        <a:spcAft>
+                          <a:spcPts val="0"/>
+                        </a:spcAft>
+                        <a:buClrTx/>
+                        <a:buSzTx/>
+                        <a:buFontTx/>
+                        <a:buNone/>
+                        <a:tabLst/>
+                        <a:defRPr/>
+                      </a:pPr>
+                      <a:r>
+                        <a:rPr lang="en-US" sz="1200" dirty="0"/>
+                        <a:t>Next Column</a:t>
+                      </a:r>
+                    </a:p>
+                  </a:txBody>
+                  <a:tcPr marL="68580" marR="68580" marT="34290" marB="34290"/>
+                </a:tc>
+                <a:extLst>
+                  <a:ext uri="{0D108BD9-81ED-4DB2-BD59-A6C34878D82A}">
+                    <a16:rowId xmlns:a16="http://schemas.microsoft.com/office/drawing/2014/main" val="1456056645"/>
+                  </a:ext>
+                </a:extLst>
+              </a:tr>
+              <a:tr h="257501">
+                <a:tc>
+                  <a:txBody>
+                    <a:bodyPr/>
+                    <a:lstStyle/>
+                    <a:p>
+                      <a:pPr marL="0" marR="0" lvl="0" indent="0" algn="l" defTabSz="914400" rtl="0" eaLnBrk="1" fontAlgn="auto" latinLnBrk="0" hangingPunct="1">
+                        <a:lnSpc>
+                          <a:spcPct val="100000"/>
+                        </a:lnSpc>
+                        <a:spcBef>
+                          <a:spcPts val="0"/>
+                        </a:spcBef>
+                        <a:spcAft>
+                          <a:spcPts val="0"/>
+                        </a:spcAft>
+                        <a:buClrTx/>
+                        <a:buSzTx/>
+                        <a:buFontTx/>
+                        <a:buNone/>
+                        <a:tabLst/>
+                        <a:defRPr/>
+                      </a:pPr>
+                      <a:r>
+                        <a:rPr lang="en-US" sz="1200" dirty="0"/>
+                        <a:t>(</a:t>
+                      </a:r>
+                      <a:r>
+                        <a:rPr lang="en-US" sz="1200" dirty="0">
+                          <a:solidFill>
+                            <a:schemeClr val="tx1"/>
+                          </a:solidFill>
+                        </a:rPr>
+                        <a:t>0</a:t>
+                      </a:r>
+                      <a:r>
+                        <a:rPr lang="en-US" sz="1200" baseline="-25000" dirty="0">
+                          <a:solidFill>
+                            <a:schemeClr val="tx1"/>
+                          </a:solidFill>
+                        </a:rPr>
+                        <a:t>D</a:t>
+                      </a:r>
+                      <a:r>
+                        <a:rPr lang="en-US" sz="1200" dirty="0"/>
+                        <a:t>, 1</a:t>
+                      </a:r>
+                      <a:r>
+                        <a:rPr lang="en-US" sz="1200" baseline="-25000" dirty="0"/>
+                        <a:t>P</a:t>
+                      </a:r>
+                      <a:r>
+                        <a:rPr lang="en-US" sz="1200" dirty="0"/>
+                        <a:t>, 0</a:t>
+                      </a:r>
+                      <a:r>
+                        <a:rPr lang="en-US" sz="1200" baseline="-25000" dirty="0"/>
+                        <a:t>Y</a:t>
+                      </a:r>
+                      <a:r>
+                        <a:rPr lang="en-US" sz="1200" dirty="0"/>
+                        <a:t>, </a:t>
+                      </a:r>
+                      <a:r>
+                        <a:rPr lang="en-US" sz="1200" dirty="0">
+                          <a:solidFill>
+                            <a:srgbClr val="FF0000"/>
+                          </a:solidFill>
+                        </a:rPr>
+                        <a:t>1</a:t>
+                      </a:r>
+                      <a:r>
+                        <a:rPr lang="en-US" sz="1200" baseline="-25000" dirty="0">
+                          <a:solidFill>
+                            <a:srgbClr val="FF0000"/>
+                          </a:solidFill>
+                        </a:rPr>
+                        <a:t>X</a:t>
+                      </a:r>
+                      <a:r>
+                        <a:rPr lang="en-US" sz="1200" dirty="0"/>
+                        <a:t>)</a:t>
+                      </a:r>
+                    </a:p>
+                  </a:txBody>
+                  <a:tcPr marL="68580" marR="68580" marT="34290" marB="34290"/>
+                </a:tc>
+                <a:tc>
+                  <a:txBody>
+                    <a:bodyPr/>
+                    <a:lstStyle/>
+                    <a:p>
+                      <a:pPr marL="0" marR="0" lvl="0" indent="0" algn="l" defTabSz="914400" rtl="0" eaLnBrk="1" fontAlgn="auto" latinLnBrk="0" hangingPunct="1">
+                        <a:lnSpc>
+                          <a:spcPct val="100000"/>
+                        </a:lnSpc>
+                        <a:spcBef>
+                          <a:spcPts val="0"/>
+                        </a:spcBef>
+                        <a:spcAft>
+                          <a:spcPts val="0"/>
+                        </a:spcAft>
+                        <a:buClrTx/>
+                        <a:buSzTx/>
+                        <a:buFontTx/>
+                        <a:buNone/>
+                        <a:tabLst/>
+                        <a:defRPr/>
+                      </a:pPr>
+                      <a:r>
+                        <a:rPr lang="en-US" sz="1200" dirty="0"/>
+                        <a:t>(</a:t>
+                      </a:r>
+                      <a:r>
+                        <a:rPr lang="en-US" sz="1200" dirty="0">
+                          <a:solidFill>
+                            <a:srgbClr val="FF0000"/>
+                          </a:solidFill>
+                        </a:rPr>
+                        <a:t>1</a:t>
+                      </a:r>
+                      <a:r>
+                        <a:rPr lang="en-US" sz="1200" baseline="-25000" dirty="0">
+                          <a:solidFill>
+                            <a:srgbClr val="FF0000"/>
+                          </a:solidFill>
+                        </a:rPr>
+                        <a:t>D</a:t>
+                      </a:r>
+                      <a:r>
+                        <a:rPr lang="en-US" sz="1200" dirty="0"/>
+                        <a:t>, 1</a:t>
+                      </a:r>
+                      <a:r>
+                        <a:rPr lang="en-US" sz="1200" baseline="-25000" dirty="0"/>
+                        <a:t>P</a:t>
+                      </a:r>
+                      <a:r>
+                        <a:rPr lang="en-US" sz="1200" dirty="0"/>
+                        <a:t>, 0</a:t>
+                      </a:r>
+                      <a:r>
+                        <a:rPr lang="en-US" sz="1200" baseline="-25000" dirty="0"/>
+                        <a:t>Y</a:t>
+                      </a:r>
+                      <a:r>
+                        <a:rPr lang="en-US" sz="1200" dirty="0"/>
+                        <a:t>, </a:t>
+                      </a:r>
+                      <a:r>
+                        <a:rPr lang="en-US" sz="1200" dirty="0">
+                          <a:solidFill>
+                            <a:schemeClr val="tx1"/>
+                          </a:solidFill>
+                        </a:rPr>
+                        <a:t>1</a:t>
+                      </a:r>
+                      <a:r>
+                        <a:rPr lang="en-US" sz="1200" baseline="-25000" dirty="0">
+                          <a:solidFill>
+                            <a:schemeClr val="tx1"/>
+                          </a:solidFill>
+                        </a:rPr>
+                        <a:t>X</a:t>
+                      </a:r>
+                      <a:r>
+                        <a:rPr lang="en-US" sz="1200" dirty="0"/>
+                        <a:t>)</a:t>
+                      </a:r>
+                    </a:p>
+                  </a:txBody>
+                  <a:tcPr marL="68580" marR="68580" marT="34290" marB="34290"/>
+                </a:tc>
+                <a:tc>
+                  <a:txBody>
+                    <a:bodyPr/>
+                    <a:lstStyle/>
+                    <a:p>
+                      <a:pPr marL="0" marR="0" lvl="0" indent="0" algn="l" defTabSz="914400" rtl="0" eaLnBrk="1" fontAlgn="auto" latinLnBrk="0" hangingPunct="1">
+                        <a:lnSpc>
+                          <a:spcPct val="100000"/>
+                        </a:lnSpc>
+                        <a:spcBef>
+                          <a:spcPts val="0"/>
+                        </a:spcBef>
+                        <a:spcAft>
+                          <a:spcPts val="0"/>
+                        </a:spcAft>
+                        <a:buClrTx/>
+                        <a:buSzTx/>
+                        <a:buFontTx/>
+                        <a:buNone/>
+                        <a:tabLst/>
+                        <a:defRPr/>
+                      </a:pPr>
+                      <a:r>
+                        <a:rPr lang="en-US" sz="1200" dirty="0"/>
+                        <a:t>(</a:t>
+                      </a:r>
+                      <a:r>
+                        <a:rPr lang="en-US" sz="1200" dirty="0">
+                          <a:solidFill>
+                            <a:srgbClr val="FF0000"/>
+                          </a:solidFill>
+                        </a:rPr>
+                        <a:t>2</a:t>
+                      </a:r>
+                      <a:r>
+                        <a:rPr lang="en-US" sz="1200" baseline="-25000" dirty="0">
+                          <a:solidFill>
+                            <a:srgbClr val="FF0000"/>
+                          </a:solidFill>
+                        </a:rPr>
+                        <a:t>D</a:t>
+                      </a:r>
+                      <a:r>
+                        <a:rPr lang="en-US" sz="1200" dirty="0"/>
+                        <a:t>, 1</a:t>
+                      </a:r>
+                      <a:r>
+                        <a:rPr lang="en-US" sz="1200" baseline="-25000" dirty="0"/>
+                        <a:t>P</a:t>
+                      </a:r>
+                      <a:r>
+                        <a:rPr lang="en-US" sz="1200" dirty="0"/>
+                        <a:t>, 0</a:t>
+                      </a:r>
+                      <a:r>
+                        <a:rPr lang="en-US" sz="1200" baseline="-25000" dirty="0"/>
+                        <a:t>Y</a:t>
+                      </a:r>
+                      <a:r>
+                        <a:rPr lang="en-US" sz="1200" dirty="0"/>
+                        <a:t>, </a:t>
+                      </a:r>
+                      <a:r>
+                        <a:rPr lang="en-US" sz="1200" dirty="0">
+                          <a:solidFill>
+                            <a:schemeClr val="tx1"/>
+                          </a:solidFill>
+                        </a:rPr>
+                        <a:t>1</a:t>
+                      </a:r>
+                      <a:r>
+                        <a:rPr lang="en-US" sz="1200" baseline="-25000" dirty="0">
+                          <a:solidFill>
+                            <a:schemeClr val="tx1"/>
+                          </a:solidFill>
+                        </a:rPr>
+                        <a:t>X</a:t>
+                      </a:r>
+                      <a:r>
+                        <a:rPr lang="en-US" sz="1200" dirty="0"/>
+                        <a:t>)</a:t>
+                      </a:r>
+                    </a:p>
+                  </a:txBody>
+                  <a:tcPr marL="68580" marR="68580" marT="34290" marB="34290"/>
+                </a:tc>
+                <a:tc>
+                  <a:txBody>
+                    <a:bodyPr/>
+                    <a:lstStyle/>
+                    <a:p>
+                      <a:endParaRPr lang="en-US" sz="1200"/>
+                    </a:p>
+                  </a:txBody>
+                  <a:tcPr marL="68580" marR="68580" marT="34290" marB="34290"/>
+                </a:tc>
+                <a:tc>
+                  <a:txBody>
+                    <a:bodyPr/>
+                    <a:lstStyle/>
+                    <a:p>
+                      <a:pPr marL="0" marR="0" lvl="0" indent="0" algn="l" defTabSz="914400" rtl="0" eaLnBrk="1" fontAlgn="auto" latinLnBrk="0" hangingPunct="1">
+                        <a:lnSpc>
+                          <a:spcPct val="100000"/>
+                        </a:lnSpc>
+                        <a:spcBef>
+                          <a:spcPts val="0"/>
+                        </a:spcBef>
+                        <a:spcAft>
+                          <a:spcPts val="0"/>
+                        </a:spcAft>
+                        <a:buClrTx/>
+                        <a:buSzTx/>
+                        <a:buFontTx/>
+                        <a:buNone/>
+                        <a:tabLst/>
+                        <a:defRPr/>
+                      </a:pPr>
+                      <a:r>
+                        <a:rPr lang="en-US" sz="1200" dirty="0"/>
+                        <a:t>(N</a:t>
+                      </a:r>
+                      <a:r>
+                        <a:rPr lang="en-US" sz="1200" baseline="-25000" dirty="0"/>
+                        <a:t>D</a:t>
+                      </a:r>
+                      <a:r>
+                        <a:rPr lang="en-US" sz="1200" dirty="0"/>
+                        <a:t>, 1</a:t>
+                      </a:r>
+                      <a:r>
+                        <a:rPr lang="en-US" sz="1200" baseline="-25000" dirty="0"/>
+                        <a:t>P</a:t>
+                      </a:r>
+                      <a:r>
+                        <a:rPr lang="en-US" sz="1200" dirty="0"/>
+                        <a:t>, 0</a:t>
+                      </a:r>
+                      <a:r>
+                        <a:rPr lang="en-US" sz="1200" baseline="-25000" dirty="0"/>
+                        <a:t>Y</a:t>
+                      </a:r>
+                      <a:r>
+                        <a:rPr lang="en-US" sz="1200" dirty="0"/>
+                        <a:t>, 1</a:t>
+                      </a:r>
+                      <a:r>
+                        <a:rPr lang="en-US" sz="1200" baseline="-25000" dirty="0"/>
+                        <a:t>X</a:t>
+                      </a:r>
+                      <a:r>
+                        <a:rPr lang="en-US" sz="1200" dirty="0"/>
+                        <a:t>)</a:t>
+                      </a:r>
+                    </a:p>
+                  </a:txBody>
+                  <a:tcPr marL="68580" marR="68580" marT="34290" marB="34290"/>
+                </a:tc>
+                <a:tc>
+                  <a:txBody>
+                    <a:bodyPr/>
+                    <a:lstStyle/>
+                    <a:p>
+                      <a:pPr marL="0" marR="0" lvl="0" indent="0" algn="l" defTabSz="914400" rtl="0" eaLnBrk="1" fontAlgn="auto" latinLnBrk="0" hangingPunct="1">
+                        <a:lnSpc>
+                          <a:spcPct val="100000"/>
+                        </a:lnSpc>
+                        <a:spcBef>
+                          <a:spcPts val="0"/>
+                        </a:spcBef>
+                        <a:spcAft>
+                          <a:spcPts val="0"/>
+                        </a:spcAft>
+                        <a:buClrTx/>
+                        <a:buSzTx/>
+                        <a:buFontTx/>
+                        <a:buNone/>
+                        <a:tabLst/>
+                        <a:defRPr/>
+                      </a:pPr>
+                      <a:r>
+                        <a:rPr lang="en-US" sz="1200" dirty="0"/>
+                        <a:t>Next Column</a:t>
+                      </a:r>
+                    </a:p>
+                  </a:txBody>
+                  <a:tcPr marL="68580" marR="68580" marT="34290" marB="34290"/>
+                </a:tc>
+                <a:extLst>
+                  <a:ext uri="{0D108BD9-81ED-4DB2-BD59-A6C34878D82A}">
+                    <a16:rowId xmlns:a16="http://schemas.microsoft.com/office/drawing/2014/main" val="685575204"/>
+                  </a:ext>
+                </a:extLst>
+              </a:tr>
+              <a:tr h="257501">
+                <a:tc>
+                  <a:txBody>
+                    <a:bodyPr/>
+                    <a:lstStyle/>
+                    <a:p>
+                      <a:pPr marL="0" marR="0" lvl="0" indent="0" algn="l" defTabSz="914400" rtl="0" eaLnBrk="1" fontAlgn="auto" latinLnBrk="0" hangingPunct="1">
+                        <a:lnSpc>
+                          <a:spcPct val="100000"/>
+                        </a:lnSpc>
+                        <a:spcBef>
+                          <a:spcPts val="0"/>
+                        </a:spcBef>
+                        <a:spcAft>
+                          <a:spcPts val="0"/>
+                        </a:spcAft>
+                        <a:buClrTx/>
+                        <a:buSzTx/>
+                        <a:buFontTx/>
+                        <a:buNone/>
+                        <a:tabLst/>
+                        <a:defRPr/>
+                      </a:pPr>
+                      <a:r>
+                        <a:rPr lang="en-US" sz="1200" dirty="0"/>
+                        <a:t>(</a:t>
+                      </a:r>
+                      <a:r>
+                        <a:rPr lang="en-US" sz="1200" dirty="0">
+                          <a:solidFill>
+                            <a:schemeClr val="tx1"/>
+                          </a:solidFill>
+                        </a:rPr>
+                        <a:t>0</a:t>
+                      </a:r>
+                      <a:r>
+                        <a:rPr lang="en-US" sz="1200" baseline="-25000" dirty="0">
+                          <a:solidFill>
+                            <a:schemeClr val="tx1"/>
+                          </a:solidFill>
+                        </a:rPr>
+                        <a:t>D</a:t>
+                      </a:r>
+                      <a:r>
+                        <a:rPr lang="en-US" sz="1200" dirty="0"/>
+                        <a:t>, 1</a:t>
+                      </a:r>
+                      <a:r>
+                        <a:rPr lang="en-US" sz="1200" baseline="-25000" dirty="0"/>
+                        <a:t>P</a:t>
+                      </a:r>
+                      <a:r>
+                        <a:rPr lang="en-US" sz="1200" dirty="0"/>
+                        <a:t>, 0</a:t>
+                      </a:r>
+                      <a:r>
+                        <a:rPr lang="en-US" sz="1200" baseline="-25000" dirty="0"/>
+                        <a:t>Y</a:t>
+                      </a:r>
+                      <a:r>
+                        <a:rPr lang="en-US" sz="1200" dirty="0"/>
+                        <a:t>, </a:t>
+                      </a:r>
+                      <a:r>
+                        <a:rPr lang="en-US" sz="1200" dirty="0">
+                          <a:solidFill>
+                            <a:srgbClr val="FF0000"/>
+                          </a:solidFill>
+                        </a:rPr>
+                        <a:t>2</a:t>
+                      </a:r>
+                      <a:r>
+                        <a:rPr lang="en-US" sz="1200" baseline="-25000" dirty="0">
+                          <a:solidFill>
+                            <a:srgbClr val="FF0000"/>
+                          </a:solidFill>
+                        </a:rPr>
+                        <a:t>X</a:t>
+                      </a:r>
+                      <a:r>
+                        <a:rPr lang="en-US" sz="1200" dirty="0"/>
+                        <a:t>)</a:t>
+                      </a:r>
+                    </a:p>
+                  </a:txBody>
+                  <a:tcPr marL="68580" marR="68580" marT="34290" marB="34290"/>
+                </a:tc>
+                <a:tc>
+                  <a:txBody>
+                    <a:bodyPr/>
+                    <a:lstStyle/>
+                    <a:p>
+                      <a:pPr marL="0" marR="0" lvl="0" indent="0" algn="l" defTabSz="914400" rtl="0" eaLnBrk="1" fontAlgn="auto" latinLnBrk="0" hangingPunct="1">
+                        <a:lnSpc>
+                          <a:spcPct val="100000"/>
+                        </a:lnSpc>
+                        <a:spcBef>
+                          <a:spcPts val="0"/>
+                        </a:spcBef>
+                        <a:spcAft>
+                          <a:spcPts val="0"/>
+                        </a:spcAft>
+                        <a:buClrTx/>
+                        <a:buSzTx/>
+                        <a:buFontTx/>
+                        <a:buNone/>
+                        <a:tabLst/>
+                        <a:defRPr/>
+                      </a:pPr>
+                      <a:r>
+                        <a:rPr lang="en-US" sz="1200" dirty="0"/>
+                        <a:t>(</a:t>
+                      </a:r>
+                      <a:r>
+                        <a:rPr lang="en-US" sz="1200" dirty="0">
+                          <a:solidFill>
+                            <a:srgbClr val="FF0000"/>
+                          </a:solidFill>
+                        </a:rPr>
+                        <a:t>1</a:t>
+                      </a:r>
+                      <a:r>
+                        <a:rPr lang="en-US" sz="1200" baseline="-25000" dirty="0">
+                          <a:solidFill>
+                            <a:srgbClr val="FF0000"/>
+                          </a:solidFill>
+                        </a:rPr>
+                        <a:t>D</a:t>
+                      </a:r>
+                      <a:r>
+                        <a:rPr lang="en-US" sz="1200" dirty="0"/>
+                        <a:t>, 1</a:t>
+                      </a:r>
+                      <a:r>
+                        <a:rPr lang="en-US" sz="1200" baseline="-25000" dirty="0"/>
+                        <a:t>P</a:t>
+                      </a:r>
+                      <a:r>
+                        <a:rPr lang="en-US" sz="1200" dirty="0"/>
+                        <a:t>, 0</a:t>
+                      </a:r>
+                      <a:r>
+                        <a:rPr lang="en-US" sz="1200" baseline="-25000" dirty="0"/>
+                        <a:t>Y</a:t>
+                      </a:r>
+                      <a:r>
+                        <a:rPr lang="en-US" sz="1200" dirty="0"/>
+                        <a:t>, </a:t>
+                      </a:r>
+                      <a:r>
+                        <a:rPr lang="en-US" sz="1200" dirty="0">
+                          <a:solidFill>
+                            <a:schemeClr val="tx1"/>
+                          </a:solidFill>
+                        </a:rPr>
+                        <a:t>2</a:t>
+                      </a:r>
+                      <a:r>
+                        <a:rPr lang="en-US" sz="1200" baseline="-25000" dirty="0">
+                          <a:solidFill>
+                            <a:schemeClr val="tx1"/>
+                          </a:solidFill>
+                        </a:rPr>
+                        <a:t>X</a:t>
+                      </a:r>
+                      <a:r>
+                        <a:rPr lang="en-US" sz="1200" dirty="0"/>
+                        <a:t>)</a:t>
+                      </a:r>
+                    </a:p>
+                  </a:txBody>
+                  <a:tcPr marL="68580" marR="68580" marT="34290" marB="34290"/>
+                </a:tc>
+                <a:tc>
+                  <a:txBody>
+                    <a:bodyPr/>
+                    <a:lstStyle/>
+                    <a:p>
+                      <a:pPr marL="0" marR="0" lvl="0" indent="0" algn="l" defTabSz="914400" rtl="0" eaLnBrk="1" fontAlgn="auto" latinLnBrk="0" hangingPunct="1">
+                        <a:lnSpc>
+                          <a:spcPct val="100000"/>
+                        </a:lnSpc>
+                        <a:spcBef>
+                          <a:spcPts val="0"/>
+                        </a:spcBef>
+                        <a:spcAft>
+                          <a:spcPts val="0"/>
+                        </a:spcAft>
+                        <a:buClrTx/>
+                        <a:buSzTx/>
+                        <a:buFontTx/>
+                        <a:buNone/>
+                        <a:tabLst/>
+                        <a:defRPr/>
+                      </a:pPr>
+                      <a:r>
+                        <a:rPr lang="en-US" sz="1200" dirty="0"/>
+                        <a:t>(</a:t>
+                      </a:r>
+                      <a:r>
+                        <a:rPr lang="en-US" sz="1200" dirty="0">
+                          <a:solidFill>
+                            <a:srgbClr val="FF0000"/>
+                          </a:solidFill>
+                        </a:rPr>
+                        <a:t>2</a:t>
+                      </a:r>
+                      <a:r>
+                        <a:rPr lang="en-US" sz="1200" baseline="-25000" dirty="0">
+                          <a:solidFill>
+                            <a:srgbClr val="FF0000"/>
+                          </a:solidFill>
+                        </a:rPr>
+                        <a:t>D</a:t>
+                      </a:r>
+                      <a:r>
+                        <a:rPr lang="en-US" sz="1200" dirty="0"/>
+                        <a:t>, 1</a:t>
+                      </a:r>
+                      <a:r>
+                        <a:rPr lang="en-US" sz="1200" baseline="-25000" dirty="0"/>
+                        <a:t>P</a:t>
+                      </a:r>
+                      <a:r>
+                        <a:rPr lang="en-US" sz="1200" dirty="0"/>
+                        <a:t>, 0</a:t>
+                      </a:r>
+                      <a:r>
+                        <a:rPr lang="en-US" sz="1200" baseline="-25000" dirty="0"/>
+                        <a:t>Y</a:t>
+                      </a:r>
+                      <a:r>
+                        <a:rPr lang="en-US" sz="1200" dirty="0"/>
+                        <a:t>, </a:t>
+                      </a:r>
+                      <a:r>
+                        <a:rPr lang="en-US" sz="1200" dirty="0">
+                          <a:solidFill>
+                            <a:schemeClr val="tx1"/>
+                          </a:solidFill>
+                        </a:rPr>
+                        <a:t>2</a:t>
+                      </a:r>
+                      <a:r>
+                        <a:rPr lang="en-US" sz="1200" baseline="-25000" dirty="0">
+                          <a:solidFill>
+                            <a:schemeClr val="tx1"/>
+                          </a:solidFill>
+                        </a:rPr>
+                        <a:t>X</a:t>
+                      </a:r>
+                      <a:r>
+                        <a:rPr lang="en-US" sz="1200" dirty="0"/>
+                        <a:t>)</a:t>
+                      </a:r>
+                    </a:p>
+                  </a:txBody>
+                  <a:tcPr marL="68580" marR="68580" marT="34290" marB="34290"/>
+                </a:tc>
+                <a:tc>
+                  <a:txBody>
+                    <a:bodyPr/>
+                    <a:lstStyle/>
+                    <a:p>
+                      <a:endParaRPr lang="en-US" sz="1200"/>
+                    </a:p>
+                  </a:txBody>
+                  <a:tcPr marL="68580" marR="68580" marT="34290" marB="34290"/>
+                </a:tc>
+                <a:tc>
+                  <a:txBody>
+                    <a:bodyPr/>
+                    <a:lstStyle/>
+                    <a:p>
+                      <a:pPr marL="0" marR="0" lvl="0" indent="0" algn="l" defTabSz="914400" rtl="0" eaLnBrk="1" fontAlgn="auto" latinLnBrk="0" hangingPunct="1">
+                        <a:lnSpc>
+                          <a:spcPct val="100000"/>
+                        </a:lnSpc>
+                        <a:spcBef>
+                          <a:spcPts val="0"/>
+                        </a:spcBef>
+                        <a:spcAft>
+                          <a:spcPts val="0"/>
+                        </a:spcAft>
+                        <a:buClrTx/>
+                        <a:buSzTx/>
+                        <a:buFontTx/>
+                        <a:buNone/>
+                        <a:tabLst/>
+                        <a:defRPr/>
+                      </a:pPr>
+                      <a:r>
+                        <a:rPr lang="en-US" sz="1200" dirty="0"/>
+                        <a:t>(N</a:t>
+                      </a:r>
+                      <a:r>
+                        <a:rPr lang="en-US" sz="1200" baseline="-25000" dirty="0"/>
+                        <a:t>D</a:t>
+                      </a:r>
+                      <a:r>
+                        <a:rPr lang="en-US" sz="1200" dirty="0"/>
+                        <a:t>, 1</a:t>
+                      </a:r>
+                      <a:r>
+                        <a:rPr lang="en-US" sz="1200" baseline="-25000" dirty="0"/>
+                        <a:t>P</a:t>
+                      </a:r>
+                      <a:r>
+                        <a:rPr lang="en-US" sz="1200" dirty="0"/>
+                        <a:t>, 0</a:t>
+                      </a:r>
+                      <a:r>
+                        <a:rPr lang="en-US" sz="1200" baseline="-25000" dirty="0"/>
+                        <a:t>Y</a:t>
+                      </a:r>
+                      <a:r>
+                        <a:rPr lang="en-US" sz="1200" dirty="0"/>
+                        <a:t>, 2</a:t>
+                      </a:r>
+                      <a:r>
+                        <a:rPr lang="en-US" sz="1200" baseline="-25000" dirty="0"/>
+                        <a:t>X</a:t>
+                      </a:r>
+                      <a:r>
+                        <a:rPr lang="en-US" sz="1200" dirty="0"/>
+                        <a:t>)</a:t>
+                      </a:r>
+                    </a:p>
+                  </a:txBody>
+                  <a:tcPr marL="68580" marR="68580" marT="34290" marB="34290"/>
+                </a:tc>
+                <a:tc>
+                  <a:txBody>
+                    <a:bodyPr/>
+                    <a:lstStyle/>
+                    <a:p>
+                      <a:pPr marL="0" marR="0" lvl="0" indent="0" algn="l" defTabSz="914400" rtl="0" eaLnBrk="1" fontAlgn="auto" latinLnBrk="0" hangingPunct="1">
+                        <a:lnSpc>
+                          <a:spcPct val="100000"/>
+                        </a:lnSpc>
+                        <a:spcBef>
+                          <a:spcPts val="0"/>
+                        </a:spcBef>
+                        <a:spcAft>
+                          <a:spcPts val="0"/>
+                        </a:spcAft>
+                        <a:buClrTx/>
+                        <a:buSzTx/>
+                        <a:buFontTx/>
+                        <a:buNone/>
+                        <a:tabLst/>
+                        <a:defRPr/>
+                      </a:pPr>
+                      <a:r>
+                        <a:rPr lang="en-US" sz="1200" dirty="0"/>
+                        <a:t>Next Column</a:t>
+                      </a:r>
+                    </a:p>
+                  </a:txBody>
+                  <a:tcPr marL="68580" marR="68580" marT="34290" marB="34290"/>
+                </a:tc>
+                <a:extLst>
+                  <a:ext uri="{0D108BD9-81ED-4DB2-BD59-A6C34878D82A}">
+                    <a16:rowId xmlns:a16="http://schemas.microsoft.com/office/drawing/2014/main" val="434866930"/>
+                  </a:ext>
+                </a:extLst>
+              </a:tr>
+              <a:tr h="257501">
+                <a:tc>
+                  <a:txBody>
+                    <a:bodyPr/>
+                    <a:lstStyle/>
+                    <a:p>
+                      <a:pPr marL="0" marR="0" lvl="0" indent="0" algn="l" defTabSz="914400" rtl="0" eaLnBrk="1" fontAlgn="auto" latinLnBrk="0" hangingPunct="1">
+                        <a:lnSpc>
+                          <a:spcPct val="100000"/>
+                        </a:lnSpc>
+                        <a:spcBef>
+                          <a:spcPts val="0"/>
+                        </a:spcBef>
+                        <a:spcAft>
+                          <a:spcPts val="0"/>
+                        </a:spcAft>
+                        <a:buClrTx/>
+                        <a:buSzTx/>
+                        <a:buFontTx/>
+                        <a:buNone/>
+                        <a:tabLst/>
+                        <a:defRPr/>
+                      </a:pPr>
+                      <a:endParaRPr lang="en-US" sz="1200" dirty="0"/>
+                    </a:p>
+                  </a:txBody>
+                  <a:tcPr marL="68580" marR="68580" marT="34290" marB="34290"/>
+                </a:tc>
+                <a:tc>
+                  <a:txBody>
+                    <a:bodyPr/>
+                    <a:lstStyle/>
+                    <a:p>
+                      <a:pPr marL="0" marR="0" lvl="0" indent="0" algn="l" defTabSz="914400" rtl="0" eaLnBrk="1" fontAlgn="auto" latinLnBrk="0" hangingPunct="1">
+                        <a:lnSpc>
+                          <a:spcPct val="100000"/>
+                        </a:lnSpc>
+                        <a:spcBef>
+                          <a:spcPts val="0"/>
+                        </a:spcBef>
+                        <a:spcAft>
+                          <a:spcPts val="0"/>
+                        </a:spcAft>
+                        <a:buClrTx/>
+                        <a:buSzTx/>
+                        <a:buFontTx/>
+                        <a:buNone/>
+                        <a:tabLst/>
+                        <a:defRPr/>
+                      </a:pPr>
+                      <a:endParaRPr lang="en-US" sz="1200" dirty="0"/>
+                    </a:p>
+                  </a:txBody>
+                  <a:tcPr marL="68580" marR="68580" marT="34290" marB="34290"/>
+                </a:tc>
+                <a:tc>
+                  <a:txBody>
+                    <a:bodyPr/>
+                    <a:lstStyle/>
+                    <a:p>
+                      <a:pPr marL="0" marR="0" lvl="0" indent="0" algn="l" defTabSz="914400" rtl="0" eaLnBrk="1" fontAlgn="auto" latinLnBrk="0" hangingPunct="1">
+                        <a:lnSpc>
+                          <a:spcPct val="100000"/>
+                        </a:lnSpc>
+                        <a:spcBef>
+                          <a:spcPts val="0"/>
+                        </a:spcBef>
+                        <a:spcAft>
+                          <a:spcPts val="0"/>
+                        </a:spcAft>
+                        <a:buClrTx/>
+                        <a:buSzTx/>
+                        <a:buFontTx/>
+                        <a:buNone/>
+                        <a:tabLst/>
+                        <a:defRPr/>
+                      </a:pPr>
+                      <a:endParaRPr lang="en-US" sz="1200" dirty="0"/>
+                    </a:p>
+                  </a:txBody>
+                  <a:tcPr marL="68580" marR="68580" marT="34290" marB="34290"/>
+                </a:tc>
+                <a:tc>
+                  <a:txBody>
+                    <a:bodyPr/>
+                    <a:lstStyle/>
+                    <a:p>
+                      <a:endParaRPr lang="en-US" sz="1200" dirty="0"/>
+                    </a:p>
+                  </a:txBody>
+                  <a:tcPr marL="68580" marR="68580" marT="34290" marB="34290"/>
+                </a:tc>
+                <a:tc>
+                  <a:txBody>
+                    <a:bodyPr/>
+                    <a:lstStyle/>
+                    <a:p>
+                      <a:pPr marL="0" marR="0" lvl="0" indent="0" algn="l" defTabSz="914400" rtl="0" eaLnBrk="1" fontAlgn="auto" latinLnBrk="0" hangingPunct="1">
+                        <a:lnSpc>
+                          <a:spcPct val="100000"/>
+                        </a:lnSpc>
+                        <a:spcBef>
+                          <a:spcPts val="0"/>
+                        </a:spcBef>
+                        <a:spcAft>
+                          <a:spcPts val="0"/>
+                        </a:spcAft>
+                        <a:buClrTx/>
+                        <a:buSzTx/>
+                        <a:buFontTx/>
+                        <a:buNone/>
+                        <a:tabLst/>
+                        <a:defRPr/>
+                      </a:pPr>
+                      <a:r>
+                        <a:rPr lang="en-US" sz="1200" dirty="0"/>
+                        <a:t>(N</a:t>
+                      </a:r>
+                      <a:r>
+                        <a:rPr lang="en-US" sz="1200" baseline="-25000" dirty="0"/>
+                        <a:t>D</a:t>
+                      </a:r>
+                      <a:r>
+                        <a:rPr lang="en-US" sz="1200" dirty="0"/>
+                        <a:t>, 1</a:t>
+                      </a:r>
+                      <a:r>
+                        <a:rPr lang="en-US" sz="1200" baseline="-25000" dirty="0"/>
+                        <a:t>P</a:t>
+                      </a:r>
+                      <a:r>
+                        <a:rPr lang="en-US" sz="1200" dirty="0"/>
+                        <a:t>, 0</a:t>
+                      </a:r>
+                      <a:r>
+                        <a:rPr lang="en-US" sz="1200" baseline="-25000" dirty="0"/>
+                        <a:t>Y</a:t>
+                      </a:r>
+                      <a:r>
+                        <a:rPr lang="en-US" sz="1200" dirty="0"/>
+                        <a:t>, N</a:t>
+                      </a:r>
+                      <a:r>
+                        <a:rPr lang="en-US" sz="1200" baseline="-25000" dirty="0"/>
+                        <a:t>X</a:t>
+                      </a:r>
+                      <a:r>
+                        <a:rPr lang="en-US" sz="1200" dirty="0"/>
+                        <a:t>)</a:t>
+                      </a:r>
+                    </a:p>
+                  </a:txBody>
+                  <a:tcPr marL="68580" marR="68580" marT="34290" marB="34290"/>
+                </a:tc>
+                <a:tc>
+                  <a:txBody>
+                    <a:bodyPr/>
+                    <a:lstStyle/>
+                    <a:p>
+                      <a:pPr marL="0" marR="0" lvl="0" indent="0" algn="l" defTabSz="914400" rtl="0" eaLnBrk="1" fontAlgn="auto" latinLnBrk="0" hangingPunct="1">
+                        <a:lnSpc>
+                          <a:spcPct val="100000"/>
+                        </a:lnSpc>
+                        <a:spcBef>
+                          <a:spcPts val="0"/>
+                        </a:spcBef>
+                        <a:spcAft>
+                          <a:spcPts val="0"/>
+                        </a:spcAft>
+                        <a:buClrTx/>
+                        <a:buSzTx/>
+                        <a:buFontTx/>
+                        <a:buNone/>
+                        <a:tabLst/>
+                        <a:defRPr/>
+                      </a:pPr>
+                      <a:r>
+                        <a:rPr lang="en-US" sz="1200" dirty="0"/>
+                        <a:t>Next Row</a:t>
+                      </a:r>
+                    </a:p>
+                  </a:txBody>
+                  <a:tcPr marL="68580" marR="68580" marT="34290" marB="34290"/>
+                </a:tc>
+                <a:extLst>
+                  <a:ext uri="{0D108BD9-81ED-4DB2-BD59-A6C34878D82A}">
+                    <a16:rowId xmlns:a16="http://schemas.microsoft.com/office/drawing/2014/main" val="3435714036"/>
+                  </a:ext>
+                </a:extLst>
+              </a:tr>
+              <a:tr h="257501">
+                <a:tc>
+                  <a:txBody>
+                    <a:bodyPr/>
+                    <a:lstStyle/>
+                    <a:p>
+                      <a:pPr marL="0" marR="0" lvl="0" indent="0" algn="l" defTabSz="914400" rtl="0" eaLnBrk="1" fontAlgn="auto" latinLnBrk="0" hangingPunct="1">
+                        <a:lnSpc>
+                          <a:spcPct val="100000"/>
+                        </a:lnSpc>
+                        <a:spcBef>
+                          <a:spcPts val="0"/>
+                        </a:spcBef>
+                        <a:spcAft>
+                          <a:spcPts val="0"/>
+                        </a:spcAft>
+                        <a:buClrTx/>
+                        <a:buSzTx/>
+                        <a:buFontTx/>
+                        <a:buNone/>
+                        <a:tabLst/>
+                        <a:defRPr/>
+                      </a:pPr>
+                      <a:endParaRPr lang="en-US" sz="1200" dirty="0"/>
+                    </a:p>
+                  </a:txBody>
+                  <a:tcPr marL="68580" marR="68580" marT="34290" marB="34290"/>
+                </a:tc>
+                <a:tc>
+                  <a:txBody>
+                    <a:bodyPr/>
+                    <a:lstStyle/>
+                    <a:p>
+                      <a:pPr marL="0" marR="0" lvl="0" indent="0" algn="l" defTabSz="914400" rtl="0" eaLnBrk="1" fontAlgn="auto" latinLnBrk="0" hangingPunct="1">
+                        <a:lnSpc>
+                          <a:spcPct val="100000"/>
+                        </a:lnSpc>
+                        <a:spcBef>
+                          <a:spcPts val="0"/>
+                        </a:spcBef>
+                        <a:spcAft>
+                          <a:spcPts val="0"/>
+                        </a:spcAft>
+                        <a:buClrTx/>
+                        <a:buSzTx/>
+                        <a:buFontTx/>
+                        <a:buNone/>
+                        <a:tabLst/>
+                        <a:defRPr/>
+                      </a:pPr>
+                      <a:endParaRPr lang="en-US" sz="1200" dirty="0"/>
+                    </a:p>
+                  </a:txBody>
+                  <a:tcPr marL="68580" marR="68580" marT="34290" marB="34290"/>
+                </a:tc>
+                <a:tc>
+                  <a:txBody>
+                    <a:bodyPr/>
+                    <a:lstStyle/>
+                    <a:p>
+                      <a:pPr marL="0" marR="0" lvl="0" indent="0" algn="l" defTabSz="914400" rtl="0" eaLnBrk="1" fontAlgn="auto" latinLnBrk="0" hangingPunct="1">
+                        <a:lnSpc>
+                          <a:spcPct val="100000"/>
+                        </a:lnSpc>
+                        <a:spcBef>
+                          <a:spcPts val="0"/>
+                        </a:spcBef>
+                        <a:spcAft>
+                          <a:spcPts val="0"/>
+                        </a:spcAft>
+                        <a:buClrTx/>
+                        <a:buSzTx/>
+                        <a:buFontTx/>
+                        <a:buNone/>
+                        <a:tabLst/>
+                        <a:defRPr/>
+                      </a:pPr>
+                      <a:endParaRPr lang="en-US" sz="1200" dirty="0"/>
+                    </a:p>
+                  </a:txBody>
+                  <a:tcPr marL="68580" marR="68580" marT="34290" marB="34290"/>
+                </a:tc>
+                <a:tc>
+                  <a:txBody>
+                    <a:bodyPr/>
+                    <a:lstStyle/>
+                    <a:p>
+                      <a:endParaRPr lang="en-US" sz="1200" dirty="0"/>
+                    </a:p>
+                  </a:txBody>
+                  <a:tcPr marL="68580" marR="68580" marT="34290" marB="34290"/>
+                </a:tc>
+                <a:tc>
+                  <a:txBody>
+                    <a:bodyPr/>
+                    <a:lstStyle/>
+                    <a:p>
+                      <a:pPr marL="0" marR="0" lvl="0" indent="0" algn="l" defTabSz="914400" rtl="0" eaLnBrk="1" fontAlgn="auto" latinLnBrk="0" hangingPunct="1">
+                        <a:lnSpc>
+                          <a:spcPct val="100000"/>
+                        </a:lnSpc>
+                        <a:spcBef>
+                          <a:spcPts val="0"/>
+                        </a:spcBef>
+                        <a:spcAft>
+                          <a:spcPts val="0"/>
+                        </a:spcAft>
+                        <a:buClrTx/>
+                        <a:buSzTx/>
+                        <a:buFontTx/>
+                        <a:buNone/>
+                        <a:tabLst/>
+                        <a:defRPr/>
+                      </a:pPr>
+                      <a:r>
+                        <a:rPr lang="en-US" sz="1200" dirty="0"/>
+                        <a:t>(N</a:t>
+                      </a:r>
+                      <a:r>
+                        <a:rPr lang="en-US" sz="1200" baseline="-25000" dirty="0"/>
+                        <a:t>D</a:t>
+                      </a:r>
+                      <a:r>
+                        <a:rPr lang="en-US" sz="1200" dirty="0"/>
+                        <a:t>, 1</a:t>
+                      </a:r>
+                      <a:r>
+                        <a:rPr lang="en-US" sz="1200" baseline="-25000" dirty="0"/>
+                        <a:t>P</a:t>
+                      </a:r>
+                      <a:r>
+                        <a:rPr lang="en-US" sz="1200" dirty="0"/>
+                        <a:t>, N</a:t>
+                      </a:r>
+                      <a:r>
+                        <a:rPr lang="en-US" sz="1200" baseline="-25000" dirty="0"/>
+                        <a:t>Y</a:t>
+                      </a:r>
+                      <a:r>
+                        <a:rPr lang="en-US" sz="1200" dirty="0"/>
+                        <a:t>, N</a:t>
+                      </a:r>
+                      <a:r>
+                        <a:rPr lang="en-US" sz="1200" baseline="-25000" dirty="0"/>
+                        <a:t>X</a:t>
+                      </a:r>
+                      <a:r>
+                        <a:rPr lang="en-US" sz="1200" dirty="0"/>
+                        <a:t>)</a:t>
+                      </a:r>
+                    </a:p>
+                  </a:txBody>
+                  <a:tcPr marL="68580" marR="68580" marT="34290" marB="34290"/>
+                </a:tc>
+                <a:tc>
+                  <a:txBody>
+                    <a:bodyPr/>
+                    <a:lstStyle/>
+                    <a:p>
+                      <a:pPr marL="0" marR="0" lvl="0" indent="0" algn="l" defTabSz="914400" rtl="0" eaLnBrk="1" fontAlgn="auto" latinLnBrk="0" hangingPunct="1">
+                        <a:lnSpc>
+                          <a:spcPct val="100000"/>
+                        </a:lnSpc>
+                        <a:spcBef>
+                          <a:spcPts val="0"/>
+                        </a:spcBef>
+                        <a:spcAft>
+                          <a:spcPts val="0"/>
+                        </a:spcAft>
+                        <a:buClrTx/>
+                        <a:buSzTx/>
+                        <a:buFontTx/>
+                        <a:buNone/>
+                        <a:tabLst/>
+                        <a:defRPr/>
+                      </a:pPr>
+                      <a:r>
+                        <a:rPr lang="en-US" sz="1200" dirty="0"/>
+                        <a:t>Next Partial Map</a:t>
+                      </a:r>
+                    </a:p>
+                  </a:txBody>
+                  <a:tcPr marL="68580" marR="68580" marT="34290" marB="34290"/>
+                </a:tc>
+                <a:extLst>
+                  <a:ext uri="{0D108BD9-81ED-4DB2-BD59-A6C34878D82A}">
+                    <a16:rowId xmlns:a16="http://schemas.microsoft.com/office/drawing/2014/main" val="1500767591"/>
+                  </a:ext>
+                </a:extLst>
+              </a:tr>
+              <a:tr h="257501">
+                <a:tc>
+                  <a:txBody>
+                    <a:bodyPr/>
+                    <a:lstStyle/>
+                    <a:p>
+                      <a:pPr marL="0" marR="0" lvl="0" indent="0" algn="l" defTabSz="914400" rtl="0" eaLnBrk="1" fontAlgn="auto" latinLnBrk="0" hangingPunct="1">
+                        <a:lnSpc>
+                          <a:spcPct val="100000"/>
+                        </a:lnSpc>
+                        <a:spcBef>
+                          <a:spcPts val="0"/>
+                        </a:spcBef>
+                        <a:spcAft>
+                          <a:spcPts val="0"/>
+                        </a:spcAft>
+                        <a:buClrTx/>
+                        <a:buSzTx/>
+                        <a:buFontTx/>
+                        <a:buNone/>
+                        <a:tabLst/>
+                        <a:defRPr/>
+                      </a:pPr>
+                      <a:endParaRPr lang="en-US" sz="1200" dirty="0"/>
+                    </a:p>
+                  </a:txBody>
+                  <a:tcPr marL="68580" marR="68580" marT="34290" marB="34290"/>
+                </a:tc>
+                <a:tc>
+                  <a:txBody>
+                    <a:bodyPr/>
+                    <a:lstStyle/>
+                    <a:p>
+                      <a:pPr marL="0" marR="0" lvl="0" indent="0" algn="l" defTabSz="914400" rtl="0" eaLnBrk="1" fontAlgn="auto" latinLnBrk="0" hangingPunct="1">
+                        <a:lnSpc>
+                          <a:spcPct val="100000"/>
+                        </a:lnSpc>
+                        <a:spcBef>
+                          <a:spcPts val="0"/>
+                        </a:spcBef>
+                        <a:spcAft>
+                          <a:spcPts val="0"/>
+                        </a:spcAft>
+                        <a:buClrTx/>
+                        <a:buSzTx/>
+                        <a:buFontTx/>
+                        <a:buNone/>
+                        <a:tabLst/>
+                        <a:defRPr/>
+                      </a:pPr>
+                      <a:endParaRPr lang="en-US" sz="1200" dirty="0"/>
+                    </a:p>
+                  </a:txBody>
+                  <a:tcPr marL="68580" marR="68580" marT="34290" marB="34290"/>
+                </a:tc>
+                <a:tc>
+                  <a:txBody>
+                    <a:bodyPr/>
+                    <a:lstStyle/>
+                    <a:p>
+                      <a:pPr marL="0" marR="0" lvl="0" indent="0" algn="l" defTabSz="914400" rtl="0" eaLnBrk="1" fontAlgn="auto" latinLnBrk="0" hangingPunct="1">
+                        <a:lnSpc>
+                          <a:spcPct val="100000"/>
+                        </a:lnSpc>
+                        <a:spcBef>
+                          <a:spcPts val="0"/>
+                        </a:spcBef>
+                        <a:spcAft>
+                          <a:spcPts val="0"/>
+                        </a:spcAft>
+                        <a:buClrTx/>
+                        <a:buSzTx/>
+                        <a:buFontTx/>
+                        <a:buNone/>
+                        <a:tabLst/>
+                        <a:defRPr/>
+                      </a:pPr>
+                      <a:endParaRPr lang="en-US" sz="1200" dirty="0"/>
+                    </a:p>
+                  </a:txBody>
+                  <a:tcPr marL="68580" marR="68580" marT="34290" marB="34290"/>
+                </a:tc>
+                <a:tc>
+                  <a:txBody>
+                    <a:bodyPr/>
+                    <a:lstStyle/>
+                    <a:p>
+                      <a:endParaRPr lang="en-US" sz="1200" dirty="0"/>
+                    </a:p>
+                  </a:txBody>
+                  <a:tcPr marL="68580" marR="68580" marT="34290" marB="34290"/>
+                </a:tc>
+                <a:tc>
+                  <a:txBody>
+                    <a:bodyPr/>
+                    <a:lstStyle/>
+                    <a:p>
+                      <a:pPr marL="0" marR="0" lvl="0" indent="0" algn="l" defTabSz="914400" rtl="0" eaLnBrk="1" fontAlgn="auto" latinLnBrk="0" hangingPunct="1">
+                        <a:lnSpc>
+                          <a:spcPct val="100000"/>
+                        </a:lnSpc>
+                        <a:spcBef>
+                          <a:spcPts val="0"/>
+                        </a:spcBef>
+                        <a:spcAft>
+                          <a:spcPts val="0"/>
+                        </a:spcAft>
+                        <a:buClrTx/>
+                        <a:buSzTx/>
+                        <a:buFontTx/>
+                        <a:buNone/>
+                        <a:tabLst/>
+                        <a:defRPr/>
+                      </a:pPr>
+                      <a:r>
+                        <a:rPr lang="en-US" sz="1200" dirty="0"/>
+                        <a:t>(N</a:t>
+                      </a:r>
+                      <a:r>
+                        <a:rPr lang="en-US" sz="1200" baseline="-25000" dirty="0"/>
+                        <a:t>D</a:t>
+                      </a:r>
+                      <a:r>
+                        <a:rPr lang="en-US" sz="1200" dirty="0"/>
+                        <a:t>, N</a:t>
+                      </a:r>
+                      <a:r>
+                        <a:rPr lang="en-US" sz="1200" baseline="-25000" dirty="0"/>
+                        <a:t>P</a:t>
+                      </a:r>
+                      <a:r>
+                        <a:rPr lang="en-US" sz="1200" dirty="0"/>
+                        <a:t>, N</a:t>
+                      </a:r>
+                      <a:r>
+                        <a:rPr lang="en-US" sz="1200" baseline="-25000" dirty="0"/>
+                        <a:t>Y</a:t>
+                      </a:r>
+                      <a:r>
+                        <a:rPr lang="en-US" sz="1200" dirty="0"/>
+                        <a:t>, N</a:t>
+                      </a:r>
+                      <a:r>
+                        <a:rPr lang="en-US" sz="1200" baseline="-25000" dirty="0"/>
+                        <a:t>X</a:t>
+                      </a:r>
+                      <a:r>
+                        <a:rPr lang="en-US" sz="1200" dirty="0"/>
+                        <a:t>)</a:t>
+                      </a:r>
+                    </a:p>
+                  </a:txBody>
+                  <a:tcPr marL="68580" marR="68580" marT="34290" marB="34290"/>
+                </a:tc>
+                <a:tc>
+                  <a:txBody>
+                    <a:bodyPr/>
+                    <a:lstStyle/>
+                    <a:p>
+                      <a:pPr marL="0" marR="0" lvl="0" indent="0" algn="l" defTabSz="914400" rtl="0" eaLnBrk="1" fontAlgn="auto" latinLnBrk="0" hangingPunct="1">
+                        <a:lnSpc>
+                          <a:spcPct val="100000"/>
+                        </a:lnSpc>
+                        <a:spcBef>
+                          <a:spcPts val="0"/>
+                        </a:spcBef>
+                        <a:spcAft>
+                          <a:spcPts val="0"/>
+                        </a:spcAft>
+                        <a:buClrTx/>
+                        <a:buSzTx/>
+                        <a:buFontTx/>
+                        <a:buNone/>
+                        <a:tabLst/>
+                        <a:defRPr/>
+                      </a:pPr>
+                      <a:endParaRPr lang="en-US" sz="1200" dirty="0"/>
+                    </a:p>
+                  </a:txBody>
+                  <a:tcPr marL="68580" marR="68580" marT="34290" marB="34290"/>
+                </a:tc>
+                <a:extLst>
+                  <a:ext uri="{0D108BD9-81ED-4DB2-BD59-A6C34878D82A}">
+                    <a16:rowId xmlns:a16="http://schemas.microsoft.com/office/drawing/2014/main" val="3931965478"/>
+                  </a:ext>
+                </a:extLst>
+              </a:tr>
+            </a:tbl>
+          </a:graphicData>
+        </a:graphic>
+      </p:graphicFrame>
+    </p:spTree>
+    <p:extLst>
+      <p:ext uri="{BB962C8B-B14F-4D97-AF65-F5344CB8AC3E}">
+        <p14:creationId xmlns:p14="http://schemas.microsoft.com/office/powerpoint/2010/main" val="2427916962"/>
+      </p:ext>
+    </p:extLst>
+  </p:cSld>
+  <p:clrMapOvr>
+    <a:masterClrMapping/>
+  </p:clrMapOvr>
+</p:sld>
+</file>
+
+<file path=ppt/slides/slide41.xml><?xml version="1.0" encoding="utf-8"?>
+<p:sld xmlns:a="http://schemas.openxmlformats.org/drawingml/2006/main" xmlns:r="http://schemas.openxmlformats.org/officeDocument/2006/relationships" xmlns:p="http://schemas.openxmlformats.org/presentationml/2006/main">
+  <p:cSld>
+    <p:spTree>
+      <p:nvGrpSpPr>
+        <p:cNvPr id="1" name=""/>
+        <p:cNvGrpSpPr/>
+        <p:nvPr/>
+      </p:nvGrpSpPr>
+      <p:grpSpPr>
+        <a:xfrm>
+          <a:off x="0" y="0"/>
+          <a:ext cx="0" cy="0"/>
+          <a:chOff x="0" y="0"/>
+          <a:chExt cx="0" cy="0"/>
+        </a:xfrm>
+      </p:grpSpPr>
+      <p:sp>
+        <p:nvSpPr>
           <p:cNvPr id="2" name="Title 1">
             <a:extLst>
               <a:ext uri="{FF2B5EF4-FFF2-40B4-BE49-F238E27FC236}">
@@ -35123,7 +44343,7 @@
           <a:p>
             <a:r>
               <a:rPr lang="en-US" dirty="0"/>
-              <a:t>Config</a:t>
+              <a:t>The order to config accel</a:t>
             </a:r>
           </a:p>
         </p:txBody>
@@ -35151,6 +44371,128 @@
           <a:p>
             <a:r>
               <a:rPr lang="en-US" dirty="0"/>
+              <a:t>1</a:t>
+            </a:r>
+            <a:r>
+              <a:rPr lang="en-US" baseline="30000" dirty="0"/>
+              <a:t>st</a:t>
+            </a:r>
+            <a:r>
+              <a:rPr lang="en-US" dirty="0"/>
+              <a:t> config regs</a:t>
+            </a:r>
+          </a:p>
+          <a:p>
+            <a:r>
+              <a:rPr lang="en-US" dirty="0"/>
+              <a:t>2</a:t>
+            </a:r>
+            <a:r>
+              <a:rPr lang="en-US" baseline="30000" dirty="0"/>
+              <a:t>nd</a:t>
+            </a:r>
+            <a:r>
+              <a:rPr lang="en-US" dirty="0"/>
+              <a:t> pixel sequence data</a:t>
+            </a:r>
+          </a:p>
+          <a:p>
+            <a:r>
+              <a:rPr lang="en-US" dirty="0"/>
+              <a:t>3</a:t>
+            </a:r>
+            <a:r>
+              <a:rPr lang="en-US" baseline="30000" dirty="0"/>
+              <a:t>rd</a:t>
+            </a:r>
+            <a:r>
+              <a:rPr lang="en-US" dirty="0"/>
+              <a:t> kernel data</a:t>
+            </a:r>
+          </a:p>
+        </p:txBody>
+      </p:sp>
+    </p:spTree>
+    <p:extLst>
+      <p:ext uri="{BB962C8B-B14F-4D97-AF65-F5344CB8AC3E}">
+        <p14:creationId xmlns:p14="http://schemas.microsoft.com/office/powerpoint/2010/main" val="2325165741"/>
+      </p:ext>
+    </p:extLst>
+  </p:cSld>
+  <p:clrMapOvr>
+    <a:masterClrMapping/>
+  </p:clrMapOvr>
+</p:sld>
+</file>
+
+<file path=ppt/slides/slide42.xml><?xml version="1.0" encoding="utf-8"?>
+<p:sld xmlns:a="http://schemas.openxmlformats.org/drawingml/2006/main" xmlns:r="http://schemas.openxmlformats.org/officeDocument/2006/relationships" xmlns:p="http://schemas.openxmlformats.org/presentationml/2006/main">
+  <p:cSld>
+    <p:spTree>
+      <p:nvGrpSpPr>
+        <p:cNvPr id="1" name=""/>
+        <p:cNvGrpSpPr/>
+        <p:nvPr/>
+      </p:nvGrpSpPr>
+      <p:grpSpPr>
+        <a:xfrm>
+          <a:off x="0" y="0"/>
+          <a:ext cx="0" cy="0"/>
+          <a:chOff x="0" y="0"/>
+          <a:chExt cx="0" cy="0"/>
+        </a:xfrm>
+      </p:grpSpPr>
+      <p:sp>
+        <p:nvSpPr>
+          <p:cNvPr id="2" name="Title 1">
+            <a:extLst>
+              <a:ext uri="{FF2B5EF4-FFF2-40B4-BE49-F238E27FC236}">
+                <a16:creationId xmlns:a16="http://schemas.microsoft.com/office/drawing/2014/main" id="{4AD6DAAA-C150-4898-BC9C-E84C2A0D6B21}"/>
+              </a:ext>
+            </a:extLst>
+          </p:cNvPr>
+          <p:cNvSpPr>
+            <a:spLocks noGrp="1"/>
+          </p:cNvSpPr>
+          <p:nvPr>
+            <p:ph type="title"/>
+          </p:nvPr>
+        </p:nvSpPr>
+        <p:spPr/>
+        <p:txBody>
+          <a:bodyPr/>
+          <a:lstStyle/>
+          <a:p>
+            <a:r>
+              <a:rPr lang="en-US" dirty="0"/>
+              <a:t>Config</a:t>
+            </a:r>
+          </a:p>
+        </p:txBody>
+      </p:sp>
+      <p:sp>
+        <p:nvSpPr>
+          <p:cNvPr id="3" name="Content Placeholder 2">
+            <a:extLst>
+              <a:ext uri="{FF2B5EF4-FFF2-40B4-BE49-F238E27FC236}">
+                <a16:creationId xmlns:a16="http://schemas.microsoft.com/office/drawing/2014/main" id="{1968B61E-13EB-4186-B4CF-5307081474DD}"/>
+              </a:ext>
+            </a:extLst>
+          </p:cNvPr>
+          <p:cNvSpPr>
+            <a:spLocks noGrp="1"/>
+          </p:cNvSpPr>
+          <p:nvPr>
+            <p:ph idx="1"/>
+          </p:nvPr>
+        </p:nvSpPr>
+        <p:spPr/>
+        <p:txBody>
+          <a:bodyPr/>
+          <a:lstStyle/>
+          <a:p>
+            <a:r>
+              <a:rPr lang="en-US" dirty="0"/>
               <a:t>Config reg data comes in at the 1x clock. </a:t>
             </a:r>
           </a:p>
@@ -35219,7 +44561,7 @@
 </p:sld>
 </file>
 
-<file path=ppt/slides/slide41.xml><?xml version="1.0" encoding="utf-8"?>
+<file path=ppt/slides/slide43.xml><?xml version="1.0" encoding="utf-8"?>
 <p:sld xmlns:a="http://schemas.openxmlformats.org/drawingml/2006/main" xmlns:r="http://schemas.openxmlformats.org/officeDocument/2006/relationships" xmlns:p="http://schemas.openxmlformats.org/presentationml/2006/main">
   <p:cSld>
     <p:spTree>
@@ -35341,7 +44683,7 @@
 </p:sld>
 </file>
 
-<file path=ppt/slides/slide42.xml><?xml version="1.0" encoding="utf-8"?>
+<file path=ppt/slides/slide44.xml><?xml version="1.0" encoding="utf-8"?>
 <p:sld xmlns:a="http://schemas.openxmlformats.org/drawingml/2006/main" xmlns:r="http://schemas.openxmlformats.org/officeDocument/2006/relationships" xmlns:p="http://schemas.openxmlformats.org/presentationml/2006/main">
   <p:cSld>
     <p:spTree>
@@ -35474,7 +44816,7 @@
 </p:sld>
 </file>
 
-<file path=ppt/slides/slide43.xml><?xml version="1.0" encoding="utf-8"?>
+<file path=ppt/slides/slide45.xml><?xml version="1.0" encoding="utf-8"?>
 <p:sld xmlns:a="http://schemas.openxmlformats.org/drawingml/2006/main" xmlns:r="http://schemas.openxmlformats.org/officeDocument/2006/relationships" xmlns:p="http://schemas.openxmlformats.org/presentationml/2006/main">
   <p:cSld>
     <p:spTree>
@@ -37179,7 +46521,7 @@
 </p:sld>
 </file>
 
-<file path=ppt/slides/slide44.xml><?xml version="1.0" encoding="utf-8"?>
+<file path=ppt/slides/slide46.xml><?xml version="1.0" encoding="utf-8"?>
 <p:sld xmlns:a="http://schemas.openxmlformats.org/drawingml/2006/main" xmlns:r="http://schemas.openxmlformats.org/officeDocument/2006/relationships" xmlns:p="http://schemas.openxmlformats.org/presentationml/2006/main">
   <p:cSld>
     <p:spTree>

--- a/hardware/doc/AdaptNet_v1_00_a.pptx
+++ b/hardware/doc/AdaptNet_v1_00_a.pptx
@@ -242,7 +242,7 @@
           <a:p>
             <a:fld id="{C4B376D1-B2A4-4962-9EC9-A9C8ACD38F22}" type="datetimeFigureOut">
               <a:rPr lang="en-US" smtClean="0"/>
-              <a:t>2/13/2020</a:t>
+              <a:t>2/21/2020</a:t>
             </a:fld>
             <a:endParaRPr lang="en-US"/>
           </a:p>
@@ -1060,7 +1060,7 @@
           <a:p>
             <a:fld id="{8F06087A-BB81-43C1-AFE2-3763E6B27B9D}" type="datetimeFigureOut">
               <a:rPr lang="en-US" smtClean="0"/>
-              <a:t>2/13/2020</a:t>
+              <a:t>2/21/2020</a:t>
             </a:fld>
             <a:endParaRPr lang="en-US"/>
           </a:p>
@@ -1230,7 +1230,7 @@
           <a:p>
             <a:fld id="{8F06087A-BB81-43C1-AFE2-3763E6B27B9D}" type="datetimeFigureOut">
               <a:rPr lang="en-US" smtClean="0"/>
-              <a:t>2/13/2020</a:t>
+              <a:t>2/21/2020</a:t>
             </a:fld>
             <a:endParaRPr lang="en-US"/>
           </a:p>
@@ -1410,7 +1410,7 @@
           <a:p>
             <a:fld id="{8F06087A-BB81-43C1-AFE2-3763E6B27B9D}" type="datetimeFigureOut">
               <a:rPr lang="en-US" smtClean="0"/>
-              <a:t>2/13/2020</a:t>
+              <a:t>2/21/2020</a:t>
             </a:fld>
             <a:endParaRPr lang="en-US"/>
           </a:p>
@@ -1580,7 +1580,7 @@
           <a:p>
             <a:fld id="{8F06087A-BB81-43C1-AFE2-3763E6B27B9D}" type="datetimeFigureOut">
               <a:rPr lang="en-US" smtClean="0"/>
-              <a:t>2/13/2020</a:t>
+              <a:t>2/21/2020</a:t>
             </a:fld>
             <a:endParaRPr lang="en-US"/>
           </a:p>
@@ -1826,7 +1826,7 @@
           <a:p>
             <a:fld id="{8F06087A-BB81-43C1-AFE2-3763E6B27B9D}" type="datetimeFigureOut">
               <a:rPr lang="en-US" smtClean="0"/>
-              <a:t>2/13/2020</a:t>
+              <a:t>2/21/2020</a:t>
             </a:fld>
             <a:endParaRPr lang="en-US"/>
           </a:p>
@@ -2058,7 +2058,7 @@
           <a:p>
             <a:fld id="{8F06087A-BB81-43C1-AFE2-3763E6B27B9D}" type="datetimeFigureOut">
               <a:rPr lang="en-US" smtClean="0"/>
-              <a:t>2/13/2020</a:t>
+              <a:t>2/21/2020</a:t>
             </a:fld>
             <a:endParaRPr lang="en-US"/>
           </a:p>
@@ -2425,7 +2425,7 @@
           <a:p>
             <a:fld id="{8F06087A-BB81-43C1-AFE2-3763E6B27B9D}" type="datetimeFigureOut">
               <a:rPr lang="en-US" smtClean="0"/>
-              <a:t>2/13/2020</a:t>
+              <a:t>2/21/2020</a:t>
             </a:fld>
             <a:endParaRPr lang="en-US"/>
           </a:p>
@@ -2543,7 +2543,7 @@
           <a:p>
             <a:fld id="{8F06087A-BB81-43C1-AFE2-3763E6B27B9D}" type="datetimeFigureOut">
               <a:rPr lang="en-US" smtClean="0"/>
-              <a:t>2/13/2020</a:t>
+              <a:t>2/21/2020</a:t>
             </a:fld>
             <a:endParaRPr lang="en-US"/>
           </a:p>
@@ -2638,7 +2638,7 @@
           <a:p>
             <a:fld id="{8F06087A-BB81-43C1-AFE2-3763E6B27B9D}" type="datetimeFigureOut">
               <a:rPr lang="en-US" smtClean="0"/>
-              <a:t>2/13/2020</a:t>
+              <a:t>2/21/2020</a:t>
             </a:fld>
             <a:endParaRPr lang="en-US"/>
           </a:p>
@@ -2915,7 +2915,7 @@
           <a:p>
             <a:fld id="{8F06087A-BB81-43C1-AFE2-3763E6B27B9D}" type="datetimeFigureOut">
               <a:rPr lang="en-US" smtClean="0"/>
-              <a:t>2/13/2020</a:t>
+              <a:t>2/21/2020</a:t>
             </a:fld>
             <a:endParaRPr lang="en-US"/>
           </a:p>
@@ -3172,7 +3172,7 @@
           <a:p>
             <a:fld id="{8F06087A-BB81-43C1-AFE2-3763E6B27B9D}" type="datetimeFigureOut">
               <a:rPr lang="en-US" smtClean="0"/>
-              <a:t>2/13/2020</a:t>
+              <a:t>2/21/2020</a:t>
             </a:fld>
             <a:endParaRPr lang="en-US"/>
           </a:p>
@@ -3385,7 +3385,7 @@
           <a:p>
             <a:fld id="{8F06087A-BB81-43C1-AFE2-3763E6B27B9D}" type="datetimeFigureOut">
               <a:rPr lang="en-US" smtClean="0"/>
-              <a:t>2/13/2020</a:t>
+              <a:t>2/21/2020</a:t>
             </a:fld>
             <a:endParaRPr lang="en-US"/>
           </a:p>
@@ -34804,81 +34804,6 @@
           <a:chExt cx="0" cy="0"/>
         </a:xfrm>
       </p:grpSpPr>
-      <p:sp>
-        <p:nvSpPr>
-          <p:cNvPr id="58" name="TextBox 57">
-            <a:extLst>
-              <a:ext uri="{FF2B5EF4-FFF2-40B4-BE49-F238E27FC236}">
-                <a16:creationId xmlns:a16="http://schemas.microsoft.com/office/drawing/2014/main" id="{9C04DD12-4230-4BAA-85D0-E25ABE909542}"/>
-              </a:ext>
-            </a:extLst>
-          </p:cNvPr>
-          <p:cNvSpPr txBox="1"/>
-          <p:nvPr/>
-        </p:nvSpPr>
-        <p:spPr>
-          <a:xfrm>
-            <a:off x="4568247" y="5278716"/>
-            <a:ext cx="1187726" cy="415498"/>
-          </a:xfrm>
-          <a:prstGeom prst="rect">
-            <a:avLst/>
-          </a:prstGeom>
-          <a:noFill/>
-        </p:spPr>
-        <p:txBody>
-          <a:bodyPr wrap="square" rtlCol="0">
-            <a:spAutoFit/>
-          </a:bodyPr>
-          <a:lstStyle/>
-          <a:p>
-            <a:pPr algn="ctr"/>
-            <a:r>
-              <a:rPr lang="en-US" sz="1050" dirty="0"/>
-              <a:t>Cycle N </a:t>
-            </a:r>
-          </a:p>
-          <a:p>
-            <a:pPr algn="ctr"/>
-            <a:r>
-              <a:rPr lang="en-US" sz="1050" dirty="0"/>
-              <a:t>(N</a:t>
-            </a:r>
-            <a:r>
-              <a:rPr lang="en-US" sz="1050" baseline="-25000" dirty="0"/>
-              <a:t>D</a:t>
-            </a:r>
-            <a:r>
-              <a:rPr lang="en-US" sz="1050" dirty="0"/>
-              <a:t>, N</a:t>
-            </a:r>
-            <a:r>
-              <a:rPr lang="en-US" sz="1050" baseline="-25000" dirty="0"/>
-              <a:t>P</a:t>
-            </a:r>
-            <a:r>
-              <a:rPr lang="en-US" sz="1050" dirty="0"/>
-              <a:t>, N</a:t>
-            </a:r>
-            <a:r>
-              <a:rPr lang="en-US" sz="1050" baseline="-25000" dirty="0"/>
-              <a:t>Y</a:t>
-            </a:r>
-            <a:r>
-              <a:rPr lang="en-US" sz="1050" dirty="0"/>
-              <a:t>, N</a:t>
-            </a:r>
-            <a:r>
-              <a:rPr lang="en-US" sz="1050" baseline="-25000" dirty="0"/>
-              <a:t>X</a:t>
-            </a:r>
-            <a:r>
-              <a:rPr lang="en-US" sz="1050" dirty="0"/>
-              <a:t>)</a:t>
-            </a:r>
-          </a:p>
-        </p:txBody>
-      </p:sp>
       <p:graphicFrame>
         <p:nvGraphicFramePr>
           <p:cNvPr id="86" name="Table 86">
@@ -39658,81 +39583,6 @@
           <a:chExt cx="0" cy="0"/>
         </a:xfrm>
       </p:grpSpPr>
-      <p:sp>
-        <p:nvSpPr>
-          <p:cNvPr id="58" name="TextBox 57">
-            <a:extLst>
-              <a:ext uri="{FF2B5EF4-FFF2-40B4-BE49-F238E27FC236}">
-                <a16:creationId xmlns:a16="http://schemas.microsoft.com/office/drawing/2014/main" id="{9C04DD12-4230-4BAA-85D0-E25ABE909542}"/>
-              </a:ext>
-            </a:extLst>
-          </p:cNvPr>
-          <p:cNvSpPr txBox="1"/>
-          <p:nvPr/>
-        </p:nvSpPr>
-        <p:spPr>
-          <a:xfrm>
-            <a:off x="4568247" y="5278716"/>
-            <a:ext cx="1187726" cy="415498"/>
-          </a:xfrm>
-          <a:prstGeom prst="rect">
-            <a:avLst/>
-          </a:prstGeom>
-          <a:noFill/>
-        </p:spPr>
-        <p:txBody>
-          <a:bodyPr wrap="square" rtlCol="0">
-            <a:spAutoFit/>
-          </a:bodyPr>
-          <a:lstStyle/>
-          <a:p>
-            <a:pPr algn="ctr"/>
-            <a:r>
-              <a:rPr lang="en-US" sz="1050" dirty="0"/>
-              <a:t>Cycle N </a:t>
-            </a:r>
-          </a:p>
-          <a:p>
-            <a:pPr algn="ctr"/>
-            <a:r>
-              <a:rPr lang="en-US" sz="1050" dirty="0"/>
-              <a:t>(N</a:t>
-            </a:r>
-            <a:r>
-              <a:rPr lang="en-US" sz="1050" baseline="-25000" dirty="0"/>
-              <a:t>D</a:t>
-            </a:r>
-            <a:r>
-              <a:rPr lang="en-US" sz="1050" dirty="0"/>
-              <a:t>, N</a:t>
-            </a:r>
-            <a:r>
-              <a:rPr lang="en-US" sz="1050" baseline="-25000" dirty="0"/>
-              <a:t>P</a:t>
-            </a:r>
-            <a:r>
-              <a:rPr lang="en-US" sz="1050" dirty="0"/>
-              <a:t>, N</a:t>
-            </a:r>
-            <a:r>
-              <a:rPr lang="en-US" sz="1050" baseline="-25000" dirty="0"/>
-              <a:t>Y</a:t>
-            </a:r>
-            <a:r>
-              <a:rPr lang="en-US" sz="1050" dirty="0"/>
-              <a:t>, N</a:t>
-            </a:r>
-            <a:r>
-              <a:rPr lang="en-US" sz="1050" baseline="-25000" dirty="0"/>
-              <a:t>X</a:t>
-            </a:r>
-            <a:r>
-              <a:rPr lang="en-US" sz="1050" dirty="0"/>
-              <a:t>)</a:t>
-            </a:r>
-          </a:p>
-        </p:txBody>
-      </p:sp>
       <p:graphicFrame>
         <p:nvGraphicFramePr>
           <p:cNvPr id="86" name="Table 86">
@@ -39749,7 +39599,7 @@
         </p:nvGraphicFramePr>
         <p:xfrm>
           <a:off x="686362" y="651196"/>
-          <a:ext cx="7217228" cy="4107927"/>
+          <a:ext cx="7217230" cy="4107934"/>
         </p:xfrm>
         <a:graphic>
           <a:graphicData uri="http://schemas.openxmlformats.org/drawingml/2006/table">
